--- a/yaoxu/Geste_Piano.pptx
+++ b/yaoxu/Geste_Piano.pptx
@@ -5,18 +5,22 @@
     <p:sldMasterId id="2147483648" r:id="rId1"/>
   </p:sldMasterIdLst>
   <p:notesMasterIdLst>
-    <p:notesMasterId r:id="rId11"/>
+    <p:notesMasterId r:id="rId15"/>
   </p:notesMasterIdLst>
   <p:sldIdLst>
     <p:sldId id="256" r:id="rId2"/>
     <p:sldId id="282" r:id="rId3"/>
-    <p:sldId id="257" r:id="rId4"/>
-    <p:sldId id="258" r:id="rId5"/>
-    <p:sldId id="274" r:id="rId6"/>
-    <p:sldId id="259" r:id="rId7"/>
-    <p:sldId id="283" r:id="rId8"/>
-    <p:sldId id="280" r:id="rId9"/>
-    <p:sldId id="279" r:id="rId10"/>
+    <p:sldId id="287" r:id="rId4"/>
+    <p:sldId id="257" r:id="rId5"/>
+    <p:sldId id="258" r:id="rId6"/>
+    <p:sldId id="274" r:id="rId7"/>
+    <p:sldId id="284" r:id="rId8"/>
+    <p:sldId id="259" r:id="rId9"/>
+    <p:sldId id="283" r:id="rId10"/>
+    <p:sldId id="285" r:id="rId11"/>
+    <p:sldId id="286" r:id="rId12"/>
+    <p:sldId id="280" r:id="rId13"/>
+    <p:sldId id="279" r:id="rId14"/>
   </p:sldIdLst>
   <p:sldSz cx="12192000" cy="6858000"/>
   <p:notesSz cx="6858000" cy="9144000"/>
@@ -123,6 +127,5172 @@
 </p:presentation>
 </file>
 
+<file path=ppt/charts/chart1.xml><?xml version="1.0" encoding="utf-8"?>
+<c:chartSpace xmlns:c="http://schemas.openxmlformats.org/drawingml/2006/chart" xmlns:a="http://schemas.openxmlformats.org/drawingml/2006/main" xmlns:r="http://schemas.openxmlformats.org/officeDocument/2006/relationships">
+  <c:date1904 val="0"/>
+  <c:lang val="en-US"/>
+  <c:roundedCorners val="0"/>
+  <mc:AlternateContent xmlns:mc="http://schemas.openxmlformats.org/markup-compatibility/2006">
+    <mc:Choice xmlns:c14="http://schemas.microsoft.com/office/drawing/2007/8/2/chart" Requires="c14">
+      <c14:style val="102"/>
+    </mc:Choice>
+    <mc:Fallback>
+      <c:style val="2"/>
+    </mc:Fallback>
+  </mc:AlternateContent>
+  <c:chart>
+    <c:title>
+      <c:tx>
+        <c:rich>
+          <a:bodyPr rot="0" spcFirstLastPara="1" vertOverflow="ellipsis" vert="horz" wrap="square" anchor="ctr" anchorCtr="1"/>
+          <a:lstStyle/>
+          <a:p>
+            <a:pPr>
+              <a:defRPr sz="1400" b="0" i="0" u="none" strike="noStrike" kern="1200" spc="0" baseline="0">
+                <a:solidFill>
+                  <a:schemeClr val="tx1">
+                    <a:lumMod val="65000"/>
+                    <a:lumOff val="35000"/>
+                  </a:schemeClr>
+                </a:solidFill>
+                <a:latin typeface="+mn-lt"/>
+                <a:ea typeface="+mn-ea"/>
+                <a:cs typeface="+mn-cs"/>
+              </a:defRPr>
+            </a:pPr>
+            <a:r>
+              <a:rPr lang="en-GB" dirty="0" smtClean="0"/>
+              <a:t>Y-axis</a:t>
+            </a:r>
+            <a:r>
+              <a:rPr lang="en-GB" baseline="0" dirty="0" smtClean="0"/>
+              <a:t> changes with frames</a:t>
+            </a:r>
+            <a:endParaRPr lang="en-GB" dirty="0"/>
+          </a:p>
+        </c:rich>
+      </c:tx>
+      <c:layout/>
+      <c:overlay val="0"/>
+      <c:spPr>
+        <a:noFill/>
+        <a:ln>
+          <a:noFill/>
+        </a:ln>
+        <a:effectLst/>
+      </c:spPr>
+      <c:txPr>
+        <a:bodyPr rot="0" spcFirstLastPara="1" vertOverflow="ellipsis" vert="horz" wrap="square" anchor="ctr" anchorCtr="1"/>
+        <a:lstStyle/>
+        <a:p>
+          <a:pPr>
+            <a:defRPr sz="1400" b="0" i="0" u="none" strike="noStrike" kern="1200" spc="0" baseline="0">
+              <a:solidFill>
+                <a:schemeClr val="tx1">
+                  <a:lumMod val="65000"/>
+                  <a:lumOff val="35000"/>
+                </a:schemeClr>
+              </a:solidFill>
+              <a:latin typeface="+mn-lt"/>
+              <a:ea typeface="+mn-ea"/>
+              <a:cs typeface="+mn-cs"/>
+            </a:defRPr>
+          </a:pPr>
+          <a:endParaRPr lang="en-US"/>
+        </a:p>
+      </c:txPr>
+    </c:title>
+    <c:autoTitleDeleted val="0"/>
+    <c:plotArea>
+      <c:layout/>
+      <c:lineChart>
+        <c:grouping val="standard"/>
+        <c:varyColors val="0"/>
+        <c:ser>
+          <c:idx val="0"/>
+          <c:order val="0"/>
+          <c:spPr>
+            <a:ln w="28575" cap="rnd">
+              <a:solidFill>
+                <a:schemeClr val="accent1"/>
+              </a:solidFill>
+              <a:round/>
+            </a:ln>
+            <a:effectLst/>
+          </c:spPr>
+          <c:marker>
+            <c:symbol val="none"/>
+          </c:marker>
+          <c:cat>
+            <c:numRef>
+              <c:f>Sheet2!$A$1:$A$221</c:f>
+              <c:numCache>
+                <c:formatCode>General</c:formatCode>
+                <c:ptCount val="221"/>
+                <c:pt idx="0">
+                  <c:v>294802.0</c:v>
+                </c:pt>
+                <c:pt idx="1">
+                  <c:v>294803.0</c:v>
+                </c:pt>
+                <c:pt idx="2">
+                  <c:v>294804.0</c:v>
+                </c:pt>
+                <c:pt idx="3">
+                  <c:v>294805.0</c:v>
+                </c:pt>
+                <c:pt idx="4">
+                  <c:v>294806.0</c:v>
+                </c:pt>
+                <c:pt idx="5">
+                  <c:v>294807.0</c:v>
+                </c:pt>
+                <c:pt idx="6">
+                  <c:v>294808.0</c:v>
+                </c:pt>
+                <c:pt idx="7">
+                  <c:v>294809.0</c:v>
+                </c:pt>
+                <c:pt idx="8">
+                  <c:v>294810.0</c:v>
+                </c:pt>
+                <c:pt idx="9">
+                  <c:v>294811.0</c:v>
+                </c:pt>
+                <c:pt idx="10">
+                  <c:v>294812.0</c:v>
+                </c:pt>
+                <c:pt idx="11">
+                  <c:v>294813.0</c:v>
+                </c:pt>
+                <c:pt idx="12">
+                  <c:v>294814.0</c:v>
+                </c:pt>
+                <c:pt idx="13">
+                  <c:v>294815.0</c:v>
+                </c:pt>
+                <c:pt idx="14">
+                  <c:v>294816.0</c:v>
+                </c:pt>
+                <c:pt idx="15">
+                  <c:v>294817.0</c:v>
+                </c:pt>
+                <c:pt idx="16">
+                  <c:v>294818.0</c:v>
+                </c:pt>
+                <c:pt idx="17">
+                  <c:v>294819.0</c:v>
+                </c:pt>
+                <c:pt idx="18">
+                  <c:v>294820.0</c:v>
+                </c:pt>
+                <c:pt idx="19">
+                  <c:v>294821.0</c:v>
+                </c:pt>
+                <c:pt idx="20">
+                  <c:v>294822.0</c:v>
+                </c:pt>
+                <c:pt idx="21">
+                  <c:v>294823.0</c:v>
+                </c:pt>
+                <c:pt idx="22">
+                  <c:v>294824.0</c:v>
+                </c:pt>
+                <c:pt idx="23">
+                  <c:v>294825.0</c:v>
+                </c:pt>
+                <c:pt idx="24">
+                  <c:v>294826.0</c:v>
+                </c:pt>
+                <c:pt idx="25">
+                  <c:v>294827.0</c:v>
+                </c:pt>
+                <c:pt idx="26">
+                  <c:v>294828.0</c:v>
+                </c:pt>
+                <c:pt idx="27">
+                  <c:v>294829.0</c:v>
+                </c:pt>
+                <c:pt idx="28">
+                  <c:v>294830.0</c:v>
+                </c:pt>
+                <c:pt idx="29">
+                  <c:v>294831.0</c:v>
+                </c:pt>
+                <c:pt idx="30">
+                  <c:v>294832.0</c:v>
+                </c:pt>
+                <c:pt idx="31">
+                  <c:v>294833.0</c:v>
+                </c:pt>
+                <c:pt idx="32">
+                  <c:v>294834.0</c:v>
+                </c:pt>
+                <c:pt idx="33">
+                  <c:v>294835.0</c:v>
+                </c:pt>
+                <c:pt idx="34">
+                  <c:v>294836.0</c:v>
+                </c:pt>
+                <c:pt idx="35">
+                  <c:v>294837.0</c:v>
+                </c:pt>
+                <c:pt idx="36">
+                  <c:v>294838.0</c:v>
+                </c:pt>
+                <c:pt idx="37">
+                  <c:v>294839.0</c:v>
+                </c:pt>
+                <c:pt idx="38">
+                  <c:v>294840.0</c:v>
+                </c:pt>
+                <c:pt idx="39">
+                  <c:v>294841.0</c:v>
+                </c:pt>
+                <c:pt idx="40">
+                  <c:v>294842.0</c:v>
+                </c:pt>
+                <c:pt idx="41">
+                  <c:v>294843.0</c:v>
+                </c:pt>
+                <c:pt idx="42">
+                  <c:v>294844.0</c:v>
+                </c:pt>
+                <c:pt idx="43">
+                  <c:v>294845.0</c:v>
+                </c:pt>
+                <c:pt idx="44">
+                  <c:v>294846.0</c:v>
+                </c:pt>
+                <c:pt idx="45">
+                  <c:v>294847.0</c:v>
+                </c:pt>
+                <c:pt idx="46">
+                  <c:v>294848.0</c:v>
+                </c:pt>
+                <c:pt idx="47">
+                  <c:v>294849.0</c:v>
+                </c:pt>
+                <c:pt idx="48">
+                  <c:v>294850.0</c:v>
+                </c:pt>
+                <c:pt idx="49">
+                  <c:v>294851.0</c:v>
+                </c:pt>
+                <c:pt idx="50">
+                  <c:v>294852.0</c:v>
+                </c:pt>
+                <c:pt idx="51">
+                  <c:v>294853.0</c:v>
+                </c:pt>
+                <c:pt idx="52">
+                  <c:v>294854.0</c:v>
+                </c:pt>
+                <c:pt idx="53">
+                  <c:v>294855.0</c:v>
+                </c:pt>
+                <c:pt idx="54">
+                  <c:v>294856.0</c:v>
+                </c:pt>
+                <c:pt idx="55">
+                  <c:v>294857.0</c:v>
+                </c:pt>
+                <c:pt idx="56">
+                  <c:v>294858.0</c:v>
+                </c:pt>
+                <c:pt idx="57">
+                  <c:v>294859.0</c:v>
+                </c:pt>
+                <c:pt idx="58">
+                  <c:v>294860.0</c:v>
+                </c:pt>
+                <c:pt idx="59">
+                  <c:v>294861.0</c:v>
+                </c:pt>
+                <c:pt idx="60">
+                  <c:v>294862.0</c:v>
+                </c:pt>
+                <c:pt idx="61">
+                  <c:v>294863.0</c:v>
+                </c:pt>
+                <c:pt idx="62">
+                  <c:v>294864.0</c:v>
+                </c:pt>
+                <c:pt idx="63">
+                  <c:v>294865.0</c:v>
+                </c:pt>
+                <c:pt idx="64">
+                  <c:v>294866.0</c:v>
+                </c:pt>
+                <c:pt idx="65">
+                  <c:v>294867.0</c:v>
+                </c:pt>
+                <c:pt idx="66">
+                  <c:v>294868.0</c:v>
+                </c:pt>
+                <c:pt idx="67">
+                  <c:v>294869.0</c:v>
+                </c:pt>
+                <c:pt idx="68">
+                  <c:v>294870.0</c:v>
+                </c:pt>
+                <c:pt idx="69">
+                  <c:v>294871.0</c:v>
+                </c:pt>
+                <c:pt idx="70">
+                  <c:v>294872.0</c:v>
+                </c:pt>
+                <c:pt idx="71">
+                  <c:v>294873.0</c:v>
+                </c:pt>
+                <c:pt idx="72">
+                  <c:v>294874.0</c:v>
+                </c:pt>
+                <c:pt idx="73">
+                  <c:v>294875.0</c:v>
+                </c:pt>
+                <c:pt idx="74">
+                  <c:v>294876.0</c:v>
+                </c:pt>
+                <c:pt idx="75">
+                  <c:v>294877.0</c:v>
+                </c:pt>
+                <c:pt idx="76">
+                  <c:v>294878.0</c:v>
+                </c:pt>
+                <c:pt idx="77">
+                  <c:v>294879.0</c:v>
+                </c:pt>
+                <c:pt idx="78">
+                  <c:v>294880.0</c:v>
+                </c:pt>
+                <c:pt idx="79">
+                  <c:v>294881.0</c:v>
+                </c:pt>
+                <c:pt idx="80">
+                  <c:v>294882.0</c:v>
+                </c:pt>
+                <c:pt idx="81">
+                  <c:v>294883.0</c:v>
+                </c:pt>
+                <c:pt idx="82">
+                  <c:v>294884.0</c:v>
+                </c:pt>
+                <c:pt idx="83">
+                  <c:v>294885.0</c:v>
+                </c:pt>
+                <c:pt idx="84">
+                  <c:v>294886.0</c:v>
+                </c:pt>
+                <c:pt idx="85">
+                  <c:v>294887.0</c:v>
+                </c:pt>
+                <c:pt idx="86">
+                  <c:v>294888.0</c:v>
+                </c:pt>
+                <c:pt idx="87">
+                  <c:v>294889.0</c:v>
+                </c:pt>
+                <c:pt idx="88">
+                  <c:v>294890.0</c:v>
+                </c:pt>
+                <c:pt idx="89">
+                  <c:v>294891.0</c:v>
+                </c:pt>
+                <c:pt idx="90">
+                  <c:v>294892.0</c:v>
+                </c:pt>
+                <c:pt idx="91">
+                  <c:v>294893.0</c:v>
+                </c:pt>
+                <c:pt idx="92">
+                  <c:v>294894.0</c:v>
+                </c:pt>
+                <c:pt idx="93">
+                  <c:v>294895.0</c:v>
+                </c:pt>
+                <c:pt idx="94">
+                  <c:v>294896.0</c:v>
+                </c:pt>
+                <c:pt idx="95">
+                  <c:v>294897.0</c:v>
+                </c:pt>
+                <c:pt idx="96">
+                  <c:v>294898.0</c:v>
+                </c:pt>
+                <c:pt idx="97">
+                  <c:v>294899.0</c:v>
+                </c:pt>
+                <c:pt idx="98">
+                  <c:v>294900.0</c:v>
+                </c:pt>
+                <c:pt idx="99">
+                  <c:v>294901.0</c:v>
+                </c:pt>
+                <c:pt idx="100">
+                  <c:v>294902.0</c:v>
+                </c:pt>
+                <c:pt idx="101">
+                  <c:v>294903.0</c:v>
+                </c:pt>
+                <c:pt idx="102">
+                  <c:v>294904.0</c:v>
+                </c:pt>
+                <c:pt idx="103">
+                  <c:v>294905.0</c:v>
+                </c:pt>
+                <c:pt idx="104">
+                  <c:v>294906.0</c:v>
+                </c:pt>
+                <c:pt idx="105">
+                  <c:v>294907.0</c:v>
+                </c:pt>
+                <c:pt idx="106">
+                  <c:v>294908.0</c:v>
+                </c:pt>
+                <c:pt idx="107">
+                  <c:v>294909.0</c:v>
+                </c:pt>
+                <c:pt idx="108">
+                  <c:v>294910.0</c:v>
+                </c:pt>
+                <c:pt idx="109">
+                  <c:v>294911.0</c:v>
+                </c:pt>
+                <c:pt idx="110">
+                  <c:v>294912.0</c:v>
+                </c:pt>
+                <c:pt idx="111">
+                  <c:v>294913.0</c:v>
+                </c:pt>
+                <c:pt idx="112">
+                  <c:v>294914.0</c:v>
+                </c:pt>
+                <c:pt idx="113">
+                  <c:v>294915.0</c:v>
+                </c:pt>
+                <c:pt idx="114">
+                  <c:v>294916.0</c:v>
+                </c:pt>
+                <c:pt idx="115">
+                  <c:v>294917.0</c:v>
+                </c:pt>
+                <c:pt idx="116">
+                  <c:v>294918.0</c:v>
+                </c:pt>
+                <c:pt idx="117">
+                  <c:v>294919.0</c:v>
+                </c:pt>
+                <c:pt idx="118">
+                  <c:v>294920.0</c:v>
+                </c:pt>
+                <c:pt idx="119">
+                  <c:v>294921.0</c:v>
+                </c:pt>
+                <c:pt idx="120">
+                  <c:v>294922.0</c:v>
+                </c:pt>
+                <c:pt idx="121">
+                  <c:v>294923.0</c:v>
+                </c:pt>
+                <c:pt idx="122">
+                  <c:v>294924.0</c:v>
+                </c:pt>
+                <c:pt idx="123">
+                  <c:v>294925.0</c:v>
+                </c:pt>
+                <c:pt idx="124">
+                  <c:v>294926.0</c:v>
+                </c:pt>
+                <c:pt idx="125">
+                  <c:v>294927.0</c:v>
+                </c:pt>
+                <c:pt idx="126">
+                  <c:v>294928.0</c:v>
+                </c:pt>
+                <c:pt idx="127">
+                  <c:v>294929.0</c:v>
+                </c:pt>
+                <c:pt idx="128">
+                  <c:v>294930.0</c:v>
+                </c:pt>
+                <c:pt idx="129">
+                  <c:v>294931.0</c:v>
+                </c:pt>
+                <c:pt idx="130">
+                  <c:v>294932.0</c:v>
+                </c:pt>
+                <c:pt idx="131">
+                  <c:v>294933.0</c:v>
+                </c:pt>
+                <c:pt idx="132">
+                  <c:v>294934.0</c:v>
+                </c:pt>
+                <c:pt idx="133">
+                  <c:v>294935.0</c:v>
+                </c:pt>
+                <c:pt idx="134">
+                  <c:v>294936.0</c:v>
+                </c:pt>
+                <c:pt idx="135">
+                  <c:v>294937.0</c:v>
+                </c:pt>
+                <c:pt idx="136">
+                  <c:v>294938.0</c:v>
+                </c:pt>
+                <c:pt idx="137">
+                  <c:v>294939.0</c:v>
+                </c:pt>
+                <c:pt idx="138">
+                  <c:v>294940.0</c:v>
+                </c:pt>
+                <c:pt idx="139">
+                  <c:v>294941.0</c:v>
+                </c:pt>
+                <c:pt idx="140">
+                  <c:v>294942.0</c:v>
+                </c:pt>
+                <c:pt idx="141">
+                  <c:v>294943.0</c:v>
+                </c:pt>
+                <c:pt idx="142">
+                  <c:v>294944.0</c:v>
+                </c:pt>
+                <c:pt idx="143">
+                  <c:v>294945.0</c:v>
+                </c:pt>
+                <c:pt idx="144">
+                  <c:v>294946.0</c:v>
+                </c:pt>
+                <c:pt idx="145">
+                  <c:v>294947.0</c:v>
+                </c:pt>
+                <c:pt idx="146">
+                  <c:v>294948.0</c:v>
+                </c:pt>
+                <c:pt idx="147">
+                  <c:v>294949.0</c:v>
+                </c:pt>
+                <c:pt idx="148">
+                  <c:v>294950.0</c:v>
+                </c:pt>
+                <c:pt idx="149">
+                  <c:v>294951.0</c:v>
+                </c:pt>
+                <c:pt idx="150">
+                  <c:v>294952.0</c:v>
+                </c:pt>
+                <c:pt idx="151">
+                  <c:v>294953.0</c:v>
+                </c:pt>
+                <c:pt idx="152">
+                  <c:v>294954.0</c:v>
+                </c:pt>
+                <c:pt idx="153">
+                  <c:v>294955.0</c:v>
+                </c:pt>
+                <c:pt idx="154">
+                  <c:v>294956.0</c:v>
+                </c:pt>
+                <c:pt idx="155">
+                  <c:v>294957.0</c:v>
+                </c:pt>
+                <c:pt idx="156">
+                  <c:v>294958.0</c:v>
+                </c:pt>
+                <c:pt idx="157">
+                  <c:v>294959.0</c:v>
+                </c:pt>
+                <c:pt idx="158">
+                  <c:v>294960.0</c:v>
+                </c:pt>
+                <c:pt idx="159">
+                  <c:v>294961.0</c:v>
+                </c:pt>
+                <c:pt idx="160">
+                  <c:v>294962.0</c:v>
+                </c:pt>
+                <c:pt idx="161">
+                  <c:v>294963.0</c:v>
+                </c:pt>
+                <c:pt idx="162">
+                  <c:v>294964.0</c:v>
+                </c:pt>
+                <c:pt idx="163">
+                  <c:v>294965.0</c:v>
+                </c:pt>
+                <c:pt idx="164">
+                  <c:v>294966.0</c:v>
+                </c:pt>
+                <c:pt idx="165">
+                  <c:v>294967.0</c:v>
+                </c:pt>
+                <c:pt idx="166">
+                  <c:v>294968.0</c:v>
+                </c:pt>
+                <c:pt idx="167">
+                  <c:v>294969.0</c:v>
+                </c:pt>
+                <c:pt idx="168">
+                  <c:v>294970.0</c:v>
+                </c:pt>
+                <c:pt idx="169">
+                  <c:v>294971.0</c:v>
+                </c:pt>
+                <c:pt idx="170">
+                  <c:v>294972.0</c:v>
+                </c:pt>
+                <c:pt idx="171">
+                  <c:v>294973.0</c:v>
+                </c:pt>
+                <c:pt idx="172">
+                  <c:v>294974.0</c:v>
+                </c:pt>
+                <c:pt idx="173">
+                  <c:v>294975.0</c:v>
+                </c:pt>
+                <c:pt idx="174">
+                  <c:v>294976.0</c:v>
+                </c:pt>
+                <c:pt idx="175">
+                  <c:v>294977.0</c:v>
+                </c:pt>
+                <c:pt idx="176">
+                  <c:v>294978.0</c:v>
+                </c:pt>
+                <c:pt idx="177">
+                  <c:v>294979.0</c:v>
+                </c:pt>
+                <c:pt idx="178">
+                  <c:v>294980.0</c:v>
+                </c:pt>
+                <c:pt idx="179">
+                  <c:v>294981.0</c:v>
+                </c:pt>
+                <c:pt idx="180">
+                  <c:v>294982.0</c:v>
+                </c:pt>
+                <c:pt idx="181">
+                  <c:v>294983.0</c:v>
+                </c:pt>
+                <c:pt idx="182">
+                  <c:v>294984.0</c:v>
+                </c:pt>
+                <c:pt idx="183">
+                  <c:v>294985.0</c:v>
+                </c:pt>
+                <c:pt idx="184">
+                  <c:v>294986.0</c:v>
+                </c:pt>
+                <c:pt idx="185">
+                  <c:v>294987.0</c:v>
+                </c:pt>
+                <c:pt idx="186">
+                  <c:v>294988.0</c:v>
+                </c:pt>
+                <c:pt idx="187">
+                  <c:v>294989.0</c:v>
+                </c:pt>
+                <c:pt idx="188">
+                  <c:v>294990.0</c:v>
+                </c:pt>
+                <c:pt idx="189">
+                  <c:v>294991.0</c:v>
+                </c:pt>
+                <c:pt idx="190">
+                  <c:v>294992.0</c:v>
+                </c:pt>
+                <c:pt idx="191">
+                  <c:v>294993.0</c:v>
+                </c:pt>
+                <c:pt idx="192">
+                  <c:v>294994.0</c:v>
+                </c:pt>
+                <c:pt idx="193">
+                  <c:v>294995.0</c:v>
+                </c:pt>
+                <c:pt idx="194">
+                  <c:v>294996.0</c:v>
+                </c:pt>
+                <c:pt idx="195">
+                  <c:v>294997.0</c:v>
+                </c:pt>
+                <c:pt idx="196">
+                  <c:v>294998.0</c:v>
+                </c:pt>
+                <c:pt idx="197">
+                  <c:v>294999.0</c:v>
+                </c:pt>
+                <c:pt idx="198">
+                  <c:v>295000.0</c:v>
+                </c:pt>
+                <c:pt idx="199">
+                  <c:v>295001.0</c:v>
+                </c:pt>
+                <c:pt idx="200">
+                  <c:v>295002.0</c:v>
+                </c:pt>
+                <c:pt idx="201">
+                  <c:v>295003.0</c:v>
+                </c:pt>
+                <c:pt idx="202">
+                  <c:v>295004.0</c:v>
+                </c:pt>
+                <c:pt idx="203">
+                  <c:v>295005.0</c:v>
+                </c:pt>
+                <c:pt idx="204">
+                  <c:v>295006.0</c:v>
+                </c:pt>
+                <c:pt idx="205">
+                  <c:v>295007.0</c:v>
+                </c:pt>
+                <c:pt idx="206">
+                  <c:v>295008.0</c:v>
+                </c:pt>
+                <c:pt idx="207">
+                  <c:v>295009.0</c:v>
+                </c:pt>
+                <c:pt idx="208">
+                  <c:v>295010.0</c:v>
+                </c:pt>
+                <c:pt idx="209">
+                  <c:v>295011.0</c:v>
+                </c:pt>
+                <c:pt idx="210">
+                  <c:v>295012.0</c:v>
+                </c:pt>
+                <c:pt idx="211">
+                  <c:v>295013.0</c:v>
+                </c:pt>
+                <c:pt idx="212">
+                  <c:v>295014.0</c:v>
+                </c:pt>
+                <c:pt idx="213">
+                  <c:v>295015.0</c:v>
+                </c:pt>
+                <c:pt idx="214">
+                  <c:v>295016.0</c:v>
+                </c:pt>
+                <c:pt idx="215">
+                  <c:v>295017.0</c:v>
+                </c:pt>
+                <c:pt idx="216">
+                  <c:v>295018.0</c:v>
+                </c:pt>
+                <c:pt idx="217">
+                  <c:v>295019.0</c:v>
+                </c:pt>
+                <c:pt idx="218">
+                  <c:v>295020.0</c:v>
+                </c:pt>
+                <c:pt idx="219">
+                  <c:v>295021.0</c:v>
+                </c:pt>
+                <c:pt idx="220">
+                  <c:v>295022.0</c:v>
+                </c:pt>
+              </c:numCache>
+            </c:numRef>
+          </c:cat>
+          <c:val>
+            <c:numRef>
+              <c:f>Sheet2!$D$1:$D$221</c:f>
+              <c:numCache>
+                <c:formatCode>General</c:formatCode>
+                <c:ptCount val="221"/>
+                <c:pt idx="0">
+                  <c:v>111.139</c:v>
+                </c:pt>
+                <c:pt idx="1">
+                  <c:v>110.299</c:v>
+                </c:pt>
+                <c:pt idx="2">
+                  <c:v>109.437</c:v>
+                </c:pt>
+                <c:pt idx="3">
+                  <c:v>108.543</c:v>
+                </c:pt>
+                <c:pt idx="4">
+                  <c:v>107.767</c:v>
+                </c:pt>
+                <c:pt idx="5">
+                  <c:v>107.037</c:v>
+                </c:pt>
+                <c:pt idx="6">
+                  <c:v>106.427</c:v>
+                </c:pt>
+                <c:pt idx="7">
+                  <c:v>105.883</c:v>
+                </c:pt>
+                <c:pt idx="8">
+                  <c:v>105.407</c:v>
+                </c:pt>
+                <c:pt idx="9">
+                  <c:v>104.979</c:v>
+                </c:pt>
+                <c:pt idx="10">
+                  <c:v>104.61</c:v>
+                </c:pt>
+                <c:pt idx="11">
+                  <c:v>104.236</c:v>
+                </c:pt>
+                <c:pt idx="12">
+                  <c:v>103.965</c:v>
+                </c:pt>
+                <c:pt idx="13">
+                  <c:v>103.73</c:v>
+                </c:pt>
+                <c:pt idx="14">
+                  <c:v>103.447</c:v>
+                </c:pt>
+                <c:pt idx="15">
+                  <c:v>103.192</c:v>
+                </c:pt>
+                <c:pt idx="16">
+                  <c:v>103.004</c:v>
+                </c:pt>
+                <c:pt idx="17">
+                  <c:v>102.818</c:v>
+                </c:pt>
+                <c:pt idx="18">
+                  <c:v>102.598</c:v>
+                </c:pt>
+                <c:pt idx="19">
+                  <c:v>102.398</c:v>
+                </c:pt>
+                <c:pt idx="20">
+                  <c:v>102.211</c:v>
+                </c:pt>
+                <c:pt idx="21">
+                  <c:v>102.066</c:v>
+                </c:pt>
+                <c:pt idx="22">
+                  <c:v>101.946</c:v>
+                </c:pt>
+                <c:pt idx="23">
+                  <c:v>101.77</c:v>
+                </c:pt>
+                <c:pt idx="24">
+                  <c:v>101.531</c:v>
+                </c:pt>
+                <c:pt idx="25">
+                  <c:v>101.299</c:v>
+                </c:pt>
+                <c:pt idx="26">
+                  <c:v>101.013</c:v>
+                </c:pt>
+                <c:pt idx="27">
+                  <c:v>100.7</c:v>
+                </c:pt>
+                <c:pt idx="28">
+                  <c:v>100.282</c:v>
+                </c:pt>
+                <c:pt idx="29">
+                  <c:v>99.9468</c:v>
+                </c:pt>
+                <c:pt idx="30">
+                  <c:v>99.5266</c:v>
+                </c:pt>
+                <c:pt idx="31">
+                  <c:v>99.4175</c:v>
+                </c:pt>
+                <c:pt idx="32">
+                  <c:v>99.83240000000001</c:v>
+                </c:pt>
+                <c:pt idx="33">
+                  <c:v>100.844</c:v>
+                </c:pt>
+                <c:pt idx="34">
+                  <c:v>102.134</c:v>
+                </c:pt>
+                <c:pt idx="35">
+                  <c:v>103.398</c:v>
+                </c:pt>
+                <c:pt idx="36">
+                  <c:v>104.226</c:v>
+                </c:pt>
+                <c:pt idx="37">
+                  <c:v>104.963</c:v>
+                </c:pt>
+                <c:pt idx="38">
+                  <c:v>104.629</c:v>
+                </c:pt>
+                <c:pt idx="39">
+                  <c:v>104.69</c:v>
+                </c:pt>
+                <c:pt idx="40">
+                  <c:v>104.627</c:v>
+                </c:pt>
+                <c:pt idx="41">
+                  <c:v>104.571</c:v>
+                </c:pt>
+                <c:pt idx="42">
+                  <c:v>104.272</c:v>
+                </c:pt>
+                <c:pt idx="43">
+                  <c:v>103.97</c:v>
+                </c:pt>
+                <c:pt idx="44">
+                  <c:v>103.622</c:v>
+                </c:pt>
+                <c:pt idx="45">
+                  <c:v>103.512</c:v>
+                </c:pt>
+                <c:pt idx="46">
+                  <c:v>103.442</c:v>
+                </c:pt>
+                <c:pt idx="47">
+                  <c:v>103.385</c:v>
+                </c:pt>
+                <c:pt idx="48">
+                  <c:v>103.304</c:v>
+                </c:pt>
+                <c:pt idx="49">
+                  <c:v>103.467</c:v>
+                </c:pt>
+                <c:pt idx="50">
+                  <c:v>104.375</c:v>
+                </c:pt>
+                <c:pt idx="51">
+                  <c:v>105.609</c:v>
+                </c:pt>
+                <c:pt idx="52">
+                  <c:v>105.858</c:v>
+                </c:pt>
+                <c:pt idx="53">
+                  <c:v>105.424</c:v>
+                </c:pt>
+                <c:pt idx="54">
+                  <c:v>104.763</c:v>
+                </c:pt>
+                <c:pt idx="55">
+                  <c:v>103.754</c:v>
+                </c:pt>
+                <c:pt idx="56">
+                  <c:v>102.656</c:v>
+                </c:pt>
+                <c:pt idx="57">
+                  <c:v>101.621</c:v>
+                </c:pt>
+                <c:pt idx="58">
+                  <c:v>101.301</c:v>
+                </c:pt>
+                <c:pt idx="59">
+                  <c:v>101.279</c:v>
+                </c:pt>
+                <c:pt idx="60">
+                  <c:v>101.506</c:v>
+                </c:pt>
+                <c:pt idx="61">
+                  <c:v>101.602</c:v>
+                </c:pt>
+                <c:pt idx="62">
+                  <c:v>101.763</c:v>
+                </c:pt>
+                <c:pt idx="63">
+                  <c:v>101.877</c:v>
+                </c:pt>
+                <c:pt idx="64">
+                  <c:v>102.013</c:v>
+                </c:pt>
+                <c:pt idx="65">
+                  <c:v>102.083</c:v>
+                </c:pt>
+                <c:pt idx="66">
+                  <c:v>102.138</c:v>
+                </c:pt>
+                <c:pt idx="67">
+                  <c:v>102.178</c:v>
+                </c:pt>
+                <c:pt idx="68">
+                  <c:v>102.201</c:v>
+                </c:pt>
+                <c:pt idx="69">
+                  <c:v>102.217</c:v>
+                </c:pt>
+                <c:pt idx="70">
+                  <c:v>102.088</c:v>
+                </c:pt>
+                <c:pt idx="71">
+                  <c:v>101.94</c:v>
+                </c:pt>
+                <c:pt idx="72">
+                  <c:v>101.724</c:v>
+                </c:pt>
+                <c:pt idx="73">
+                  <c:v>101.867</c:v>
+                </c:pt>
+                <c:pt idx="74">
+                  <c:v>102.168</c:v>
+                </c:pt>
+                <c:pt idx="75">
+                  <c:v>102.642</c:v>
+                </c:pt>
+                <c:pt idx="76">
+                  <c:v>103.177</c:v>
+                </c:pt>
+                <c:pt idx="77">
+                  <c:v>103.924</c:v>
+                </c:pt>
+                <c:pt idx="78">
+                  <c:v>104.263</c:v>
+                </c:pt>
+                <c:pt idx="79">
+                  <c:v>104.51</c:v>
+                </c:pt>
+                <c:pt idx="80">
+                  <c:v>105.15</c:v>
+                </c:pt>
+                <c:pt idx="81">
+                  <c:v>105.256</c:v>
+                </c:pt>
+                <c:pt idx="82">
+                  <c:v>104.677</c:v>
+                </c:pt>
+                <c:pt idx="83">
+                  <c:v>104.242</c:v>
+                </c:pt>
+                <c:pt idx="84">
+                  <c:v>103.904</c:v>
+                </c:pt>
+                <c:pt idx="85">
+                  <c:v>103.199</c:v>
+                </c:pt>
+                <c:pt idx="86">
+                  <c:v>102.449</c:v>
+                </c:pt>
+                <c:pt idx="87">
+                  <c:v>101.932</c:v>
+                </c:pt>
+                <c:pt idx="88">
+                  <c:v>101.53</c:v>
+                </c:pt>
+                <c:pt idx="89">
+                  <c:v>101.311</c:v>
+                </c:pt>
+                <c:pt idx="90">
+                  <c:v>101.244</c:v>
+                </c:pt>
+                <c:pt idx="91">
+                  <c:v>101.151</c:v>
+                </c:pt>
+                <c:pt idx="92">
+                  <c:v>101.002</c:v>
+                </c:pt>
+                <c:pt idx="93">
+                  <c:v>100.922</c:v>
+                </c:pt>
+                <c:pt idx="94">
+                  <c:v>101.039</c:v>
+                </c:pt>
+                <c:pt idx="95">
+                  <c:v>101.301</c:v>
+                </c:pt>
+                <c:pt idx="96">
+                  <c:v>101.962</c:v>
+                </c:pt>
+                <c:pt idx="97">
+                  <c:v>102.872</c:v>
+                </c:pt>
+                <c:pt idx="98">
+                  <c:v>103.559</c:v>
+                </c:pt>
+                <c:pt idx="99">
+                  <c:v>103.148</c:v>
+                </c:pt>
+                <c:pt idx="100">
+                  <c:v>101.977</c:v>
+                </c:pt>
+                <c:pt idx="101">
+                  <c:v>100.202</c:v>
+                </c:pt>
+                <c:pt idx="102">
+                  <c:v>98.1013</c:v>
+                </c:pt>
+                <c:pt idx="103">
+                  <c:v>96.401</c:v>
+                </c:pt>
+                <c:pt idx="104">
+                  <c:v>95.8165</c:v>
+                </c:pt>
+                <c:pt idx="105">
+                  <c:v>95.7913</c:v>
+                </c:pt>
+                <c:pt idx="106">
+                  <c:v>96.0333</c:v>
+                </c:pt>
+                <c:pt idx="107">
+                  <c:v>96.3265</c:v>
+                </c:pt>
+                <c:pt idx="108">
+                  <c:v>96.7099</c:v>
+                </c:pt>
+                <c:pt idx="109">
+                  <c:v>97.0351</c:v>
+                </c:pt>
+                <c:pt idx="110">
+                  <c:v>97.2794</c:v>
+                </c:pt>
+                <c:pt idx="111">
+                  <c:v>97.4943</c:v>
+                </c:pt>
+                <c:pt idx="112">
+                  <c:v>97.6738</c:v>
+                </c:pt>
+                <c:pt idx="113">
+                  <c:v>97.8462</c:v>
+                </c:pt>
+                <c:pt idx="114">
+                  <c:v>98.0172</c:v>
+                </c:pt>
+                <c:pt idx="115">
+                  <c:v>98.1367</c:v>
+                </c:pt>
+                <c:pt idx="116">
+                  <c:v>98.2652</c:v>
+                </c:pt>
+                <c:pt idx="117">
+                  <c:v>98.376</c:v>
+                </c:pt>
+                <c:pt idx="118">
+                  <c:v>98.4612</c:v>
+                </c:pt>
+                <c:pt idx="119">
+                  <c:v>98.56570000000001</c:v>
+                </c:pt>
+                <c:pt idx="120">
+                  <c:v>98.6971</c:v>
+                </c:pt>
+                <c:pt idx="121">
+                  <c:v>98.8959</c:v>
+                </c:pt>
+                <c:pt idx="122">
+                  <c:v>99.515</c:v>
+                </c:pt>
+                <c:pt idx="123">
+                  <c:v>100.355</c:v>
+                </c:pt>
+                <c:pt idx="124">
+                  <c:v>101.132</c:v>
+                </c:pt>
+                <c:pt idx="125">
+                  <c:v>101.598</c:v>
+                </c:pt>
+                <c:pt idx="126">
+                  <c:v>101.96</c:v>
+                </c:pt>
+                <c:pt idx="127">
+                  <c:v>102.279</c:v>
+                </c:pt>
+                <c:pt idx="128">
+                  <c:v>102.518</c:v>
+                </c:pt>
+                <c:pt idx="129">
+                  <c:v>102.711</c:v>
+                </c:pt>
+                <c:pt idx="130">
+                  <c:v>102.829</c:v>
+                </c:pt>
+                <c:pt idx="131">
+                  <c:v>102.797</c:v>
+                </c:pt>
+                <c:pt idx="132">
+                  <c:v>102.783</c:v>
+                </c:pt>
+                <c:pt idx="133">
+                  <c:v>102.808</c:v>
+                </c:pt>
+                <c:pt idx="134">
+                  <c:v>102.849</c:v>
+                </c:pt>
+                <c:pt idx="135">
+                  <c:v>102.886</c:v>
+                </c:pt>
+                <c:pt idx="136">
+                  <c:v>102.949</c:v>
+                </c:pt>
+                <c:pt idx="137">
+                  <c:v>103.038</c:v>
+                </c:pt>
+                <c:pt idx="138">
+                  <c:v>103.144</c:v>
+                </c:pt>
+                <c:pt idx="139">
+                  <c:v>103.435</c:v>
+                </c:pt>
+                <c:pt idx="140">
+                  <c:v>104.51</c:v>
+                </c:pt>
+                <c:pt idx="141">
+                  <c:v>105.929</c:v>
+                </c:pt>
+                <c:pt idx="142">
+                  <c:v>106.602</c:v>
+                </c:pt>
+                <c:pt idx="143">
+                  <c:v>105.774</c:v>
+                </c:pt>
+                <c:pt idx="144">
+                  <c:v>103.878</c:v>
+                </c:pt>
+                <c:pt idx="145">
+                  <c:v>101.257</c:v>
+                </c:pt>
+                <c:pt idx="146">
+                  <c:v>98.0514</c:v>
+                </c:pt>
+                <c:pt idx="147">
+                  <c:v>95.8641</c:v>
+                </c:pt>
+                <c:pt idx="148">
+                  <c:v>95.7407</c:v>
+                </c:pt>
+                <c:pt idx="149">
+                  <c:v>96.7314</c:v>
+                </c:pt>
+                <c:pt idx="150">
+                  <c:v>97.6933</c:v>
+                </c:pt>
+                <c:pt idx="151">
+                  <c:v>98.5138</c:v>
+                </c:pt>
+                <c:pt idx="152">
+                  <c:v>99.2055</c:v>
+                </c:pt>
+                <c:pt idx="153">
+                  <c:v>99.7432</c:v>
+                </c:pt>
+                <c:pt idx="154">
+                  <c:v>100.203</c:v>
+                </c:pt>
+                <c:pt idx="155">
+                  <c:v>100.494</c:v>
+                </c:pt>
+                <c:pt idx="156">
+                  <c:v>100.649</c:v>
+                </c:pt>
+                <c:pt idx="157">
+                  <c:v>100.797</c:v>
+                </c:pt>
+                <c:pt idx="158">
+                  <c:v>100.909</c:v>
+                </c:pt>
+                <c:pt idx="159">
+                  <c:v>100.998</c:v>
+                </c:pt>
+                <c:pt idx="160">
+                  <c:v>101.053</c:v>
+                </c:pt>
+                <c:pt idx="161">
+                  <c:v>101.095</c:v>
+                </c:pt>
+                <c:pt idx="162">
+                  <c:v>101.147</c:v>
+                </c:pt>
+                <c:pt idx="163">
+                  <c:v>101.183</c:v>
+                </c:pt>
+                <c:pt idx="164">
+                  <c:v>101.144</c:v>
+                </c:pt>
+                <c:pt idx="165">
+                  <c:v>101.187</c:v>
+                </c:pt>
+                <c:pt idx="166">
+                  <c:v>101.357</c:v>
+                </c:pt>
+                <c:pt idx="167">
+                  <c:v>101.566</c:v>
+                </c:pt>
+                <c:pt idx="168">
+                  <c:v>101.883</c:v>
+                </c:pt>
+                <c:pt idx="169">
+                  <c:v>102.065</c:v>
+                </c:pt>
+                <c:pt idx="170">
+                  <c:v>101.922</c:v>
+                </c:pt>
+                <c:pt idx="171">
+                  <c:v>101.883</c:v>
+                </c:pt>
+                <c:pt idx="172">
+                  <c:v>101.443</c:v>
+                </c:pt>
+                <c:pt idx="173">
+                  <c:v>101.001</c:v>
+                </c:pt>
+                <c:pt idx="174">
+                  <c:v>101.184</c:v>
+                </c:pt>
+                <c:pt idx="175">
+                  <c:v>101.328</c:v>
+                </c:pt>
+                <c:pt idx="176">
+                  <c:v>101.307</c:v>
+                </c:pt>
+                <c:pt idx="177">
+                  <c:v>101.33</c:v>
+                </c:pt>
+                <c:pt idx="178">
+                  <c:v>101.465</c:v>
+                </c:pt>
+                <c:pt idx="179">
+                  <c:v>101.633</c:v>
+                </c:pt>
+                <c:pt idx="180">
+                  <c:v>101.893</c:v>
+                </c:pt>
+                <c:pt idx="181">
+                  <c:v>102.296</c:v>
+                </c:pt>
+                <c:pt idx="182">
+                  <c:v>103.542</c:v>
+                </c:pt>
+                <c:pt idx="183">
+                  <c:v>105.304</c:v>
+                </c:pt>
+                <c:pt idx="184">
+                  <c:v>106.341</c:v>
+                </c:pt>
+                <c:pt idx="185">
+                  <c:v>105.552</c:v>
+                </c:pt>
+                <c:pt idx="186">
+                  <c:v>103.596</c:v>
+                </c:pt>
+                <c:pt idx="187">
+                  <c:v>100.192</c:v>
+                </c:pt>
+                <c:pt idx="188">
+                  <c:v>99.12350000000001</c:v>
+                </c:pt>
+                <c:pt idx="189">
+                  <c:v>99.6358</c:v>
+                </c:pt>
+                <c:pt idx="190">
+                  <c:v>100.747</c:v>
+                </c:pt>
+                <c:pt idx="191">
+                  <c:v>101.737</c:v>
+                </c:pt>
+                <c:pt idx="192">
+                  <c:v>102.434</c:v>
+                </c:pt>
+                <c:pt idx="193">
+                  <c:v>102.895</c:v>
+                </c:pt>
+                <c:pt idx="194">
+                  <c:v>103.24</c:v>
+                </c:pt>
+                <c:pt idx="195">
+                  <c:v>103.608</c:v>
+                </c:pt>
+                <c:pt idx="196">
+                  <c:v>104.003</c:v>
+                </c:pt>
+                <c:pt idx="197">
+                  <c:v>104.43</c:v>
+                </c:pt>
+                <c:pt idx="198">
+                  <c:v>104.847</c:v>
+                </c:pt>
+                <c:pt idx="199">
+                  <c:v>105.283</c:v>
+                </c:pt>
+                <c:pt idx="200">
+                  <c:v>105.808</c:v>
+                </c:pt>
+                <c:pt idx="201">
+                  <c:v>106.376</c:v>
+                </c:pt>
+                <c:pt idx="202">
+                  <c:v>106.828</c:v>
+                </c:pt>
+                <c:pt idx="203">
+                  <c:v>107.324</c:v>
+                </c:pt>
+                <c:pt idx="204">
+                  <c:v>107.957</c:v>
+                </c:pt>
+                <c:pt idx="205">
+                  <c:v>108.326</c:v>
+                </c:pt>
+                <c:pt idx="206">
+                  <c:v>108.622</c:v>
+                </c:pt>
+                <c:pt idx="207">
+                  <c:v>108.828</c:v>
+                </c:pt>
+                <c:pt idx="208">
+                  <c:v>109.079</c:v>
+                </c:pt>
+                <c:pt idx="209">
+                  <c:v>109.268</c:v>
+                </c:pt>
+                <c:pt idx="210">
+                  <c:v>109.512</c:v>
+                </c:pt>
+                <c:pt idx="211">
+                  <c:v>109.906</c:v>
+                </c:pt>
+                <c:pt idx="212">
+                  <c:v>110.549</c:v>
+                </c:pt>
+                <c:pt idx="213">
+                  <c:v>109.327</c:v>
+                </c:pt>
+                <c:pt idx="214">
+                  <c:v>108.346</c:v>
+                </c:pt>
+                <c:pt idx="215">
+                  <c:v>108.255</c:v>
+                </c:pt>
+                <c:pt idx="216">
+                  <c:v>109.195</c:v>
+                </c:pt>
+                <c:pt idx="217">
+                  <c:v>111.171</c:v>
+                </c:pt>
+                <c:pt idx="218">
+                  <c:v>118.257</c:v>
+                </c:pt>
+                <c:pt idx="219">
+                  <c:v>108.556</c:v>
+                </c:pt>
+                <c:pt idx="220">
+                  <c:v>107.457</c:v>
+                </c:pt>
+              </c:numCache>
+            </c:numRef>
+          </c:val>
+          <c:smooth val="0"/>
+        </c:ser>
+        <c:dLbls>
+          <c:showLegendKey val="0"/>
+          <c:showVal val="0"/>
+          <c:showCatName val="0"/>
+          <c:showSerName val="0"/>
+          <c:showPercent val="0"/>
+          <c:showBubbleSize val="0"/>
+        </c:dLbls>
+        <c:smooth val="0"/>
+        <c:axId val="335135200"/>
+        <c:axId val="335136976"/>
+      </c:lineChart>
+      <c:catAx>
+        <c:axId val="335135200"/>
+        <c:scaling>
+          <c:orientation val="minMax"/>
+        </c:scaling>
+        <c:delete val="0"/>
+        <c:axPos val="b"/>
+        <c:numFmt formatCode="General" sourceLinked="1"/>
+        <c:majorTickMark val="none"/>
+        <c:minorTickMark val="none"/>
+        <c:tickLblPos val="nextTo"/>
+        <c:spPr>
+          <a:noFill/>
+          <a:ln w="9525" cap="flat" cmpd="sng" algn="ctr">
+            <a:solidFill>
+              <a:schemeClr val="tx1">
+                <a:lumMod val="15000"/>
+                <a:lumOff val="85000"/>
+              </a:schemeClr>
+            </a:solidFill>
+            <a:round/>
+          </a:ln>
+          <a:effectLst/>
+        </c:spPr>
+        <c:txPr>
+          <a:bodyPr rot="-60000000" spcFirstLastPara="1" vertOverflow="ellipsis" vert="horz" wrap="square" anchor="ctr" anchorCtr="1"/>
+          <a:lstStyle/>
+          <a:p>
+            <a:pPr>
+              <a:defRPr sz="900" b="0" i="0" u="none" strike="noStrike" kern="1200" baseline="0">
+                <a:solidFill>
+                  <a:schemeClr val="tx1">
+                    <a:lumMod val="65000"/>
+                    <a:lumOff val="35000"/>
+                  </a:schemeClr>
+                </a:solidFill>
+                <a:latin typeface="+mn-lt"/>
+                <a:ea typeface="+mn-ea"/>
+                <a:cs typeface="+mn-cs"/>
+              </a:defRPr>
+            </a:pPr>
+            <a:endParaRPr lang="en-US"/>
+          </a:p>
+        </c:txPr>
+        <c:crossAx val="335136976"/>
+        <c:crosses val="autoZero"/>
+        <c:auto val="1"/>
+        <c:lblAlgn val="ctr"/>
+        <c:lblOffset val="100"/>
+        <c:noMultiLvlLbl val="0"/>
+      </c:catAx>
+      <c:valAx>
+        <c:axId val="335136976"/>
+        <c:scaling>
+          <c:orientation val="minMax"/>
+          <c:max val="108.0"/>
+          <c:min val="94.0"/>
+        </c:scaling>
+        <c:delete val="0"/>
+        <c:axPos val="l"/>
+        <c:majorGridlines>
+          <c:spPr>
+            <a:ln w="9525" cap="flat" cmpd="sng" algn="ctr">
+              <a:solidFill>
+                <a:schemeClr val="tx1">
+                  <a:lumMod val="15000"/>
+                  <a:lumOff val="85000"/>
+                </a:schemeClr>
+              </a:solidFill>
+              <a:round/>
+            </a:ln>
+            <a:effectLst/>
+          </c:spPr>
+        </c:majorGridlines>
+        <c:numFmt formatCode="General" sourceLinked="1"/>
+        <c:majorTickMark val="none"/>
+        <c:minorTickMark val="none"/>
+        <c:tickLblPos val="nextTo"/>
+        <c:spPr>
+          <a:noFill/>
+          <a:ln>
+            <a:noFill/>
+          </a:ln>
+          <a:effectLst/>
+        </c:spPr>
+        <c:txPr>
+          <a:bodyPr rot="-60000000" spcFirstLastPara="1" vertOverflow="ellipsis" vert="horz" wrap="square" anchor="ctr" anchorCtr="1"/>
+          <a:lstStyle/>
+          <a:p>
+            <a:pPr>
+              <a:defRPr sz="900" b="0" i="0" u="none" strike="noStrike" kern="1200" baseline="0">
+                <a:solidFill>
+                  <a:schemeClr val="tx1">
+                    <a:lumMod val="65000"/>
+                    <a:lumOff val="35000"/>
+                  </a:schemeClr>
+                </a:solidFill>
+                <a:latin typeface="+mn-lt"/>
+                <a:ea typeface="+mn-ea"/>
+                <a:cs typeface="+mn-cs"/>
+              </a:defRPr>
+            </a:pPr>
+            <a:endParaRPr lang="en-US"/>
+          </a:p>
+        </c:txPr>
+        <c:crossAx val="335135200"/>
+        <c:crosses val="autoZero"/>
+        <c:crossBetween val="between"/>
+      </c:valAx>
+      <c:spPr>
+        <a:noFill/>
+        <a:ln>
+          <a:noFill/>
+        </a:ln>
+        <a:effectLst/>
+      </c:spPr>
+    </c:plotArea>
+    <c:plotVisOnly val="1"/>
+    <c:dispBlanksAs val="gap"/>
+    <c:showDLblsOverMax val="0"/>
+  </c:chart>
+  <c:spPr>
+    <a:noFill/>
+    <a:ln>
+      <a:noFill/>
+    </a:ln>
+    <a:effectLst/>
+  </c:spPr>
+  <c:txPr>
+    <a:bodyPr/>
+    <a:lstStyle/>
+    <a:p>
+      <a:pPr>
+        <a:defRPr/>
+      </a:pPr>
+      <a:endParaRPr lang="en-US"/>
+    </a:p>
+  </c:txPr>
+  <c:externalData r:id="rId3">
+    <c:autoUpdate val="0"/>
+  </c:externalData>
+</c:chartSpace>
+</file>
+
+<file path=ppt/charts/colors1.xml><?xml version="1.0" encoding="utf-8"?>
+<cs:colorStyle xmlns:cs="http://schemas.microsoft.com/office/drawing/2012/chartStyle" xmlns:a="http://schemas.openxmlformats.org/drawingml/2006/main" meth="cycle" id="10">
+  <a:schemeClr val="accent1"/>
+  <a:schemeClr val="accent2"/>
+  <a:schemeClr val="accent3"/>
+  <a:schemeClr val="accent4"/>
+  <a:schemeClr val="accent5"/>
+  <a:schemeClr val="accent6"/>
+  <cs:variation/>
+  <cs:variation>
+    <a:lumMod val="60000"/>
+  </cs:variation>
+  <cs:variation>
+    <a:lumMod val="80000"/>
+    <a:lumOff val="20000"/>
+  </cs:variation>
+  <cs:variation>
+    <a:lumMod val="80000"/>
+  </cs:variation>
+  <cs:variation>
+    <a:lumMod val="60000"/>
+    <a:lumOff val="40000"/>
+  </cs:variation>
+  <cs:variation>
+    <a:lumMod val="50000"/>
+  </cs:variation>
+  <cs:variation>
+    <a:lumMod val="70000"/>
+    <a:lumOff val="30000"/>
+  </cs:variation>
+  <cs:variation>
+    <a:lumMod val="70000"/>
+  </cs:variation>
+  <cs:variation>
+    <a:lumMod val="50000"/>
+    <a:lumOff val="50000"/>
+  </cs:variation>
+</cs:colorStyle>
+</file>
+
+<file path=ppt/charts/style1.xml><?xml version="1.0" encoding="utf-8"?>
+<cs:chartStyle xmlns:cs="http://schemas.microsoft.com/office/drawing/2012/chartStyle" xmlns:a="http://schemas.openxmlformats.org/drawingml/2006/main" id="227">
+  <cs:axisTitle>
+    <cs:lnRef idx="0"/>
+    <cs:fillRef idx="0"/>
+    <cs:effectRef idx="0"/>
+    <cs:fontRef idx="minor">
+      <a:schemeClr val="tx1">
+        <a:lumMod val="65000"/>
+        <a:lumOff val="35000"/>
+      </a:schemeClr>
+    </cs:fontRef>
+    <cs:defRPr sz="1000" kern="1200"/>
+  </cs:axisTitle>
+  <cs:categoryAxis>
+    <cs:lnRef idx="0"/>
+    <cs:fillRef idx="0"/>
+    <cs:effectRef idx="0"/>
+    <cs:fontRef idx="minor">
+      <a:schemeClr val="tx1">
+        <a:lumMod val="65000"/>
+        <a:lumOff val="35000"/>
+      </a:schemeClr>
+    </cs:fontRef>
+    <cs:spPr>
+      <a:ln w="9525" cap="flat" cmpd="sng" algn="ctr">
+        <a:solidFill>
+          <a:schemeClr val="tx1">
+            <a:lumMod val="15000"/>
+            <a:lumOff val="85000"/>
+          </a:schemeClr>
+        </a:solidFill>
+        <a:round/>
+      </a:ln>
+    </cs:spPr>
+    <cs:defRPr sz="900" kern="1200"/>
+  </cs:categoryAxis>
+  <cs:chartArea mods="allowNoFillOverride allowNoLineOverride">
+    <cs:lnRef idx="0"/>
+    <cs:fillRef idx="0"/>
+    <cs:effectRef idx="0"/>
+    <cs:fontRef idx="minor">
+      <a:schemeClr val="tx1"/>
+    </cs:fontRef>
+    <cs:spPr>
+      <a:solidFill>
+        <a:schemeClr val="bg1"/>
+      </a:solidFill>
+      <a:ln w="9525" cap="flat" cmpd="sng" algn="ctr">
+        <a:solidFill>
+          <a:schemeClr val="tx1">
+            <a:lumMod val="15000"/>
+            <a:lumOff val="85000"/>
+          </a:schemeClr>
+        </a:solidFill>
+        <a:round/>
+      </a:ln>
+    </cs:spPr>
+    <cs:defRPr sz="1000" kern="1200"/>
+  </cs:chartArea>
+  <cs:dataLabel>
+    <cs:lnRef idx="0"/>
+    <cs:fillRef idx="0"/>
+    <cs:effectRef idx="0"/>
+    <cs:fontRef idx="minor">
+      <a:schemeClr val="tx1">
+        <a:lumMod val="75000"/>
+        <a:lumOff val="25000"/>
+      </a:schemeClr>
+    </cs:fontRef>
+    <cs:defRPr sz="900" kern="1200"/>
+  </cs:dataLabel>
+  <cs:dataLabelCallout>
+    <cs:lnRef idx="0"/>
+    <cs:fillRef idx="0"/>
+    <cs:effectRef idx="0"/>
+    <cs:fontRef idx="minor">
+      <a:schemeClr val="dk1">
+        <a:lumMod val="65000"/>
+        <a:lumOff val="35000"/>
+      </a:schemeClr>
+    </cs:fontRef>
+    <cs:spPr>
+      <a:solidFill>
+        <a:schemeClr val="lt1"/>
+      </a:solidFill>
+      <a:ln>
+        <a:solidFill>
+          <a:schemeClr val="dk1">
+            <a:lumMod val="25000"/>
+            <a:lumOff val="75000"/>
+          </a:schemeClr>
+        </a:solidFill>
+      </a:ln>
+    </cs:spPr>
+    <cs:defRPr sz="900" kern="1200"/>
+    <cs:bodyPr rot="0" spcFirstLastPara="1" vertOverflow="clip" horzOverflow="clip" vert="horz" wrap="square" lIns="36576" tIns="18288" rIns="36576" bIns="18288" anchor="ctr" anchorCtr="1">
+      <a:spAutoFit/>
+    </cs:bodyPr>
+  </cs:dataLabelCallout>
+  <cs:dataPoint>
+    <cs:lnRef idx="0"/>
+    <cs:fillRef idx="1">
+      <cs:styleClr val="auto"/>
+    </cs:fillRef>
+    <cs:effectRef idx="0"/>
+    <cs:fontRef idx="minor">
+      <a:schemeClr val="tx1"/>
+    </cs:fontRef>
+    <cs:spPr>
+      <a:solidFill>
+        <a:schemeClr val="phClr"/>
+      </a:solidFill>
+    </cs:spPr>
+  </cs:dataPoint>
+  <cs:dataPoint3D>
+    <cs:lnRef idx="0"/>
+    <cs:fillRef idx="1">
+      <cs:styleClr val="auto"/>
+    </cs:fillRef>
+    <cs:effectRef idx="0"/>
+    <cs:fontRef idx="minor">
+      <a:schemeClr val="tx1"/>
+    </cs:fontRef>
+    <cs:spPr>
+      <a:solidFill>
+        <a:schemeClr val="phClr"/>
+      </a:solidFill>
+    </cs:spPr>
+  </cs:dataPoint3D>
+  <cs:dataPointLine>
+    <cs:lnRef idx="0">
+      <cs:styleClr val="auto"/>
+    </cs:lnRef>
+    <cs:fillRef idx="1"/>
+    <cs:effectRef idx="0"/>
+    <cs:fontRef idx="minor">
+      <a:schemeClr val="tx1"/>
+    </cs:fontRef>
+    <cs:spPr>
+      <a:ln w="28575" cap="rnd">
+        <a:solidFill>
+          <a:schemeClr val="phClr"/>
+        </a:solidFill>
+        <a:round/>
+      </a:ln>
+    </cs:spPr>
+  </cs:dataPointLine>
+  <cs:dataPointMarker>
+    <cs:lnRef idx="0">
+      <cs:styleClr val="auto"/>
+    </cs:lnRef>
+    <cs:fillRef idx="1">
+      <cs:styleClr val="auto"/>
+    </cs:fillRef>
+    <cs:effectRef idx="0"/>
+    <cs:fontRef idx="minor">
+      <a:schemeClr val="tx1"/>
+    </cs:fontRef>
+    <cs:spPr>
+      <a:solidFill>
+        <a:schemeClr val="phClr"/>
+      </a:solidFill>
+      <a:ln w="9525">
+        <a:solidFill>
+          <a:schemeClr val="phClr"/>
+        </a:solidFill>
+      </a:ln>
+    </cs:spPr>
+  </cs:dataPointMarker>
+  <cs:dataPointMarkerLayout symbol="circle" size="5"/>
+  <cs:dataPointWireframe>
+    <cs:lnRef idx="0">
+      <cs:styleClr val="auto"/>
+    </cs:lnRef>
+    <cs:fillRef idx="1"/>
+    <cs:effectRef idx="0"/>
+    <cs:fontRef idx="minor">
+      <a:schemeClr val="tx1"/>
+    </cs:fontRef>
+    <cs:spPr>
+      <a:ln w="9525" cap="rnd">
+        <a:solidFill>
+          <a:schemeClr val="phClr"/>
+        </a:solidFill>
+        <a:round/>
+      </a:ln>
+    </cs:spPr>
+  </cs:dataPointWireframe>
+  <cs:dataTable>
+    <cs:lnRef idx="0"/>
+    <cs:fillRef idx="0"/>
+    <cs:effectRef idx="0"/>
+    <cs:fontRef idx="minor">
+      <a:schemeClr val="tx1">
+        <a:lumMod val="65000"/>
+        <a:lumOff val="35000"/>
+      </a:schemeClr>
+    </cs:fontRef>
+    <cs:spPr>
+      <a:noFill/>
+      <a:ln w="9525" cap="flat" cmpd="sng" algn="ctr">
+        <a:solidFill>
+          <a:schemeClr val="tx1">
+            <a:lumMod val="15000"/>
+            <a:lumOff val="85000"/>
+          </a:schemeClr>
+        </a:solidFill>
+        <a:round/>
+      </a:ln>
+    </cs:spPr>
+    <cs:defRPr sz="900" kern="1200"/>
+  </cs:dataTable>
+  <cs:downBar>
+    <cs:lnRef idx="0"/>
+    <cs:fillRef idx="0"/>
+    <cs:effectRef idx="0"/>
+    <cs:fontRef idx="minor">
+      <a:schemeClr val="dk1"/>
+    </cs:fontRef>
+    <cs:spPr>
+      <a:solidFill>
+        <a:schemeClr val="dk1">
+          <a:lumMod val="65000"/>
+          <a:lumOff val="35000"/>
+        </a:schemeClr>
+      </a:solidFill>
+      <a:ln w="9525">
+        <a:solidFill>
+          <a:schemeClr val="tx1">
+            <a:lumMod val="65000"/>
+            <a:lumOff val="35000"/>
+          </a:schemeClr>
+        </a:solidFill>
+      </a:ln>
+    </cs:spPr>
+  </cs:downBar>
+  <cs:dropLine>
+    <cs:lnRef idx="0"/>
+    <cs:fillRef idx="0"/>
+    <cs:effectRef idx="0"/>
+    <cs:fontRef idx="minor">
+      <a:schemeClr val="tx1"/>
+    </cs:fontRef>
+    <cs:spPr>
+      <a:ln w="9525" cap="flat" cmpd="sng" algn="ctr">
+        <a:solidFill>
+          <a:schemeClr val="tx1">
+            <a:lumMod val="35000"/>
+            <a:lumOff val="65000"/>
+          </a:schemeClr>
+        </a:solidFill>
+        <a:round/>
+      </a:ln>
+    </cs:spPr>
+  </cs:dropLine>
+  <cs:errorBar>
+    <cs:lnRef idx="0"/>
+    <cs:fillRef idx="0"/>
+    <cs:effectRef idx="0"/>
+    <cs:fontRef idx="minor">
+      <a:schemeClr val="tx1"/>
+    </cs:fontRef>
+    <cs:spPr>
+      <a:ln w="9525" cap="flat" cmpd="sng" algn="ctr">
+        <a:solidFill>
+          <a:schemeClr val="tx1">
+            <a:lumMod val="65000"/>
+            <a:lumOff val="35000"/>
+          </a:schemeClr>
+        </a:solidFill>
+        <a:round/>
+      </a:ln>
+    </cs:spPr>
+  </cs:errorBar>
+  <cs:floor>
+    <cs:lnRef idx="0"/>
+    <cs:fillRef idx="0"/>
+    <cs:effectRef idx="0"/>
+    <cs:fontRef idx="minor">
+      <a:schemeClr val="tx1"/>
+    </cs:fontRef>
+    <cs:spPr>
+      <a:noFill/>
+      <a:ln>
+        <a:noFill/>
+      </a:ln>
+    </cs:spPr>
+  </cs:floor>
+  <cs:gridlineMajor>
+    <cs:lnRef idx="0"/>
+    <cs:fillRef idx="0"/>
+    <cs:effectRef idx="0"/>
+    <cs:fontRef idx="minor">
+      <a:schemeClr val="tx1"/>
+    </cs:fontRef>
+    <cs:spPr>
+      <a:ln w="9525" cap="flat" cmpd="sng" algn="ctr">
+        <a:solidFill>
+          <a:schemeClr val="tx1">
+            <a:lumMod val="15000"/>
+            <a:lumOff val="85000"/>
+          </a:schemeClr>
+        </a:solidFill>
+        <a:round/>
+      </a:ln>
+    </cs:spPr>
+  </cs:gridlineMajor>
+  <cs:gridlineMinor>
+    <cs:lnRef idx="0"/>
+    <cs:fillRef idx="0"/>
+    <cs:effectRef idx="0"/>
+    <cs:fontRef idx="minor">
+      <a:schemeClr val="tx1"/>
+    </cs:fontRef>
+    <cs:spPr>
+      <a:ln w="9525" cap="flat" cmpd="sng" algn="ctr">
+        <a:solidFill>
+          <a:schemeClr val="tx1">
+            <a:lumMod val="5000"/>
+            <a:lumOff val="95000"/>
+          </a:schemeClr>
+        </a:solidFill>
+        <a:round/>
+      </a:ln>
+    </cs:spPr>
+  </cs:gridlineMinor>
+  <cs:hiLoLine>
+    <cs:lnRef idx="0"/>
+    <cs:fillRef idx="0"/>
+    <cs:effectRef idx="0"/>
+    <cs:fontRef idx="minor">
+      <a:schemeClr val="tx1"/>
+    </cs:fontRef>
+    <cs:spPr>
+      <a:ln w="9525" cap="flat" cmpd="sng" algn="ctr">
+        <a:solidFill>
+          <a:schemeClr val="tx1">
+            <a:lumMod val="75000"/>
+            <a:lumOff val="25000"/>
+          </a:schemeClr>
+        </a:solidFill>
+        <a:round/>
+      </a:ln>
+    </cs:spPr>
+  </cs:hiLoLine>
+  <cs:leaderLine>
+    <cs:lnRef idx="0"/>
+    <cs:fillRef idx="0"/>
+    <cs:effectRef idx="0"/>
+    <cs:fontRef idx="minor">
+      <a:schemeClr val="tx1"/>
+    </cs:fontRef>
+    <cs:spPr>
+      <a:ln w="9525" cap="flat" cmpd="sng" algn="ctr">
+        <a:solidFill>
+          <a:schemeClr val="tx1">
+            <a:lumMod val="35000"/>
+            <a:lumOff val="65000"/>
+          </a:schemeClr>
+        </a:solidFill>
+        <a:round/>
+      </a:ln>
+    </cs:spPr>
+  </cs:leaderLine>
+  <cs:legend>
+    <cs:lnRef idx="0"/>
+    <cs:fillRef idx="0"/>
+    <cs:effectRef idx="0"/>
+    <cs:fontRef idx="minor">
+      <a:schemeClr val="tx1">
+        <a:lumMod val="65000"/>
+        <a:lumOff val="35000"/>
+      </a:schemeClr>
+    </cs:fontRef>
+    <cs:defRPr sz="900" kern="1200"/>
+  </cs:legend>
+  <cs:plotArea mods="allowNoFillOverride allowNoLineOverride">
+    <cs:lnRef idx="0"/>
+    <cs:fillRef idx="0"/>
+    <cs:effectRef idx="0"/>
+    <cs:fontRef idx="minor">
+      <a:schemeClr val="tx1"/>
+    </cs:fontRef>
+  </cs:plotArea>
+  <cs:plotArea3D mods="allowNoFillOverride allowNoLineOverride">
+    <cs:lnRef idx="0"/>
+    <cs:fillRef idx="0"/>
+    <cs:effectRef idx="0"/>
+    <cs:fontRef idx="minor">
+      <a:schemeClr val="tx1"/>
+    </cs:fontRef>
+  </cs:plotArea3D>
+  <cs:seriesAxis>
+    <cs:lnRef idx="0"/>
+    <cs:fillRef idx="0"/>
+    <cs:effectRef idx="0"/>
+    <cs:fontRef idx="minor">
+      <a:schemeClr val="tx1">
+        <a:lumMod val="65000"/>
+        <a:lumOff val="35000"/>
+      </a:schemeClr>
+    </cs:fontRef>
+    <cs:defRPr sz="900" kern="1200"/>
+  </cs:seriesAxis>
+  <cs:seriesLine>
+    <cs:lnRef idx="0"/>
+    <cs:fillRef idx="0"/>
+    <cs:effectRef idx="0"/>
+    <cs:fontRef idx="minor">
+      <a:schemeClr val="tx1"/>
+    </cs:fontRef>
+    <cs:spPr>
+      <a:ln w="9525" cap="flat" cmpd="sng" algn="ctr">
+        <a:solidFill>
+          <a:schemeClr val="tx1">
+            <a:lumMod val="35000"/>
+            <a:lumOff val="65000"/>
+          </a:schemeClr>
+        </a:solidFill>
+        <a:round/>
+      </a:ln>
+    </cs:spPr>
+  </cs:seriesLine>
+  <cs:title>
+    <cs:lnRef idx="0"/>
+    <cs:fillRef idx="0"/>
+    <cs:effectRef idx="0"/>
+    <cs:fontRef idx="minor">
+      <a:schemeClr val="tx1">
+        <a:lumMod val="65000"/>
+        <a:lumOff val="35000"/>
+      </a:schemeClr>
+    </cs:fontRef>
+    <cs:defRPr sz="1400" b="0" kern="1200" spc="0" baseline="0"/>
+  </cs:title>
+  <cs:trendline>
+    <cs:lnRef idx="0">
+      <cs:styleClr val="auto"/>
+    </cs:lnRef>
+    <cs:fillRef idx="0"/>
+    <cs:effectRef idx="0"/>
+    <cs:fontRef idx="minor">
+      <a:schemeClr val="tx1"/>
+    </cs:fontRef>
+    <cs:spPr>
+      <a:ln w="19050" cap="rnd">
+        <a:solidFill>
+          <a:schemeClr val="phClr"/>
+        </a:solidFill>
+        <a:prstDash val="sysDot"/>
+      </a:ln>
+    </cs:spPr>
+  </cs:trendline>
+  <cs:trendlineLabel>
+    <cs:lnRef idx="0"/>
+    <cs:fillRef idx="0"/>
+    <cs:effectRef idx="0"/>
+    <cs:fontRef idx="minor">
+      <a:schemeClr val="tx1">
+        <a:lumMod val="65000"/>
+        <a:lumOff val="35000"/>
+      </a:schemeClr>
+    </cs:fontRef>
+    <cs:defRPr sz="900" kern="1200"/>
+  </cs:trendlineLabel>
+  <cs:upBar>
+    <cs:lnRef idx="0"/>
+    <cs:fillRef idx="0"/>
+    <cs:effectRef idx="0"/>
+    <cs:fontRef idx="minor">
+      <a:schemeClr val="dk1"/>
+    </cs:fontRef>
+    <cs:spPr>
+      <a:solidFill>
+        <a:schemeClr val="lt1"/>
+      </a:solidFill>
+      <a:ln w="9525">
+        <a:solidFill>
+          <a:schemeClr val="tx1">
+            <a:lumMod val="15000"/>
+            <a:lumOff val="85000"/>
+          </a:schemeClr>
+        </a:solidFill>
+      </a:ln>
+    </cs:spPr>
+  </cs:upBar>
+  <cs:valueAxis>
+    <cs:lnRef idx="0"/>
+    <cs:fillRef idx="0"/>
+    <cs:effectRef idx="0"/>
+    <cs:fontRef idx="minor">
+      <a:schemeClr val="tx1">
+        <a:lumMod val="65000"/>
+        <a:lumOff val="35000"/>
+      </a:schemeClr>
+    </cs:fontRef>
+    <cs:defRPr sz="900" kern="1200"/>
+  </cs:valueAxis>
+  <cs:wall>
+    <cs:lnRef idx="0"/>
+    <cs:fillRef idx="0"/>
+    <cs:effectRef idx="0"/>
+    <cs:fontRef idx="minor">
+      <a:schemeClr val="tx1"/>
+    </cs:fontRef>
+    <cs:spPr>
+      <a:noFill/>
+      <a:ln>
+        <a:noFill/>
+      </a:ln>
+    </cs:spPr>
+  </cs:wall>
+</cs:chartStyle>
+</file>
+
+<file path=ppt/diagrams/colors1.xml><?xml version="1.0" encoding="utf-8"?>
+<dgm:colorsDef xmlns:dgm="http://schemas.openxmlformats.org/drawingml/2006/diagram" xmlns:a="http://schemas.openxmlformats.org/drawingml/2006/main" uniqueId="urn:microsoft.com/office/officeart/2005/8/colors/accent1_2">
+  <dgm:title val=""/>
+  <dgm:desc val=""/>
+  <dgm:catLst>
+    <dgm:cat type="accent1" pri="11200"/>
+  </dgm:catLst>
+  <dgm:styleLbl name="node0">
+    <dgm:fillClrLst meth="repeat">
+      <a:schemeClr val="accent1"/>
+    </dgm:fillClrLst>
+    <dgm:linClrLst meth="repeat">
+      <a:schemeClr val="lt1"/>
+    </dgm:linClrLst>
+    <dgm:effectClrLst/>
+    <dgm:txLinClrLst/>
+    <dgm:txFillClrLst/>
+    <dgm:txEffectClrLst/>
+  </dgm:styleLbl>
+  <dgm:styleLbl name="alignNode1">
+    <dgm:fillClrLst meth="repeat">
+      <a:schemeClr val="accent1"/>
+    </dgm:fillClrLst>
+    <dgm:linClrLst meth="repeat">
+      <a:schemeClr val="accent1"/>
+    </dgm:linClrLst>
+    <dgm:effectClrLst/>
+    <dgm:txLinClrLst/>
+    <dgm:txFillClrLst/>
+    <dgm:txEffectClrLst/>
+  </dgm:styleLbl>
+  <dgm:styleLbl name="node1">
+    <dgm:fillClrLst meth="repeat">
+      <a:schemeClr val="accent1"/>
+    </dgm:fillClrLst>
+    <dgm:linClrLst meth="repeat">
+      <a:schemeClr val="lt1"/>
+    </dgm:linClrLst>
+    <dgm:effectClrLst/>
+    <dgm:txLinClrLst/>
+    <dgm:txFillClrLst/>
+    <dgm:txEffectClrLst/>
+  </dgm:styleLbl>
+  <dgm:styleLbl name="lnNode1">
+    <dgm:fillClrLst meth="repeat">
+      <a:schemeClr val="accent1"/>
+    </dgm:fillClrLst>
+    <dgm:linClrLst meth="repeat">
+      <a:schemeClr val="lt1"/>
+    </dgm:linClrLst>
+    <dgm:effectClrLst/>
+    <dgm:txLinClrLst/>
+    <dgm:txFillClrLst/>
+    <dgm:txEffectClrLst/>
+  </dgm:styleLbl>
+  <dgm:styleLbl name="vennNode1">
+    <dgm:fillClrLst meth="repeat">
+      <a:schemeClr val="accent1">
+        <a:alpha val="50000"/>
+      </a:schemeClr>
+    </dgm:fillClrLst>
+    <dgm:linClrLst meth="repeat">
+      <a:schemeClr val="lt1"/>
+    </dgm:linClrLst>
+    <dgm:effectClrLst/>
+    <dgm:txLinClrLst/>
+    <dgm:txFillClrLst/>
+    <dgm:txEffectClrLst/>
+  </dgm:styleLbl>
+  <dgm:styleLbl name="node2">
+    <dgm:fillClrLst meth="repeat">
+      <a:schemeClr val="accent1"/>
+    </dgm:fillClrLst>
+    <dgm:linClrLst meth="repeat">
+      <a:schemeClr val="lt1"/>
+    </dgm:linClrLst>
+    <dgm:effectClrLst/>
+    <dgm:txLinClrLst/>
+    <dgm:txFillClrLst/>
+    <dgm:txEffectClrLst/>
+  </dgm:styleLbl>
+  <dgm:styleLbl name="node3">
+    <dgm:fillClrLst meth="repeat">
+      <a:schemeClr val="accent1"/>
+    </dgm:fillClrLst>
+    <dgm:linClrLst meth="repeat">
+      <a:schemeClr val="lt1"/>
+    </dgm:linClrLst>
+    <dgm:effectClrLst/>
+    <dgm:txLinClrLst/>
+    <dgm:txFillClrLst/>
+    <dgm:txEffectClrLst/>
+  </dgm:styleLbl>
+  <dgm:styleLbl name="node4">
+    <dgm:fillClrLst meth="repeat">
+      <a:schemeClr val="accent1"/>
+    </dgm:fillClrLst>
+    <dgm:linClrLst meth="repeat">
+      <a:schemeClr val="lt1"/>
+    </dgm:linClrLst>
+    <dgm:effectClrLst/>
+    <dgm:txLinClrLst/>
+    <dgm:txFillClrLst/>
+    <dgm:txEffectClrLst/>
+  </dgm:styleLbl>
+  <dgm:styleLbl name="fgImgPlace1">
+    <dgm:fillClrLst meth="repeat">
+      <a:schemeClr val="accent1">
+        <a:tint val="50000"/>
+      </a:schemeClr>
+    </dgm:fillClrLst>
+    <dgm:linClrLst meth="repeat">
+      <a:schemeClr val="lt1"/>
+    </dgm:linClrLst>
+    <dgm:effectClrLst/>
+    <dgm:txLinClrLst/>
+    <dgm:txFillClrLst meth="repeat">
+      <a:schemeClr val="lt1"/>
+    </dgm:txFillClrLst>
+    <dgm:txEffectClrLst/>
+  </dgm:styleLbl>
+  <dgm:styleLbl name="alignImgPlace1">
+    <dgm:fillClrLst meth="repeat">
+      <a:schemeClr val="accent1">
+        <a:tint val="50000"/>
+      </a:schemeClr>
+    </dgm:fillClrLst>
+    <dgm:linClrLst meth="repeat">
+      <a:schemeClr val="lt1"/>
+    </dgm:linClrLst>
+    <dgm:effectClrLst/>
+    <dgm:txLinClrLst/>
+    <dgm:txFillClrLst meth="repeat">
+      <a:schemeClr val="lt1"/>
+    </dgm:txFillClrLst>
+    <dgm:txEffectClrLst/>
+  </dgm:styleLbl>
+  <dgm:styleLbl name="bgImgPlace1">
+    <dgm:fillClrLst meth="repeat">
+      <a:schemeClr val="accent1">
+        <a:tint val="50000"/>
+      </a:schemeClr>
+    </dgm:fillClrLst>
+    <dgm:linClrLst meth="repeat">
+      <a:schemeClr val="lt1"/>
+    </dgm:linClrLst>
+    <dgm:effectClrLst/>
+    <dgm:txLinClrLst/>
+    <dgm:txFillClrLst meth="repeat">
+      <a:schemeClr val="lt1"/>
+    </dgm:txFillClrLst>
+    <dgm:txEffectClrLst/>
+  </dgm:styleLbl>
+  <dgm:styleLbl name="sibTrans2D1">
+    <dgm:fillClrLst meth="repeat">
+      <a:schemeClr val="accent1">
+        <a:tint val="60000"/>
+      </a:schemeClr>
+    </dgm:fillClrLst>
+    <dgm:linClrLst meth="repeat">
+      <a:schemeClr val="accent1">
+        <a:tint val="60000"/>
+      </a:schemeClr>
+    </dgm:linClrLst>
+    <dgm:effectClrLst/>
+    <dgm:txLinClrLst/>
+    <dgm:txFillClrLst/>
+    <dgm:txEffectClrLst/>
+  </dgm:styleLbl>
+  <dgm:styleLbl name="fgSibTrans2D1">
+    <dgm:fillClrLst meth="repeat">
+      <a:schemeClr val="accent1">
+        <a:tint val="60000"/>
+      </a:schemeClr>
+    </dgm:fillClrLst>
+    <dgm:linClrLst meth="repeat">
+      <a:schemeClr val="accent1">
+        <a:tint val="60000"/>
+      </a:schemeClr>
+    </dgm:linClrLst>
+    <dgm:effectClrLst/>
+    <dgm:txLinClrLst/>
+    <dgm:txFillClrLst/>
+    <dgm:txEffectClrLst/>
+  </dgm:styleLbl>
+  <dgm:styleLbl name="bgSibTrans2D1">
+    <dgm:fillClrLst meth="repeat">
+      <a:schemeClr val="accent1">
+        <a:tint val="60000"/>
+      </a:schemeClr>
+    </dgm:fillClrLst>
+    <dgm:linClrLst meth="repeat">
+      <a:schemeClr val="accent1">
+        <a:tint val="60000"/>
+      </a:schemeClr>
+    </dgm:linClrLst>
+    <dgm:effectClrLst/>
+    <dgm:txLinClrLst/>
+    <dgm:txFillClrLst/>
+    <dgm:txEffectClrLst/>
+  </dgm:styleLbl>
+  <dgm:styleLbl name="sibTrans1D1">
+    <dgm:fillClrLst meth="repeat">
+      <a:schemeClr val="accent1"/>
+    </dgm:fillClrLst>
+    <dgm:linClrLst meth="repeat">
+      <a:schemeClr val="accent1"/>
+    </dgm:linClrLst>
+    <dgm:effectClrLst/>
+    <dgm:txLinClrLst/>
+    <dgm:txFillClrLst meth="repeat">
+      <a:schemeClr val="tx1"/>
+    </dgm:txFillClrLst>
+    <dgm:txEffectClrLst/>
+  </dgm:styleLbl>
+  <dgm:styleLbl name="callout">
+    <dgm:fillClrLst meth="repeat">
+      <a:schemeClr val="accent1"/>
+    </dgm:fillClrLst>
+    <dgm:linClrLst meth="repeat">
+      <a:schemeClr val="accent1">
+        <a:tint val="50000"/>
+      </a:schemeClr>
+    </dgm:linClrLst>
+    <dgm:effectClrLst/>
+    <dgm:txLinClrLst/>
+    <dgm:txFillClrLst meth="repeat">
+      <a:schemeClr val="tx1"/>
+    </dgm:txFillClrLst>
+    <dgm:txEffectClrLst/>
+  </dgm:styleLbl>
+  <dgm:styleLbl name="asst0">
+    <dgm:fillClrLst meth="repeat">
+      <a:schemeClr val="accent1"/>
+    </dgm:fillClrLst>
+    <dgm:linClrLst meth="repeat">
+      <a:schemeClr val="lt1"/>
+    </dgm:linClrLst>
+    <dgm:effectClrLst/>
+    <dgm:txLinClrLst/>
+    <dgm:txFillClrLst/>
+    <dgm:txEffectClrLst/>
+  </dgm:styleLbl>
+  <dgm:styleLbl name="asst1">
+    <dgm:fillClrLst meth="repeat">
+      <a:schemeClr val="accent1"/>
+    </dgm:fillClrLst>
+    <dgm:linClrLst meth="repeat">
+      <a:schemeClr val="lt1"/>
+    </dgm:linClrLst>
+    <dgm:effectClrLst/>
+    <dgm:txLinClrLst/>
+    <dgm:txFillClrLst/>
+    <dgm:txEffectClrLst/>
+  </dgm:styleLbl>
+  <dgm:styleLbl name="asst2">
+    <dgm:fillClrLst meth="repeat">
+      <a:schemeClr val="accent1"/>
+    </dgm:fillClrLst>
+    <dgm:linClrLst meth="repeat">
+      <a:schemeClr val="lt1"/>
+    </dgm:linClrLst>
+    <dgm:effectClrLst/>
+    <dgm:txLinClrLst/>
+    <dgm:txFillClrLst/>
+    <dgm:txEffectClrLst/>
+  </dgm:styleLbl>
+  <dgm:styleLbl name="asst3">
+    <dgm:fillClrLst meth="repeat">
+      <a:schemeClr val="accent1"/>
+    </dgm:fillClrLst>
+    <dgm:linClrLst meth="repeat">
+      <a:schemeClr val="lt1"/>
+    </dgm:linClrLst>
+    <dgm:effectClrLst/>
+    <dgm:txLinClrLst/>
+    <dgm:txFillClrLst/>
+    <dgm:txEffectClrLst/>
+  </dgm:styleLbl>
+  <dgm:styleLbl name="asst4">
+    <dgm:fillClrLst meth="repeat">
+      <a:schemeClr val="accent1"/>
+    </dgm:fillClrLst>
+    <dgm:linClrLst meth="repeat">
+      <a:schemeClr val="lt1"/>
+    </dgm:linClrLst>
+    <dgm:effectClrLst/>
+    <dgm:txLinClrLst/>
+    <dgm:txFillClrLst/>
+    <dgm:txEffectClrLst/>
+  </dgm:styleLbl>
+  <dgm:styleLbl name="parChTrans2D1">
+    <dgm:fillClrLst meth="repeat">
+      <a:schemeClr val="accent1">
+        <a:tint val="60000"/>
+      </a:schemeClr>
+    </dgm:fillClrLst>
+    <dgm:linClrLst meth="repeat">
+      <a:schemeClr val="accent1">
+        <a:tint val="60000"/>
+      </a:schemeClr>
+    </dgm:linClrLst>
+    <dgm:effectClrLst/>
+    <dgm:txLinClrLst/>
+    <dgm:txFillClrLst meth="repeat">
+      <a:schemeClr val="lt1"/>
+    </dgm:txFillClrLst>
+    <dgm:txEffectClrLst/>
+  </dgm:styleLbl>
+  <dgm:styleLbl name="parChTrans2D2">
+    <dgm:fillClrLst meth="repeat">
+      <a:schemeClr val="accent1"/>
+    </dgm:fillClrLst>
+    <dgm:linClrLst meth="repeat">
+      <a:schemeClr val="accent1"/>
+    </dgm:linClrLst>
+    <dgm:effectClrLst/>
+    <dgm:txLinClrLst/>
+    <dgm:txFillClrLst meth="repeat">
+      <a:schemeClr val="lt1"/>
+    </dgm:txFillClrLst>
+    <dgm:txEffectClrLst/>
+  </dgm:styleLbl>
+  <dgm:styleLbl name="parChTrans2D3">
+    <dgm:fillClrLst meth="repeat">
+      <a:schemeClr val="accent1"/>
+    </dgm:fillClrLst>
+    <dgm:linClrLst meth="repeat">
+      <a:schemeClr val="accent1"/>
+    </dgm:linClrLst>
+    <dgm:effectClrLst/>
+    <dgm:txLinClrLst/>
+    <dgm:txFillClrLst meth="repeat">
+      <a:schemeClr val="lt1"/>
+    </dgm:txFillClrLst>
+    <dgm:txEffectClrLst/>
+  </dgm:styleLbl>
+  <dgm:styleLbl name="parChTrans2D4">
+    <dgm:fillClrLst meth="repeat">
+      <a:schemeClr val="accent1"/>
+    </dgm:fillClrLst>
+    <dgm:linClrLst meth="repeat">
+      <a:schemeClr val="accent1"/>
+    </dgm:linClrLst>
+    <dgm:effectClrLst/>
+    <dgm:txLinClrLst/>
+    <dgm:txFillClrLst meth="repeat">
+      <a:schemeClr val="lt1"/>
+    </dgm:txFillClrLst>
+    <dgm:txEffectClrLst/>
+  </dgm:styleLbl>
+  <dgm:styleLbl name="parChTrans1D1">
+    <dgm:fillClrLst meth="repeat">
+      <a:schemeClr val="accent1"/>
+    </dgm:fillClrLst>
+    <dgm:linClrLst meth="repeat">
+      <a:schemeClr val="accent1">
+        <a:shade val="60000"/>
+      </a:schemeClr>
+    </dgm:linClrLst>
+    <dgm:effectClrLst/>
+    <dgm:txLinClrLst/>
+    <dgm:txFillClrLst meth="repeat">
+      <a:schemeClr val="tx1"/>
+    </dgm:txFillClrLst>
+    <dgm:txEffectClrLst/>
+  </dgm:styleLbl>
+  <dgm:styleLbl name="parChTrans1D2">
+    <dgm:fillClrLst meth="repeat">
+      <a:schemeClr val="accent1"/>
+    </dgm:fillClrLst>
+    <dgm:linClrLst meth="repeat">
+      <a:schemeClr val="accent1">
+        <a:shade val="60000"/>
+      </a:schemeClr>
+    </dgm:linClrLst>
+    <dgm:effectClrLst/>
+    <dgm:txLinClrLst/>
+    <dgm:txFillClrLst meth="repeat">
+      <a:schemeClr val="tx1"/>
+    </dgm:txFillClrLst>
+    <dgm:txEffectClrLst/>
+  </dgm:styleLbl>
+  <dgm:styleLbl name="parChTrans1D3">
+    <dgm:fillClrLst meth="repeat">
+      <a:schemeClr val="accent1"/>
+    </dgm:fillClrLst>
+    <dgm:linClrLst meth="repeat">
+      <a:schemeClr val="accent1">
+        <a:shade val="80000"/>
+      </a:schemeClr>
+    </dgm:linClrLst>
+    <dgm:effectClrLst/>
+    <dgm:txLinClrLst/>
+    <dgm:txFillClrLst meth="repeat">
+      <a:schemeClr val="tx1"/>
+    </dgm:txFillClrLst>
+    <dgm:txEffectClrLst/>
+  </dgm:styleLbl>
+  <dgm:styleLbl name="parChTrans1D4">
+    <dgm:fillClrLst meth="repeat">
+      <a:schemeClr val="accent1"/>
+    </dgm:fillClrLst>
+    <dgm:linClrLst meth="repeat">
+      <a:schemeClr val="accent1">
+        <a:shade val="80000"/>
+      </a:schemeClr>
+    </dgm:linClrLst>
+    <dgm:effectClrLst/>
+    <dgm:txLinClrLst/>
+    <dgm:txFillClrLst meth="repeat">
+      <a:schemeClr val="tx1"/>
+    </dgm:txFillClrLst>
+    <dgm:txEffectClrLst/>
+  </dgm:styleLbl>
+  <dgm:styleLbl name="fgAcc1">
+    <dgm:fillClrLst meth="repeat">
+      <a:schemeClr val="lt1">
+        <a:alpha val="90000"/>
+      </a:schemeClr>
+    </dgm:fillClrLst>
+    <dgm:linClrLst meth="repeat">
+      <a:schemeClr val="accent1"/>
+    </dgm:linClrLst>
+    <dgm:effectClrLst/>
+    <dgm:txLinClrLst/>
+    <dgm:txFillClrLst meth="repeat">
+      <a:schemeClr val="dk1"/>
+    </dgm:txFillClrLst>
+    <dgm:txEffectClrLst/>
+  </dgm:styleLbl>
+  <dgm:styleLbl name="conFgAcc1">
+    <dgm:fillClrLst meth="repeat">
+      <a:schemeClr val="lt1">
+        <a:alpha val="90000"/>
+      </a:schemeClr>
+    </dgm:fillClrLst>
+    <dgm:linClrLst meth="repeat">
+      <a:schemeClr val="accent1"/>
+    </dgm:linClrLst>
+    <dgm:effectClrLst/>
+    <dgm:txLinClrLst/>
+    <dgm:txFillClrLst meth="repeat">
+      <a:schemeClr val="dk1"/>
+    </dgm:txFillClrLst>
+    <dgm:txEffectClrLst/>
+  </dgm:styleLbl>
+  <dgm:styleLbl name="alignAcc1">
+    <dgm:fillClrLst meth="repeat">
+      <a:schemeClr val="lt1">
+        <a:alpha val="90000"/>
+      </a:schemeClr>
+    </dgm:fillClrLst>
+    <dgm:linClrLst meth="repeat">
+      <a:schemeClr val="accent1"/>
+    </dgm:linClrLst>
+    <dgm:effectClrLst/>
+    <dgm:txLinClrLst/>
+    <dgm:txFillClrLst meth="repeat">
+      <a:schemeClr val="dk1"/>
+    </dgm:txFillClrLst>
+    <dgm:txEffectClrLst/>
+  </dgm:styleLbl>
+  <dgm:styleLbl name="trAlignAcc1">
+    <dgm:fillClrLst meth="repeat">
+      <a:schemeClr val="lt1">
+        <a:alpha val="40000"/>
+      </a:schemeClr>
+    </dgm:fillClrLst>
+    <dgm:linClrLst meth="repeat">
+      <a:schemeClr val="accent1"/>
+    </dgm:linClrLst>
+    <dgm:effectClrLst/>
+    <dgm:txLinClrLst/>
+    <dgm:txFillClrLst meth="repeat">
+      <a:schemeClr val="dk1"/>
+    </dgm:txFillClrLst>
+    <dgm:txEffectClrLst/>
+  </dgm:styleLbl>
+  <dgm:styleLbl name="bgAcc1">
+    <dgm:fillClrLst meth="repeat">
+      <a:schemeClr val="lt1">
+        <a:alpha val="90000"/>
+      </a:schemeClr>
+    </dgm:fillClrLst>
+    <dgm:linClrLst meth="repeat">
+      <a:schemeClr val="accent1"/>
+    </dgm:linClrLst>
+    <dgm:effectClrLst/>
+    <dgm:txLinClrLst/>
+    <dgm:txFillClrLst meth="repeat">
+      <a:schemeClr val="dk1"/>
+    </dgm:txFillClrLst>
+    <dgm:txEffectClrLst/>
+  </dgm:styleLbl>
+  <dgm:styleLbl name="solidFgAcc1">
+    <dgm:fillClrLst meth="repeat">
+      <a:schemeClr val="lt1"/>
+    </dgm:fillClrLst>
+    <dgm:linClrLst meth="repeat">
+      <a:schemeClr val="accent1"/>
+    </dgm:linClrLst>
+    <dgm:effectClrLst/>
+    <dgm:txLinClrLst/>
+    <dgm:txFillClrLst meth="repeat">
+      <a:schemeClr val="dk1"/>
+    </dgm:txFillClrLst>
+    <dgm:txEffectClrLst/>
+  </dgm:styleLbl>
+  <dgm:styleLbl name="solidAlignAcc1">
+    <dgm:fillClrLst meth="repeat">
+      <a:schemeClr val="lt1"/>
+    </dgm:fillClrLst>
+    <dgm:linClrLst meth="repeat">
+      <a:schemeClr val="accent1"/>
+    </dgm:linClrLst>
+    <dgm:effectClrLst/>
+    <dgm:txLinClrLst/>
+    <dgm:txFillClrLst meth="repeat">
+      <a:schemeClr val="dk1"/>
+    </dgm:txFillClrLst>
+    <dgm:txEffectClrLst/>
+  </dgm:styleLbl>
+  <dgm:styleLbl name="solidBgAcc1">
+    <dgm:fillClrLst meth="repeat">
+      <a:schemeClr val="lt1"/>
+    </dgm:fillClrLst>
+    <dgm:linClrLst meth="repeat">
+      <a:schemeClr val="accent1"/>
+    </dgm:linClrLst>
+    <dgm:effectClrLst/>
+    <dgm:txLinClrLst/>
+    <dgm:txFillClrLst meth="repeat">
+      <a:schemeClr val="dk1"/>
+    </dgm:txFillClrLst>
+    <dgm:txEffectClrLst/>
+  </dgm:styleLbl>
+  <dgm:styleLbl name="fgAccFollowNode1">
+    <dgm:fillClrLst meth="repeat">
+      <a:schemeClr val="accent1">
+        <a:alpha val="90000"/>
+        <a:tint val="40000"/>
+      </a:schemeClr>
+    </dgm:fillClrLst>
+    <dgm:linClrLst meth="repeat">
+      <a:schemeClr val="accent1">
+        <a:alpha val="90000"/>
+        <a:tint val="40000"/>
+      </a:schemeClr>
+    </dgm:linClrLst>
+    <dgm:effectClrLst/>
+    <dgm:txLinClrLst/>
+    <dgm:txFillClrLst meth="repeat">
+      <a:schemeClr val="dk1"/>
+    </dgm:txFillClrLst>
+    <dgm:txEffectClrLst/>
+  </dgm:styleLbl>
+  <dgm:styleLbl name="alignAccFollowNode1">
+    <dgm:fillClrLst meth="repeat">
+      <a:schemeClr val="accent1">
+        <a:alpha val="90000"/>
+        <a:tint val="40000"/>
+      </a:schemeClr>
+    </dgm:fillClrLst>
+    <dgm:linClrLst meth="repeat">
+      <a:schemeClr val="accent1">
+        <a:alpha val="90000"/>
+        <a:tint val="40000"/>
+      </a:schemeClr>
+    </dgm:linClrLst>
+    <dgm:effectClrLst/>
+    <dgm:txLinClrLst/>
+    <dgm:txFillClrLst meth="repeat">
+      <a:schemeClr val="dk1"/>
+    </dgm:txFillClrLst>
+    <dgm:txEffectClrLst/>
+  </dgm:styleLbl>
+  <dgm:styleLbl name="bgAccFollowNode1">
+    <dgm:fillClrLst meth="repeat">
+      <a:schemeClr val="accent1">
+        <a:alpha val="90000"/>
+        <a:tint val="40000"/>
+      </a:schemeClr>
+    </dgm:fillClrLst>
+    <dgm:linClrLst meth="repeat">
+      <a:schemeClr val="accent1">
+        <a:alpha val="90000"/>
+        <a:tint val="40000"/>
+      </a:schemeClr>
+    </dgm:linClrLst>
+    <dgm:effectClrLst/>
+    <dgm:txLinClrLst/>
+    <dgm:txFillClrLst meth="repeat">
+      <a:schemeClr val="dk1"/>
+    </dgm:txFillClrLst>
+    <dgm:txEffectClrLst/>
+  </dgm:styleLbl>
+  <dgm:styleLbl name="fgAcc0">
+    <dgm:fillClrLst meth="repeat">
+      <a:schemeClr val="lt1">
+        <a:alpha val="90000"/>
+      </a:schemeClr>
+    </dgm:fillClrLst>
+    <dgm:linClrLst meth="repeat">
+      <a:schemeClr val="accent1"/>
+    </dgm:linClrLst>
+    <dgm:effectClrLst/>
+    <dgm:txLinClrLst/>
+    <dgm:txFillClrLst meth="repeat">
+      <a:schemeClr val="dk1"/>
+    </dgm:txFillClrLst>
+    <dgm:txEffectClrLst/>
+  </dgm:styleLbl>
+  <dgm:styleLbl name="fgAcc2">
+    <dgm:fillClrLst meth="repeat">
+      <a:schemeClr val="lt1">
+        <a:alpha val="90000"/>
+      </a:schemeClr>
+    </dgm:fillClrLst>
+    <dgm:linClrLst meth="repeat">
+      <a:schemeClr val="accent1"/>
+    </dgm:linClrLst>
+    <dgm:effectClrLst/>
+    <dgm:txLinClrLst/>
+    <dgm:txFillClrLst meth="repeat">
+      <a:schemeClr val="dk1"/>
+    </dgm:txFillClrLst>
+    <dgm:txEffectClrLst/>
+  </dgm:styleLbl>
+  <dgm:styleLbl name="fgAcc3">
+    <dgm:fillClrLst meth="repeat">
+      <a:schemeClr val="lt1">
+        <a:alpha val="90000"/>
+      </a:schemeClr>
+    </dgm:fillClrLst>
+    <dgm:linClrLst meth="repeat">
+      <a:schemeClr val="accent1"/>
+    </dgm:linClrLst>
+    <dgm:effectClrLst/>
+    <dgm:txLinClrLst/>
+    <dgm:txFillClrLst meth="repeat">
+      <a:schemeClr val="dk1"/>
+    </dgm:txFillClrLst>
+    <dgm:txEffectClrLst/>
+  </dgm:styleLbl>
+  <dgm:styleLbl name="fgAcc4">
+    <dgm:fillClrLst meth="repeat">
+      <a:schemeClr val="lt1">
+        <a:alpha val="90000"/>
+      </a:schemeClr>
+    </dgm:fillClrLst>
+    <dgm:linClrLst meth="repeat">
+      <a:schemeClr val="accent1"/>
+    </dgm:linClrLst>
+    <dgm:effectClrLst/>
+    <dgm:txLinClrLst/>
+    <dgm:txFillClrLst meth="repeat">
+      <a:schemeClr val="dk1"/>
+    </dgm:txFillClrLst>
+    <dgm:txEffectClrLst/>
+  </dgm:styleLbl>
+  <dgm:styleLbl name="bgShp">
+    <dgm:fillClrLst meth="repeat">
+      <a:schemeClr val="accent1">
+        <a:tint val="40000"/>
+      </a:schemeClr>
+    </dgm:fillClrLst>
+    <dgm:linClrLst meth="repeat">
+      <a:schemeClr val="accent1"/>
+    </dgm:linClrLst>
+    <dgm:effectClrLst/>
+    <dgm:txLinClrLst/>
+    <dgm:txFillClrLst meth="repeat">
+      <a:schemeClr val="dk1"/>
+    </dgm:txFillClrLst>
+    <dgm:txEffectClrLst/>
+  </dgm:styleLbl>
+  <dgm:styleLbl name="dkBgShp">
+    <dgm:fillClrLst meth="repeat">
+      <a:schemeClr val="accent1">
+        <a:shade val="80000"/>
+      </a:schemeClr>
+    </dgm:fillClrLst>
+    <dgm:linClrLst meth="repeat">
+      <a:schemeClr val="accent1"/>
+    </dgm:linClrLst>
+    <dgm:effectClrLst/>
+    <dgm:txLinClrLst/>
+    <dgm:txFillClrLst meth="repeat">
+      <a:schemeClr val="lt1"/>
+    </dgm:txFillClrLst>
+    <dgm:txEffectClrLst/>
+  </dgm:styleLbl>
+  <dgm:styleLbl name="trBgShp">
+    <dgm:fillClrLst meth="repeat">
+      <a:schemeClr val="accent1">
+        <a:tint val="50000"/>
+        <a:alpha val="40000"/>
+      </a:schemeClr>
+    </dgm:fillClrLst>
+    <dgm:linClrLst meth="repeat">
+      <a:schemeClr val="accent1"/>
+    </dgm:linClrLst>
+    <dgm:effectClrLst/>
+    <dgm:txLinClrLst/>
+    <dgm:txFillClrLst meth="repeat">
+      <a:schemeClr val="lt1"/>
+    </dgm:txFillClrLst>
+    <dgm:txEffectClrLst/>
+  </dgm:styleLbl>
+  <dgm:styleLbl name="fgShp">
+    <dgm:fillClrLst meth="repeat">
+      <a:schemeClr val="accent1">
+        <a:tint val="60000"/>
+      </a:schemeClr>
+    </dgm:fillClrLst>
+    <dgm:linClrLst meth="repeat">
+      <a:schemeClr val="lt1"/>
+    </dgm:linClrLst>
+    <dgm:effectClrLst/>
+    <dgm:txLinClrLst/>
+    <dgm:txFillClrLst meth="repeat">
+      <a:schemeClr val="dk1"/>
+    </dgm:txFillClrLst>
+    <dgm:txEffectClrLst/>
+  </dgm:styleLbl>
+  <dgm:styleLbl name="revTx">
+    <dgm:fillClrLst meth="repeat">
+      <a:schemeClr val="lt1">
+        <a:alpha val="0"/>
+      </a:schemeClr>
+    </dgm:fillClrLst>
+    <dgm:linClrLst meth="repeat">
+      <a:schemeClr val="dk1">
+        <a:alpha val="0"/>
+      </a:schemeClr>
+    </dgm:linClrLst>
+    <dgm:effectClrLst/>
+    <dgm:txLinClrLst/>
+    <dgm:txFillClrLst meth="repeat">
+      <a:schemeClr val="tx1"/>
+    </dgm:txFillClrLst>
+    <dgm:txEffectClrLst/>
+  </dgm:styleLbl>
+</dgm:colorsDef>
+</file>
+
+<file path=ppt/diagrams/data1.xml><?xml version="1.0" encoding="utf-8"?>
+<dgm:dataModel xmlns:dgm="http://schemas.openxmlformats.org/drawingml/2006/diagram" xmlns:a="http://schemas.openxmlformats.org/drawingml/2006/main">
+  <dgm:ptLst>
+    <dgm:pt modelId="{4E78C1E5-9AD5-3743-9E10-12310FE2ABF1}" type="doc">
+      <dgm:prSet loTypeId="urn:microsoft.com/office/officeart/2005/8/layout/process1" loCatId="" qsTypeId="urn:microsoft.com/office/officeart/2005/8/quickstyle/simple4" qsCatId="simple" csTypeId="urn:microsoft.com/office/officeart/2005/8/colors/accent1_2" csCatId="accent1" phldr="1"/>
+      <dgm:spPr/>
+    </dgm:pt>
+    <dgm:pt modelId="{ABB09125-A906-1245-B595-50FC4F02BA2B}">
+      <dgm:prSet phldrT="[Text]"/>
+      <dgm:spPr/>
+      <dgm:t>
+        <a:bodyPr/>
+        <a:lstStyle/>
+        <a:p>
+          <a:r>
+            <a:rPr lang="en-US" altLang="zh-CN" dirty="0" smtClean="0"/>
+            <a:t>Leap</a:t>
+          </a:r>
+          <a:r>
+            <a:rPr lang="zh-CN" altLang="en-US" dirty="0" smtClean="0"/>
+            <a:t> </a:t>
+          </a:r>
+          <a:r>
+            <a:rPr lang="en-US" altLang="zh-CN" dirty="0" smtClean="0"/>
+            <a:t>Motion</a:t>
+          </a:r>
+          <a:endParaRPr lang="en-GB" dirty="0"/>
+        </a:p>
+      </dgm:t>
+    </dgm:pt>
+    <dgm:pt modelId="{71A52D01-3E65-C949-ABD6-0354AE1D9B35}" type="parTrans" cxnId="{33F161AD-6BE2-6848-90FE-3870FCE91A48}">
+      <dgm:prSet/>
+      <dgm:spPr/>
+      <dgm:t>
+        <a:bodyPr/>
+        <a:lstStyle/>
+        <a:p>
+          <a:endParaRPr lang="en-GB"/>
+        </a:p>
+      </dgm:t>
+    </dgm:pt>
+    <dgm:pt modelId="{D379AC01-8416-7440-80AA-697518F58025}" type="sibTrans" cxnId="{33F161AD-6BE2-6848-90FE-3870FCE91A48}">
+      <dgm:prSet/>
+      <dgm:spPr/>
+      <dgm:t>
+        <a:bodyPr/>
+        <a:lstStyle/>
+        <a:p>
+          <a:endParaRPr lang="en-GB"/>
+        </a:p>
+      </dgm:t>
+    </dgm:pt>
+    <dgm:pt modelId="{5F5FDE94-2657-C846-9EA9-43C054FF05DF}">
+      <dgm:prSet/>
+      <dgm:spPr/>
+      <dgm:t>
+        <a:bodyPr/>
+        <a:lstStyle/>
+        <a:p>
+          <a:r>
+            <a:rPr lang="en-US" altLang="zh-CN" dirty="0" smtClean="0"/>
+            <a:t>API</a:t>
+          </a:r>
+          <a:r>
+            <a:rPr lang="zh-CN" altLang="en-US" dirty="0" smtClean="0"/>
+            <a:t> </a:t>
+          </a:r>
+          <a:r>
+            <a:rPr lang="en-US" altLang="zh-CN" dirty="0" smtClean="0"/>
+            <a:t>Python</a:t>
+          </a:r>
+        </a:p>
+        <a:p>
+          <a:r>
+            <a:rPr lang="en-US" altLang="zh-CN" dirty="0" smtClean="0"/>
+            <a:t>Create midi stream</a:t>
+          </a:r>
+          <a:endParaRPr lang="en-US" altLang="zh-CN" dirty="0" smtClean="0"/>
+        </a:p>
+      </dgm:t>
+    </dgm:pt>
+    <dgm:pt modelId="{6954054C-E9F6-2B4E-9FB4-D9CA6290D475}" type="parTrans" cxnId="{2C0605BB-F673-F145-87BD-1B1648E8D8CE}">
+      <dgm:prSet/>
+      <dgm:spPr/>
+      <dgm:t>
+        <a:bodyPr/>
+        <a:lstStyle/>
+        <a:p>
+          <a:endParaRPr lang="en-GB"/>
+        </a:p>
+      </dgm:t>
+    </dgm:pt>
+    <dgm:pt modelId="{39E4305A-2ECF-5B45-887D-9D2E3C95FC46}" type="sibTrans" cxnId="{2C0605BB-F673-F145-87BD-1B1648E8D8CE}">
+      <dgm:prSet/>
+      <dgm:spPr/>
+      <dgm:t>
+        <a:bodyPr/>
+        <a:lstStyle/>
+        <a:p>
+          <a:endParaRPr lang="en-GB"/>
+        </a:p>
+      </dgm:t>
+    </dgm:pt>
+    <dgm:pt modelId="{2299D553-F120-F84A-A2F2-F3B11644B444}">
+      <dgm:prSet/>
+      <dgm:spPr/>
+      <dgm:t>
+        <a:bodyPr/>
+        <a:lstStyle/>
+        <a:p>
+          <a:r>
+            <a:rPr lang="en-US" altLang="zh-CN" dirty="0" smtClean="0"/>
+            <a:t>virtual</a:t>
+          </a:r>
+          <a:r>
+            <a:rPr lang="zh-CN" altLang="en-US" dirty="0" smtClean="0"/>
+            <a:t> </a:t>
+          </a:r>
+          <a:r>
+            <a:rPr lang="en-US" altLang="zh-CN" dirty="0" smtClean="0"/>
+            <a:t>port</a:t>
+          </a:r>
+          <a:endParaRPr lang="en-US" altLang="zh-CN" dirty="0" smtClean="0"/>
+        </a:p>
+      </dgm:t>
+    </dgm:pt>
+    <dgm:pt modelId="{BC3BFCE8-0492-5D4C-9B67-332C657DB5E0}" type="parTrans" cxnId="{A1029CAC-D719-6E40-BBB9-4945509BEFCF}">
+      <dgm:prSet/>
+      <dgm:spPr/>
+      <dgm:t>
+        <a:bodyPr/>
+        <a:lstStyle/>
+        <a:p>
+          <a:endParaRPr lang="en-GB"/>
+        </a:p>
+      </dgm:t>
+    </dgm:pt>
+    <dgm:pt modelId="{8153AEB5-6EED-D342-9CDB-253E6E83FFE7}" type="sibTrans" cxnId="{A1029CAC-D719-6E40-BBB9-4945509BEFCF}">
+      <dgm:prSet/>
+      <dgm:spPr/>
+      <dgm:t>
+        <a:bodyPr/>
+        <a:lstStyle/>
+        <a:p>
+          <a:endParaRPr lang="en-GB"/>
+        </a:p>
+      </dgm:t>
+    </dgm:pt>
+    <dgm:pt modelId="{7B0BC7E6-45AC-1145-ABCD-45B82BEA040D}">
+      <dgm:prSet/>
+      <dgm:spPr/>
+      <dgm:t>
+        <a:bodyPr/>
+        <a:lstStyle/>
+        <a:p>
+          <a:r>
+            <a:rPr lang="en-US" altLang="zh-CN" dirty="0" err="1" smtClean="0"/>
+            <a:t>Ableton</a:t>
+          </a:r>
+          <a:r>
+            <a:rPr lang="zh-CN" altLang="en-US" dirty="0" smtClean="0"/>
+            <a:t> </a:t>
+          </a:r>
+          <a:r>
+            <a:rPr lang="en-US" altLang="zh-CN" dirty="0" smtClean="0"/>
+            <a:t>Live</a:t>
+          </a:r>
+          <a:endParaRPr lang="en-US" altLang="zh-CN" dirty="0" smtClean="0"/>
+        </a:p>
+      </dgm:t>
+    </dgm:pt>
+    <dgm:pt modelId="{71552848-434E-774D-ABEA-C061199BA066}" type="parTrans" cxnId="{EE953C94-F7A8-A94E-B8A5-219A9E8E6214}">
+      <dgm:prSet/>
+      <dgm:spPr/>
+      <dgm:t>
+        <a:bodyPr/>
+        <a:lstStyle/>
+        <a:p>
+          <a:endParaRPr lang="en-GB"/>
+        </a:p>
+      </dgm:t>
+    </dgm:pt>
+    <dgm:pt modelId="{C01BA976-6788-524F-A64A-7D774E5068CB}" type="sibTrans" cxnId="{EE953C94-F7A8-A94E-B8A5-219A9E8E6214}">
+      <dgm:prSet/>
+      <dgm:spPr/>
+      <dgm:t>
+        <a:bodyPr/>
+        <a:lstStyle/>
+        <a:p>
+          <a:endParaRPr lang="en-GB"/>
+        </a:p>
+      </dgm:t>
+    </dgm:pt>
+    <dgm:pt modelId="{5A1DCC15-7796-9E45-A79C-E9D916220DD6}" type="pres">
+      <dgm:prSet presAssocID="{4E78C1E5-9AD5-3743-9E10-12310FE2ABF1}" presName="Name0" presStyleCnt="0">
+        <dgm:presLayoutVars>
+          <dgm:dir/>
+          <dgm:resizeHandles val="exact"/>
+        </dgm:presLayoutVars>
+      </dgm:prSet>
+      <dgm:spPr/>
+    </dgm:pt>
+    <dgm:pt modelId="{28FE9AA1-5516-C945-B93F-4F2D6080E781}" type="pres">
+      <dgm:prSet presAssocID="{ABB09125-A906-1245-B595-50FC4F02BA2B}" presName="node" presStyleLbl="node1" presStyleIdx="0" presStyleCnt="4" custLinFactNeighborY="2069">
+        <dgm:presLayoutVars>
+          <dgm:bulletEnabled val="1"/>
+        </dgm:presLayoutVars>
+      </dgm:prSet>
+      <dgm:spPr/>
+      <dgm:t>
+        <a:bodyPr/>
+        <a:lstStyle/>
+        <a:p>
+          <a:endParaRPr lang="en-GB"/>
+        </a:p>
+      </dgm:t>
+    </dgm:pt>
+    <dgm:pt modelId="{4A6754B4-583F-C84F-B14B-323DD9DE4B5F}" type="pres">
+      <dgm:prSet presAssocID="{D379AC01-8416-7440-80AA-697518F58025}" presName="sibTrans" presStyleLbl="sibTrans2D1" presStyleIdx="0" presStyleCnt="3"/>
+      <dgm:spPr/>
+    </dgm:pt>
+    <dgm:pt modelId="{C2964D5C-9D39-3C4E-95B1-531BEA3E1B50}" type="pres">
+      <dgm:prSet presAssocID="{D379AC01-8416-7440-80AA-697518F58025}" presName="connectorText" presStyleLbl="sibTrans2D1" presStyleIdx="0" presStyleCnt="3"/>
+      <dgm:spPr/>
+    </dgm:pt>
+    <dgm:pt modelId="{94346748-3F71-5A42-B179-510F7D774D76}" type="pres">
+      <dgm:prSet presAssocID="{5F5FDE94-2657-C846-9EA9-43C054FF05DF}" presName="node" presStyleLbl="node1" presStyleIdx="1" presStyleCnt="4">
+        <dgm:presLayoutVars>
+          <dgm:bulletEnabled val="1"/>
+        </dgm:presLayoutVars>
+      </dgm:prSet>
+      <dgm:spPr/>
+    </dgm:pt>
+    <dgm:pt modelId="{DD440EB8-ABC5-ED44-A55A-65B00E848DC4}" type="pres">
+      <dgm:prSet presAssocID="{39E4305A-2ECF-5B45-887D-9D2E3C95FC46}" presName="sibTrans" presStyleLbl="sibTrans2D1" presStyleIdx="1" presStyleCnt="3"/>
+      <dgm:spPr/>
+    </dgm:pt>
+    <dgm:pt modelId="{99411840-C489-B547-88A1-63DE265DF6D4}" type="pres">
+      <dgm:prSet presAssocID="{39E4305A-2ECF-5B45-887D-9D2E3C95FC46}" presName="connectorText" presStyleLbl="sibTrans2D1" presStyleIdx="1" presStyleCnt="3"/>
+      <dgm:spPr/>
+    </dgm:pt>
+    <dgm:pt modelId="{C213A683-8F15-0E46-BD8C-A084C2A68F3B}" type="pres">
+      <dgm:prSet presAssocID="{2299D553-F120-F84A-A2F2-F3B11644B444}" presName="node" presStyleLbl="node1" presStyleIdx="2" presStyleCnt="4">
+        <dgm:presLayoutVars>
+          <dgm:bulletEnabled val="1"/>
+        </dgm:presLayoutVars>
+      </dgm:prSet>
+      <dgm:spPr/>
+      <dgm:t>
+        <a:bodyPr/>
+        <a:lstStyle/>
+        <a:p>
+          <a:endParaRPr lang="en-GB"/>
+        </a:p>
+      </dgm:t>
+    </dgm:pt>
+    <dgm:pt modelId="{48BB6998-1482-B24D-B2CD-63E46B7A5AA8}" type="pres">
+      <dgm:prSet presAssocID="{8153AEB5-6EED-D342-9CDB-253E6E83FFE7}" presName="sibTrans" presStyleLbl="sibTrans2D1" presStyleIdx="2" presStyleCnt="3"/>
+      <dgm:spPr/>
+    </dgm:pt>
+    <dgm:pt modelId="{64947657-B6D0-B54D-99E1-844048EC8EE3}" type="pres">
+      <dgm:prSet presAssocID="{8153AEB5-6EED-D342-9CDB-253E6E83FFE7}" presName="connectorText" presStyleLbl="sibTrans2D1" presStyleIdx="2" presStyleCnt="3"/>
+      <dgm:spPr/>
+    </dgm:pt>
+    <dgm:pt modelId="{FF3CB250-F123-C542-95C2-6742013D7F39}" type="pres">
+      <dgm:prSet presAssocID="{7B0BC7E6-45AC-1145-ABCD-45B82BEA040D}" presName="node" presStyleLbl="node1" presStyleIdx="3" presStyleCnt="4">
+        <dgm:presLayoutVars>
+          <dgm:bulletEnabled val="1"/>
+        </dgm:presLayoutVars>
+      </dgm:prSet>
+      <dgm:spPr/>
+      <dgm:t>
+        <a:bodyPr/>
+        <a:lstStyle/>
+        <a:p>
+          <a:endParaRPr lang="en-GB"/>
+        </a:p>
+      </dgm:t>
+    </dgm:pt>
+  </dgm:ptLst>
+  <dgm:cxnLst>
+    <dgm:cxn modelId="{A0C31B53-E2CD-9D42-89D6-54E997FCF51D}" type="presOf" srcId="{8153AEB5-6EED-D342-9CDB-253E6E83FFE7}" destId="{48BB6998-1482-B24D-B2CD-63E46B7A5AA8}" srcOrd="0" destOrd="0" presId="urn:microsoft.com/office/officeart/2005/8/layout/process1"/>
+    <dgm:cxn modelId="{429BB3BB-6BA4-F04F-90AB-1C0108434FE1}" type="presOf" srcId="{D379AC01-8416-7440-80AA-697518F58025}" destId="{4A6754B4-583F-C84F-B14B-323DD9DE4B5F}" srcOrd="0" destOrd="0" presId="urn:microsoft.com/office/officeart/2005/8/layout/process1"/>
+    <dgm:cxn modelId="{8E0DFF37-E203-5741-970F-CA443B22DF42}" type="presOf" srcId="{5F5FDE94-2657-C846-9EA9-43C054FF05DF}" destId="{94346748-3F71-5A42-B179-510F7D774D76}" srcOrd="0" destOrd="0" presId="urn:microsoft.com/office/officeart/2005/8/layout/process1"/>
+    <dgm:cxn modelId="{EE953C94-F7A8-A94E-B8A5-219A9E8E6214}" srcId="{4E78C1E5-9AD5-3743-9E10-12310FE2ABF1}" destId="{7B0BC7E6-45AC-1145-ABCD-45B82BEA040D}" srcOrd="3" destOrd="0" parTransId="{71552848-434E-774D-ABEA-C061199BA066}" sibTransId="{C01BA976-6788-524F-A64A-7D774E5068CB}"/>
+    <dgm:cxn modelId="{65D71CBB-7CBC-4A48-BC3B-0FD1E9658D27}" type="presOf" srcId="{ABB09125-A906-1245-B595-50FC4F02BA2B}" destId="{28FE9AA1-5516-C945-B93F-4F2D6080E781}" srcOrd="0" destOrd="0" presId="urn:microsoft.com/office/officeart/2005/8/layout/process1"/>
+    <dgm:cxn modelId="{351B673E-310A-9743-80BC-1D86B34DE618}" type="presOf" srcId="{39E4305A-2ECF-5B45-887D-9D2E3C95FC46}" destId="{DD440EB8-ABC5-ED44-A55A-65B00E848DC4}" srcOrd="0" destOrd="0" presId="urn:microsoft.com/office/officeart/2005/8/layout/process1"/>
+    <dgm:cxn modelId="{33F161AD-6BE2-6848-90FE-3870FCE91A48}" srcId="{4E78C1E5-9AD5-3743-9E10-12310FE2ABF1}" destId="{ABB09125-A906-1245-B595-50FC4F02BA2B}" srcOrd="0" destOrd="0" parTransId="{71A52D01-3E65-C949-ABD6-0354AE1D9B35}" sibTransId="{D379AC01-8416-7440-80AA-697518F58025}"/>
+    <dgm:cxn modelId="{2C0605BB-F673-F145-87BD-1B1648E8D8CE}" srcId="{4E78C1E5-9AD5-3743-9E10-12310FE2ABF1}" destId="{5F5FDE94-2657-C846-9EA9-43C054FF05DF}" srcOrd="1" destOrd="0" parTransId="{6954054C-E9F6-2B4E-9FB4-D9CA6290D475}" sibTransId="{39E4305A-2ECF-5B45-887D-9D2E3C95FC46}"/>
+    <dgm:cxn modelId="{FC4CF8A6-6312-DF4F-8E37-412FC2B5C8EA}" type="presOf" srcId="{D379AC01-8416-7440-80AA-697518F58025}" destId="{C2964D5C-9D39-3C4E-95B1-531BEA3E1B50}" srcOrd="1" destOrd="0" presId="urn:microsoft.com/office/officeart/2005/8/layout/process1"/>
+    <dgm:cxn modelId="{97562A45-539F-F244-A6AD-9F057AAD9601}" type="presOf" srcId="{2299D553-F120-F84A-A2F2-F3B11644B444}" destId="{C213A683-8F15-0E46-BD8C-A084C2A68F3B}" srcOrd="0" destOrd="0" presId="urn:microsoft.com/office/officeart/2005/8/layout/process1"/>
+    <dgm:cxn modelId="{2C74EB29-728A-3F4F-ADBC-067C667F3E1D}" type="presOf" srcId="{4E78C1E5-9AD5-3743-9E10-12310FE2ABF1}" destId="{5A1DCC15-7796-9E45-A79C-E9D916220DD6}" srcOrd="0" destOrd="0" presId="urn:microsoft.com/office/officeart/2005/8/layout/process1"/>
+    <dgm:cxn modelId="{C31F1027-1908-5B47-BDD5-9B4CBDD361F4}" type="presOf" srcId="{8153AEB5-6EED-D342-9CDB-253E6E83FFE7}" destId="{64947657-B6D0-B54D-99E1-844048EC8EE3}" srcOrd="1" destOrd="0" presId="urn:microsoft.com/office/officeart/2005/8/layout/process1"/>
+    <dgm:cxn modelId="{09919F66-C879-4449-84FC-E768BE934CE0}" type="presOf" srcId="{7B0BC7E6-45AC-1145-ABCD-45B82BEA040D}" destId="{FF3CB250-F123-C542-95C2-6742013D7F39}" srcOrd="0" destOrd="0" presId="urn:microsoft.com/office/officeart/2005/8/layout/process1"/>
+    <dgm:cxn modelId="{6D1833BC-8271-0546-9204-5828D1E23E62}" type="presOf" srcId="{39E4305A-2ECF-5B45-887D-9D2E3C95FC46}" destId="{99411840-C489-B547-88A1-63DE265DF6D4}" srcOrd="1" destOrd="0" presId="urn:microsoft.com/office/officeart/2005/8/layout/process1"/>
+    <dgm:cxn modelId="{A1029CAC-D719-6E40-BBB9-4945509BEFCF}" srcId="{4E78C1E5-9AD5-3743-9E10-12310FE2ABF1}" destId="{2299D553-F120-F84A-A2F2-F3B11644B444}" srcOrd="2" destOrd="0" parTransId="{BC3BFCE8-0492-5D4C-9B67-332C657DB5E0}" sibTransId="{8153AEB5-6EED-D342-9CDB-253E6E83FFE7}"/>
+    <dgm:cxn modelId="{54FFA1BF-9CFE-2E41-B345-AE6C985D0D12}" type="presParOf" srcId="{5A1DCC15-7796-9E45-A79C-E9D916220DD6}" destId="{28FE9AA1-5516-C945-B93F-4F2D6080E781}" srcOrd="0" destOrd="0" presId="urn:microsoft.com/office/officeart/2005/8/layout/process1"/>
+    <dgm:cxn modelId="{A1A99477-9374-F244-A636-14AEAB657CB1}" type="presParOf" srcId="{5A1DCC15-7796-9E45-A79C-E9D916220DD6}" destId="{4A6754B4-583F-C84F-B14B-323DD9DE4B5F}" srcOrd="1" destOrd="0" presId="urn:microsoft.com/office/officeart/2005/8/layout/process1"/>
+    <dgm:cxn modelId="{36C53D0D-6738-E945-897B-FB8631BE5038}" type="presParOf" srcId="{4A6754B4-583F-C84F-B14B-323DD9DE4B5F}" destId="{C2964D5C-9D39-3C4E-95B1-531BEA3E1B50}" srcOrd="0" destOrd="0" presId="urn:microsoft.com/office/officeart/2005/8/layout/process1"/>
+    <dgm:cxn modelId="{9EC92AB0-82F3-784E-8556-A6B5E7D52737}" type="presParOf" srcId="{5A1DCC15-7796-9E45-A79C-E9D916220DD6}" destId="{94346748-3F71-5A42-B179-510F7D774D76}" srcOrd="2" destOrd="0" presId="urn:microsoft.com/office/officeart/2005/8/layout/process1"/>
+    <dgm:cxn modelId="{8371B3C8-E5D7-0446-BC57-14D1CDEE69BA}" type="presParOf" srcId="{5A1DCC15-7796-9E45-A79C-E9D916220DD6}" destId="{DD440EB8-ABC5-ED44-A55A-65B00E848DC4}" srcOrd="3" destOrd="0" presId="urn:microsoft.com/office/officeart/2005/8/layout/process1"/>
+    <dgm:cxn modelId="{20F264D5-C3BB-ED4B-84DA-828B99EFF13B}" type="presParOf" srcId="{DD440EB8-ABC5-ED44-A55A-65B00E848DC4}" destId="{99411840-C489-B547-88A1-63DE265DF6D4}" srcOrd="0" destOrd="0" presId="urn:microsoft.com/office/officeart/2005/8/layout/process1"/>
+    <dgm:cxn modelId="{3CB88208-1B3E-3F42-94FB-3E8BA02E7991}" type="presParOf" srcId="{5A1DCC15-7796-9E45-A79C-E9D916220DD6}" destId="{C213A683-8F15-0E46-BD8C-A084C2A68F3B}" srcOrd="4" destOrd="0" presId="urn:microsoft.com/office/officeart/2005/8/layout/process1"/>
+    <dgm:cxn modelId="{8D37CEB8-C901-7443-A9ED-8A373D9D904C}" type="presParOf" srcId="{5A1DCC15-7796-9E45-A79C-E9D916220DD6}" destId="{48BB6998-1482-B24D-B2CD-63E46B7A5AA8}" srcOrd="5" destOrd="0" presId="urn:microsoft.com/office/officeart/2005/8/layout/process1"/>
+    <dgm:cxn modelId="{5D563510-1341-0943-8EA5-81B305F9A845}" type="presParOf" srcId="{48BB6998-1482-B24D-B2CD-63E46B7A5AA8}" destId="{64947657-B6D0-B54D-99E1-844048EC8EE3}" srcOrd="0" destOrd="0" presId="urn:microsoft.com/office/officeart/2005/8/layout/process1"/>
+    <dgm:cxn modelId="{9B3AD0BE-F506-5042-9416-D1DA88348873}" type="presParOf" srcId="{5A1DCC15-7796-9E45-A79C-E9D916220DD6}" destId="{FF3CB250-F123-C542-95C2-6742013D7F39}" srcOrd="6" destOrd="0" presId="urn:microsoft.com/office/officeart/2005/8/layout/process1"/>
+  </dgm:cxnLst>
+  <dgm:bg/>
+  <dgm:whole/>
+  <dgm:extLst>
+    <a:ext uri="http://schemas.microsoft.com/office/drawing/2008/diagram">
+      <dsp:dataModelExt xmlns:dsp="http://schemas.microsoft.com/office/drawing/2008/diagram" relId="rId6" minVer="http://schemas.openxmlformats.org/drawingml/2006/diagram"/>
+    </a:ext>
+  </dgm:extLst>
+</dgm:dataModel>
+</file>
+
+<file path=ppt/diagrams/drawing1.xml><?xml version="1.0" encoding="utf-8"?>
+<dsp:drawing xmlns:dgm="http://schemas.openxmlformats.org/drawingml/2006/diagram" xmlns:dsp="http://schemas.microsoft.com/office/drawing/2008/diagram" xmlns:a="http://schemas.openxmlformats.org/drawingml/2006/main">
+  <dsp:spTree>
+    <dsp:nvGrpSpPr>
+      <dsp:cNvPr id="0" name=""/>
+      <dsp:cNvGrpSpPr/>
+    </dsp:nvGrpSpPr>
+    <dsp:grpSpPr/>
+    <dsp:sp modelId="{28FE9AA1-5516-C945-B93F-4F2D6080E781}">
+      <dsp:nvSpPr>
+        <dsp:cNvPr id="0" name=""/>
+        <dsp:cNvSpPr/>
+      </dsp:nvSpPr>
+      <dsp:spPr>
+        <a:xfrm>
+          <a:off x="3571" y="2197051"/>
+          <a:ext cx="1561703" cy="1068790"/>
+        </a:xfrm>
+        <a:prstGeom prst="roundRect">
+          <a:avLst>
+            <a:gd name="adj" fmla="val 10000"/>
+          </a:avLst>
+        </a:prstGeom>
+        <a:gradFill rotWithShape="0">
+          <a:gsLst>
+            <a:gs pos="0">
+              <a:schemeClr val="accent1">
+                <a:hueOff val="0"/>
+                <a:satOff val="0"/>
+                <a:lumOff val="0"/>
+                <a:alphaOff val="0"/>
+                <a:tint val="94000"/>
+                <a:satMod val="103000"/>
+                <a:lumMod val="102000"/>
+              </a:schemeClr>
+            </a:gs>
+            <a:gs pos="50000">
+              <a:schemeClr val="accent1">
+                <a:hueOff val="0"/>
+                <a:satOff val="0"/>
+                <a:lumOff val="0"/>
+                <a:alphaOff val="0"/>
+                <a:shade val="100000"/>
+                <a:satMod val="110000"/>
+                <a:lumMod val="100000"/>
+              </a:schemeClr>
+            </a:gs>
+            <a:gs pos="100000">
+              <a:schemeClr val="accent1">
+                <a:hueOff val="0"/>
+                <a:satOff val="0"/>
+                <a:lumOff val="0"/>
+                <a:alphaOff val="0"/>
+                <a:shade val="78000"/>
+                <a:satMod val="120000"/>
+                <a:lumMod val="99000"/>
+              </a:schemeClr>
+            </a:gs>
+          </a:gsLst>
+          <a:lin ang="5400000" scaled="0"/>
+        </a:gradFill>
+        <a:ln>
+          <a:noFill/>
+        </a:ln>
+        <a:effectLst/>
+      </dsp:spPr>
+      <dsp:style>
+        <a:lnRef idx="0">
+          <a:scrgbClr r="0" g="0" b="0"/>
+        </a:lnRef>
+        <a:fillRef idx="3">
+          <a:scrgbClr r="0" g="0" b="0"/>
+        </a:fillRef>
+        <a:effectRef idx="2">
+          <a:scrgbClr r="0" g="0" b="0"/>
+        </a:effectRef>
+        <a:fontRef idx="minor">
+          <a:schemeClr val="lt1"/>
+        </a:fontRef>
+      </dsp:style>
+      <dsp:txBody>
+        <a:bodyPr spcFirstLastPara="0" vert="horz" wrap="square" lIns="68580" tIns="68580" rIns="68580" bIns="68580" numCol="1" spcCol="1270" anchor="ctr" anchorCtr="0">
+          <a:noAutofit/>
+        </a:bodyPr>
+        <a:lstStyle/>
+        <a:p>
+          <a:pPr lvl="0" algn="ctr" defTabSz="800100">
+            <a:lnSpc>
+              <a:spcPct val="90000"/>
+            </a:lnSpc>
+            <a:spcBef>
+              <a:spcPct val="0"/>
+            </a:spcBef>
+            <a:spcAft>
+              <a:spcPct val="35000"/>
+            </a:spcAft>
+          </a:pPr>
+          <a:r>
+            <a:rPr lang="en-US" altLang="zh-CN" sz="1800" kern="1200" dirty="0" smtClean="0"/>
+            <a:t>Leap</a:t>
+          </a:r>
+          <a:r>
+            <a:rPr lang="zh-CN" altLang="en-US" sz="1800" kern="1200" dirty="0" smtClean="0"/>
+            <a:t> </a:t>
+          </a:r>
+          <a:r>
+            <a:rPr lang="en-US" altLang="zh-CN" sz="1800" kern="1200" dirty="0" smtClean="0"/>
+            <a:t>Motion</a:t>
+          </a:r>
+          <a:endParaRPr lang="en-GB" sz="1800" kern="1200" dirty="0"/>
+        </a:p>
+      </dsp:txBody>
+      <dsp:txXfrm>
+        <a:off x="34875" y="2228355"/>
+        <a:ext cx="1499095" cy="1006182"/>
+      </dsp:txXfrm>
+    </dsp:sp>
+    <dsp:sp modelId="{4A6754B4-583F-C84F-B14B-323DD9DE4B5F}">
+      <dsp:nvSpPr>
+        <dsp:cNvPr id="0" name=""/>
+        <dsp:cNvSpPr/>
+      </dsp:nvSpPr>
+      <dsp:spPr>
+        <a:xfrm rot="21565232">
+          <a:off x="1721436" y="2526644"/>
+          <a:ext cx="331097" cy="387302"/>
+        </a:xfrm>
+        <a:prstGeom prst="rightArrow">
+          <a:avLst>
+            <a:gd name="adj1" fmla="val 60000"/>
+            <a:gd name="adj2" fmla="val 50000"/>
+          </a:avLst>
+        </a:prstGeom>
+        <a:gradFill rotWithShape="0">
+          <a:gsLst>
+            <a:gs pos="0">
+              <a:schemeClr val="accent1">
+                <a:tint val="60000"/>
+                <a:hueOff val="0"/>
+                <a:satOff val="0"/>
+                <a:lumOff val="0"/>
+                <a:alphaOff val="0"/>
+                <a:tint val="94000"/>
+                <a:satMod val="103000"/>
+                <a:lumMod val="102000"/>
+              </a:schemeClr>
+            </a:gs>
+            <a:gs pos="50000">
+              <a:schemeClr val="accent1">
+                <a:tint val="60000"/>
+                <a:hueOff val="0"/>
+                <a:satOff val="0"/>
+                <a:lumOff val="0"/>
+                <a:alphaOff val="0"/>
+                <a:shade val="100000"/>
+                <a:satMod val="110000"/>
+                <a:lumMod val="100000"/>
+              </a:schemeClr>
+            </a:gs>
+            <a:gs pos="100000">
+              <a:schemeClr val="accent1">
+                <a:tint val="60000"/>
+                <a:hueOff val="0"/>
+                <a:satOff val="0"/>
+                <a:lumOff val="0"/>
+                <a:alphaOff val="0"/>
+                <a:shade val="78000"/>
+                <a:satMod val="120000"/>
+                <a:lumMod val="99000"/>
+              </a:schemeClr>
+            </a:gs>
+          </a:gsLst>
+          <a:lin ang="5400000" scaled="0"/>
+        </a:gradFill>
+        <a:ln>
+          <a:noFill/>
+        </a:ln>
+        <a:effectLst/>
+      </dsp:spPr>
+      <dsp:style>
+        <a:lnRef idx="0">
+          <a:scrgbClr r="0" g="0" b="0"/>
+        </a:lnRef>
+        <a:fillRef idx="3">
+          <a:scrgbClr r="0" g="0" b="0"/>
+        </a:fillRef>
+        <a:effectRef idx="2">
+          <a:scrgbClr r="0" g="0" b="0"/>
+        </a:effectRef>
+        <a:fontRef idx="minor">
+          <a:schemeClr val="lt1"/>
+        </a:fontRef>
+      </dsp:style>
+      <dsp:txBody>
+        <a:bodyPr spcFirstLastPara="0" vert="horz" wrap="square" lIns="0" tIns="0" rIns="0" bIns="0" numCol="1" spcCol="1270" anchor="ctr" anchorCtr="0">
+          <a:noAutofit/>
+        </a:bodyPr>
+        <a:lstStyle/>
+        <a:p>
+          <a:pPr lvl="0" algn="ctr" defTabSz="622300">
+            <a:lnSpc>
+              <a:spcPct val="90000"/>
+            </a:lnSpc>
+            <a:spcBef>
+              <a:spcPct val="0"/>
+            </a:spcBef>
+            <a:spcAft>
+              <a:spcPct val="35000"/>
+            </a:spcAft>
+          </a:pPr>
+          <a:endParaRPr lang="en-GB" sz="1400" kern="1200"/>
+        </a:p>
+      </dsp:txBody>
+      <dsp:txXfrm>
+        <a:off x="1721439" y="2604606"/>
+        <a:ext cx="231768" cy="232382"/>
+      </dsp:txXfrm>
+    </dsp:sp>
+    <dsp:sp modelId="{94346748-3F71-5A42-B179-510F7D774D76}">
+      <dsp:nvSpPr>
+        <dsp:cNvPr id="0" name=""/>
+        <dsp:cNvSpPr/>
+      </dsp:nvSpPr>
+      <dsp:spPr>
+        <a:xfrm>
+          <a:off x="2189956" y="2174938"/>
+          <a:ext cx="1561703" cy="1068790"/>
+        </a:xfrm>
+        <a:prstGeom prst="roundRect">
+          <a:avLst>
+            <a:gd name="adj" fmla="val 10000"/>
+          </a:avLst>
+        </a:prstGeom>
+        <a:gradFill rotWithShape="0">
+          <a:gsLst>
+            <a:gs pos="0">
+              <a:schemeClr val="accent1">
+                <a:hueOff val="0"/>
+                <a:satOff val="0"/>
+                <a:lumOff val="0"/>
+                <a:alphaOff val="0"/>
+                <a:tint val="94000"/>
+                <a:satMod val="103000"/>
+                <a:lumMod val="102000"/>
+              </a:schemeClr>
+            </a:gs>
+            <a:gs pos="50000">
+              <a:schemeClr val="accent1">
+                <a:hueOff val="0"/>
+                <a:satOff val="0"/>
+                <a:lumOff val="0"/>
+                <a:alphaOff val="0"/>
+                <a:shade val="100000"/>
+                <a:satMod val="110000"/>
+                <a:lumMod val="100000"/>
+              </a:schemeClr>
+            </a:gs>
+            <a:gs pos="100000">
+              <a:schemeClr val="accent1">
+                <a:hueOff val="0"/>
+                <a:satOff val="0"/>
+                <a:lumOff val="0"/>
+                <a:alphaOff val="0"/>
+                <a:shade val="78000"/>
+                <a:satMod val="120000"/>
+                <a:lumMod val="99000"/>
+              </a:schemeClr>
+            </a:gs>
+          </a:gsLst>
+          <a:lin ang="5400000" scaled="0"/>
+        </a:gradFill>
+        <a:ln>
+          <a:noFill/>
+        </a:ln>
+        <a:effectLst/>
+      </dsp:spPr>
+      <dsp:style>
+        <a:lnRef idx="0">
+          <a:scrgbClr r="0" g="0" b="0"/>
+        </a:lnRef>
+        <a:fillRef idx="3">
+          <a:scrgbClr r="0" g="0" b="0"/>
+        </a:fillRef>
+        <a:effectRef idx="2">
+          <a:scrgbClr r="0" g="0" b="0"/>
+        </a:effectRef>
+        <a:fontRef idx="minor">
+          <a:schemeClr val="lt1"/>
+        </a:fontRef>
+      </dsp:style>
+      <dsp:txBody>
+        <a:bodyPr spcFirstLastPara="0" vert="horz" wrap="square" lIns="68580" tIns="68580" rIns="68580" bIns="68580" numCol="1" spcCol="1270" anchor="ctr" anchorCtr="0">
+          <a:noAutofit/>
+        </a:bodyPr>
+        <a:lstStyle/>
+        <a:p>
+          <a:pPr lvl="0" algn="ctr" defTabSz="800100">
+            <a:lnSpc>
+              <a:spcPct val="90000"/>
+            </a:lnSpc>
+            <a:spcBef>
+              <a:spcPct val="0"/>
+            </a:spcBef>
+            <a:spcAft>
+              <a:spcPct val="35000"/>
+            </a:spcAft>
+          </a:pPr>
+          <a:r>
+            <a:rPr lang="en-US" altLang="zh-CN" sz="1800" kern="1200" dirty="0" smtClean="0"/>
+            <a:t>API</a:t>
+          </a:r>
+          <a:r>
+            <a:rPr lang="zh-CN" altLang="en-US" sz="1800" kern="1200" dirty="0" smtClean="0"/>
+            <a:t> </a:t>
+          </a:r>
+          <a:r>
+            <a:rPr lang="en-US" altLang="zh-CN" sz="1800" kern="1200" dirty="0" smtClean="0"/>
+            <a:t>Python</a:t>
+          </a:r>
+        </a:p>
+        <a:p>
+          <a:pPr lvl="0" algn="ctr" defTabSz="800100">
+            <a:lnSpc>
+              <a:spcPct val="90000"/>
+            </a:lnSpc>
+            <a:spcBef>
+              <a:spcPct val="0"/>
+            </a:spcBef>
+            <a:spcAft>
+              <a:spcPct val="35000"/>
+            </a:spcAft>
+          </a:pPr>
+          <a:r>
+            <a:rPr lang="en-US" altLang="zh-CN" sz="1800" kern="1200" dirty="0" smtClean="0"/>
+            <a:t>Create midi stream</a:t>
+          </a:r>
+          <a:endParaRPr lang="en-US" altLang="zh-CN" sz="1800" kern="1200" dirty="0" smtClean="0"/>
+        </a:p>
+      </dsp:txBody>
+      <dsp:txXfrm>
+        <a:off x="2221260" y="2206242"/>
+        <a:ext cx="1499095" cy="1006182"/>
+      </dsp:txXfrm>
+    </dsp:sp>
+    <dsp:sp modelId="{DD440EB8-ABC5-ED44-A55A-65B00E848DC4}">
+      <dsp:nvSpPr>
+        <dsp:cNvPr id="0" name=""/>
+        <dsp:cNvSpPr/>
+      </dsp:nvSpPr>
+      <dsp:spPr>
+        <a:xfrm>
+          <a:off x="3907829" y="2515682"/>
+          <a:ext cx="331081" cy="387302"/>
+        </a:xfrm>
+        <a:prstGeom prst="rightArrow">
+          <a:avLst>
+            <a:gd name="adj1" fmla="val 60000"/>
+            <a:gd name="adj2" fmla="val 50000"/>
+          </a:avLst>
+        </a:prstGeom>
+        <a:gradFill rotWithShape="0">
+          <a:gsLst>
+            <a:gs pos="0">
+              <a:schemeClr val="accent1">
+                <a:tint val="60000"/>
+                <a:hueOff val="0"/>
+                <a:satOff val="0"/>
+                <a:lumOff val="0"/>
+                <a:alphaOff val="0"/>
+                <a:tint val="94000"/>
+                <a:satMod val="103000"/>
+                <a:lumMod val="102000"/>
+              </a:schemeClr>
+            </a:gs>
+            <a:gs pos="50000">
+              <a:schemeClr val="accent1">
+                <a:tint val="60000"/>
+                <a:hueOff val="0"/>
+                <a:satOff val="0"/>
+                <a:lumOff val="0"/>
+                <a:alphaOff val="0"/>
+                <a:shade val="100000"/>
+                <a:satMod val="110000"/>
+                <a:lumMod val="100000"/>
+              </a:schemeClr>
+            </a:gs>
+            <a:gs pos="100000">
+              <a:schemeClr val="accent1">
+                <a:tint val="60000"/>
+                <a:hueOff val="0"/>
+                <a:satOff val="0"/>
+                <a:lumOff val="0"/>
+                <a:alphaOff val="0"/>
+                <a:shade val="78000"/>
+                <a:satMod val="120000"/>
+                <a:lumMod val="99000"/>
+              </a:schemeClr>
+            </a:gs>
+          </a:gsLst>
+          <a:lin ang="5400000" scaled="0"/>
+        </a:gradFill>
+        <a:ln>
+          <a:noFill/>
+        </a:ln>
+        <a:effectLst/>
+      </dsp:spPr>
+      <dsp:style>
+        <a:lnRef idx="0">
+          <a:scrgbClr r="0" g="0" b="0"/>
+        </a:lnRef>
+        <a:fillRef idx="3">
+          <a:scrgbClr r="0" g="0" b="0"/>
+        </a:fillRef>
+        <a:effectRef idx="2">
+          <a:scrgbClr r="0" g="0" b="0"/>
+        </a:effectRef>
+        <a:fontRef idx="minor">
+          <a:schemeClr val="lt1"/>
+        </a:fontRef>
+      </dsp:style>
+      <dsp:txBody>
+        <a:bodyPr spcFirstLastPara="0" vert="horz" wrap="square" lIns="0" tIns="0" rIns="0" bIns="0" numCol="1" spcCol="1270" anchor="ctr" anchorCtr="0">
+          <a:noAutofit/>
+        </a:bodyPr>
+        <a:lstStyle/>
+        <a:p>
+          <a:pPr lvl="0" algn="ctr" defTabSz="622300">
+            <a:lnSpc>
+              <a:spcPct val="90000"/>
+            </a:lnSpc>
+            <a:spcBef>
+              <a:spcPct val="0"/>
+            </a:spcBef>
+            <a:spcAft>
+              <a:spcPct val="35000"/>
+            </a:spcAft>
+          </a:pPr>
+          <a:endParaRPr lang="en-GB" sz="1400" kern="1200"/>
+        </a:p>
+      </dsp:txBody>
+      <dsp:txXfrm>
+        <a:off x="3907829" y="2593142"/>
+        <a:ext cx="231757" cy="232382"/>
+      </dsp:txXfrm>
+    </dsp:sp>
+    <dsp:sp modelId="{C213A683-8F15-0E46-BD8C-A084C2A68F3B}">
+      <dsp:nvSpPr>
+        <dsp:cNvPr id="0" name=""/>
+        <dsp:cNvSpPr/>
+      </dsp:nvSpPr>
+      <dsp:spPr>
+        <a:xfrm>
+          <a:off x="4376340" y="2174938"/>
+          <a:ext cx="1561703" cy="1068790"/>
+        </a:xfrm>
+        <a:prstGeom prst="roundRect">
+          <a:avLst>
+            <a:gd name="adj" fmla="val 10000"/>
+          </a:avLst>
+        </a:prstGeom>
+        <a:gradFill rotWithShape="0">
+          <a:gsLst>
+            <a:gs pos="0">
+              <a:schemeClr val="accent1">
+                <a:hueOff val="0"/>
+                <a:satOff val="0"/>
+                <a:lumOff val="0"/>
+                <a:alphaOff val="0"/>
+                <a:tint val="94000"/>
+                <a:satMod val="103000"/>
+                <a:lumMod val="102000"/>
+              </a:schemeClr>
+            </a:gs>
+            <a:gs pos="50000">
+              <a:schemeClr val="accent1">
+                <a:hueOff val="0"/>
+                <a:satOff val="0"/>
+                <a:lumOff val="0"/>
+                <a:alphaOff val="0"/>
+                <a:shade val="100000"/>
+                <a:satMod val="110000"/>
+                <a:lumMod val="100000"/>
+              </a:schemeClr>
+            </a:gs>
+            <a:gs pos="100000">
+              <a:schemeClr val="accent1">
+                <a:hueOff val="0"/>
+                <a:satOff val="0"/>
+                <a:lumOff val="0"/>
+                <a:alphaOff val="0"/>
+                <a:shade val="78000"/>
+                <a:satMod val="120000"/>
+                <a:lumMod val="99000"/>
+              </a:schemeClr>
+            </a:gs>
+          </a:gsLst>
+          <a:lin ang="5400000" scaled="0"/>
+        </a:gradFill>
+        <a:ln>
+          <a:noFill/>
+        </a:ln>
+        <a:effectLst/>
+      </dsp:spPr>
+      <dsp:style>
+        <a:lnRef idx="0">
+          <a:scrgbClr r="0" g="0" b="0"/>
+        </a:lnRef>
+        <a:fillRef idx="3">
+          <a:scrgbClr r="0" g="0" b="0"/>
+        </a:fillRef>
+        <a:effectRef idx="2">
+          <a:scrgbClr r="0" g="0" b="0"/>
+        </a:effectRef>
+        <a:fontRef idx="minor">
+          <a:schemeClr val="lt1"/>
+        </a:fontRef>
+      </dsp:style>
+      <dsp:txBody>
+        <a:bodyPr spcFirstLastPara="0" vert="horz" wrap="square" lIns="68580" tIns="68580" rIns="68580" bIns="68580" numCol="1" spcCol="1270" anchor="ctr" anchorCtr="0">
+          <a:noAutofit/>
+        </a:bodyPr>
+        <a:lstStyle/>
+        <a:p>
+          <a:pPr lvl="0" algn="ctr" defTabSz="800100">
+            <a:lnSpc>
+              <a:spcPct val="90000"/>
+            </a:lnSpc>
+            <a:spcBef>
+              <a:spcPct val="0"/>
+            </a:spcBef>
+            <a:spcAft>
+              <a:spcPct val="35000"/>
+            </a:spcAft>
+          </a:pPr>
+          <a:r>
+            <a:rPr lang="en-US" altLang="zh-CN" sz="1800" kern="1200" dirty="0" smtClean="0"/>
+            <a:t>virtual</a:t>
+          </a:r>
+          <a:r>
+            <a:rPr lang="zh-CN" altLang="en-US" sz="1800" kern="1200" dirty="0" smtClean="0"/>
+            <a:t> </a:t>
+          </a:r>
+          <a:r>
+            <a:rPr lang="en-US" altLang="zh-CN" sz="1800" kern="1200" dirty="0" smtClean="0"/>
+            <a:t>port</a:t>
+          </a:r>
+          <a:endParaRPr lang="en-US" altLang="zh-CN" sz="1800" kern="1200" dirty="0" smtClean="0"/>
+        </a:p>
+      </dsp:txBody>
+      <dsp:txXfrm>
+        <a:off x="4407644" y="2206242"/>
+        <a:ext cx="1499095" cy="1006182"/>
+      </dsp:txXfrm>
+    </dsp:sp>
+    <dsp:sp modelId="{48BB6998-1482-B24D-B2CD-63E46B7A5AA8}">
+      <dsp:nvSpPr>
+        <dsp:cNvPr id="0" name=""/>
+        <dsp:cNvSpPr/>
+      </dsp:nvSpPr>
+      <dsp:spPr>
+        <a:xfrm>
+          <a:off x="6094214" y="2515682"/>
+          <a:ext cx="331081" cy="387302"/>
+        </a:xfrm>
+        <a:prstGeom prst="rightArrow">
+          <a:avLst>
+            <a:gd name="adj1" fmla="val 60000"/>
+            <a:gd name="adj2" fmla="val 50000"/>
+          </a:avLst>
+        </a:prstGeom>
+        <a:gradFill rotWithShape="0">
+          <a:gsLst>
+            <a:gs pos="0">
+              <a:schemeClr val="accent1">
+                <a:tint val="60000"/>
+                <a:hueOff val="0"/>
+                <a:satOff val="0"/>
+                <a:lumOff val="0"/>
+                <a:alphaOff val="0"/>
+                <a:tint val="94000"/>
+                <a:satMod val="103000"/>
+                <a:lumMod val="102000"/>
+              </a:schemeClr>
+            </a:gs>
+            <a:gs pos="50000">
+              <a:schemeClr val="accent1">
+                <a:tint val="60000"/>
+                <a:hueOff val="0"/>
+                <a:satOff val="0"/>
+                <a:lumOff val="0"/>
+                <a:alphaOff val="0"/>
+                <a:shade val="100000"/>
+                <a:satMod val="110000"/>
+                <a:lumMod val="100000"/>
+              </a:schemeClr>
+            </a:gs>
+            <a:gs pos="100000">
+              <a:schemeClr val="accent1">
+                <a:tint val="60000"/>
+                <a:hueOff val="0"/>
+                <a:satOff val="0"/>
+                <a:lumOff val="0"/>
+                <a:alphaOff val="0"/>
+                <a:shade val="78000"/>
+                <a:satMod val="120000"/>
+                <a:lumMod val="99000"/>
+              </a:schemeClr>
+            </a:gs>
+          </a:gsLst>
+          <a:lin ang="5400000" scaled="0"/>
+        </a:gradFill>
+        <a:ln>
+          <a:noFill/>
+        </a:ln>
+        <a:effectLst/>
+      </dsp:spPr>
+      <dsp:style>
+        <a:lnRef idx="0">
+          <a:scrgbClr r="0" g="0" b="0"/>
+        </a:lnRef>
+        <a:fillRef idx="3">
+          <a:scrgbClr r="0" g="0" b="0"/>
+        </a:fillRef>
+        <a:effectRef idx="2">
+          <a:scrgbClr r="0" g="0" b="0"/>
+        </a:effectRef>
+        <a:fontRef idx="minor">
+          <a:schemeClr val="lt1"/>
+        </a:fontRef>
+      </dsp:style>
+      <dsp:txBody>
+        <a:bodyPr spcFirstLastPara="0" vert="horz" wrap="square" lIns="0" tIns="0" rIns="0" bIns="0" numCol="1" spcCol="1270" anchor="ctr" anchorCtr="0">
+          <a:noAutofit/>
+        </a:bodyPr>
+        <a:lstStyle/>
+        <a:p>
+          <a:pPr lvl="0" algn="ctr" defTabSz="622300">
+            <a:lnSpc>
+              <a:spcPct val="90000"/>
+            </a:lnSpc>
+            <a:spcBef>
+              <a:spcPct val="0"/>
+            </a:spcBef>
+            <a:spcAft>
+              <a:spcPct val="35000"/>
+            </a:spcAft>
+          </a:pPr>
+          <a:endParaRPr lang="en-GB" sz="1400" kern="1200"/>
+        </a:p>
+      </dsp:txBody>
+      <dsp:txXfrm>
+        <a:off x="6094214" y="2593142"/>
+        <a:ext cx="231757" cy="232382"/>
+      </dsp:txXfrm>
+    </dsp:sp>
+    <dsp:sp modelId="{FF3CB250-F123-C542-95C2-6742013D7F39}">
+      <dsp:nvSpPr>
+        <dsp:cNvPr id="0" name=""/>
+        <dsp:cNvSpPr/>
+      </dsp:nvSpPr>
+      <dsp:spPr>
+        <a:xfrm>
+          <a:off x="6562724" y="2174938"/>
+          <a:ext cx="1561703" cy="1068790"/>
+        </a:xfrm>
+        <a:prstGeom prst="roundRect">
+          <a:avLst>
+            <a:gd name="adj" fmla="val 10000"/>
+          </a:avLst>
+        </a:prstGeom>
+        <a:gradFill rotWithShape="0">
+          <a:gsLst>
+            <a:gs pos="0">
+              <a:schemeClr val="accent1">
+                <a:hueOff val="0"/>
+                <a:satOff val="0"/>
+                <a:lumOff val="0"/>
+                <a:alphaOff val="0"/>
+                <a:tint val="94000"/>
+                <a:satMod val="103000"/>
+                <a:lumMod val="102000"/>
+              </a:schemeClr>
+            </a:gs>
+            <a:gs pos="50000">
+              <a:schemeClr val="accent1">
+                <a:hueOff val="0"/>
+                <a:satOff val="0"/>
+                <a:lumOff val="0"/>
+                <a:alphaOff val="0"/>
+                <a:shade val="100000"/>
+                <a:satMod val="110000"/>
+                <a:lumMod val="100000"/>
+              </a:schemeClr>
+            </a:gs>
+            <a:gs pos="100000">
+              <a:schemeClr val="accent1">
+                <a:hueOff val="0"/>
+                <a:satOff val="0"/>
+                <a:lumOff val="0"/>
+                <a:alphaOff val="0"/>
+                <a:shade val="78000"/>
+                <a:satMod val="120000"/>
+                <a:lumMod val="99000"/>
+              </a:schemeClr>
+            </a:gs>
+          </a:gsLst>
+          <a:lin ang="5400000" scaled="0"/>
+        </a:gradFill>
+        <a:ln>
+          <a:noFill/>
+        </a:ln>
+        <a:effectLst/>
+      </dsp:spPr>
+      <dsp:style>
+        <a:lnRef idx="0">
+          <a:scrgbClr r="0" g="0" b="0"/>
+        </a:lnRef>
+        <a:fillRef idx="3">
+          <a:scrgbClr r="0" g="0" b="0"/>
+        </a:fillRef>
+        <a:effectRef idx="2">
+          <a:scrgbClr r="0" g="0" b="0"/>
+        </a:effectRef>
+        <a:fontRef idx="minor">
+          <a:schemeClr val="lt1"/>
+        </a:fontRef>
+      </dsp:style>
+      <dsp:txBody>
+        <a:bodyPr spcFirstLastPara="0" vert="horz" wrap="square" lIns="68580" tIns="68580" rIns="68580" bIns="68580" numCol="1" spcCol="1270" anchor="ctr" anchorCtr="0">
+          <a:noAutofit/>
+        </a:bodyPr>
+        <a:lstStyle/>
+        <a:p>
+          <a:pPr lvl="0" algn="ctr" defTabSz="800100">
+            <a:lnSpc>
+              <a:spcPct val="90000"/>
+            </a:lnSpc>
+            <a:spcBef>
+              <a:spcPct val="0"/>
+            </a:spcBef>
+            <a:spcAft>
+              <a:spcPct val="35000"/>
+            </a:spcAft>
+          </a:pPr>
+          <a:r>
+            <a:rPr lang="en-US" altLang="zh-CN" sz="1800" kern="1200" dirty="0" err="1" smtClean="0"/>
+            <a:t>Ableton</a:t>
+          </a:r>
+          <a:r>
+            <a:rPr lang="zh-CN" altLang="en-US" sz="1800" kern="1200" dirty="0" smtClean="0"/>
+            <a:t> </a:t>
+          </a:r>
+          <a:r>
+            <a:rPr lang="en-US" altLang="zh-CN" sz="1800" kern="1200" dirty="0" smtClean="0"/>
+            <a:t>Live</a:t>
+          </a:r>
+          <a:endParaRPr lang="en-US" altLang="zh-CN" sz="1800" kern="1200" dirty="0" smtClean="0"/>
+        </a:p>
+      </dsp:txBody>
+      <dsp:txXfrm>
+        <a:off x="6594028" y="2206242"/>
+        <a:ext cx="1499095" cy="1006182"/>
+      </dsp:txXfrm>
+    </dsp:sp>
+  </dsp:spTree>
+</dsp:drawing>
+</file>
+
+<file path=ppt/diagrams/layout1.xml><?xml version="1.0" encoding="utf-8"?>
+<dgm:layoutDef xmlns:dgm="http://schemas.openxmlformats.org/drawingml/2006/diagram" xmlns:a="http://schemas.openxmlformats.org/drawingml/2006/main" uniqueId="urn:microsoft.com/office/officeart/2005/8/layout/process1">
+  <dgm:title val=""/>
+  <dgm:desc val=""/>
+  <dgm:catLst>
+    <dgm:cat type="process" pri="1000"/>
+    <dgm:cat type="convert" pri="15000"/>
+  </dgm:catLst>
+  <dgm:sampData useDef="1">
+    <dgm:dataModel>
+      <dgm:ptLst/>
+      <dgm:bg/>
+      <dgm:whole/>
+    </dgm:dataModel>
+  </dgm:sampData>
+  <dgm:styleData>
+    <dgm:dataModel>
+      <dgm:ptLst>
+        <dgm:pt modelId="0" type="doc"/>
+        <dgm:pt modelId="1"/>
+        <dgm:pt modelId="2"/>
+      </dgm:ptLst>
+      <dgm:cxnLst>
+        <dgm:cxn modelId="3" srcId="0" destId="1" srcOrd="0" destOrd="0"/>
+        <dgm:cxn modelId="4" srcId="0" destId="2" srcOrd="1" destOrd="0"/>
+      </dgm:cxnLst>
+      <dgm:bg/>
+      <dgm:whole/>
+    </dgm:dataModel>
+  </dgm:styleData>
+  <dgm:clrData>
+    <dgm:dataModel>
+      <dgm:ptLst>
+        <dgm:pt modelId="0" type="doc"/>
+        <dgm:pt modelId="1"/>
+        <dgm:pt modelId="2"/>
+        <dgm:pt modelId="3"/>
+        <dgm:pt modelId="4"/>
+      </dgm:ptLst>
+      <dgm:cxnLst>
+        <dgm:cxn modelId="5" srcId="0" destId="1" srcOrd="0" destOrd="0"/>
+        <dgm:cxn modelId="6" srcId="0" destId="2" srcOrd="1" destOrd="0"/>
+        <dgm:cxn modelId="7" srcId="0" destId="3" srcOrd="2" destOrd="0"/>
+        <dgm:cxn modelId="8" srcId="0" destId="4" srcOrd="3" destOrd="0"/>
+      </dgm:cxnLst>
+      <dgm:bg/>
+      <dgm:whole/>
+    </dgm:dataModel>
+  </dgm:clrData>
+  <dgm:layoutNode name="Name0">
+    <dgm:varLst>
+      <dgm:dir/>
+      <dgm:resizeHandles val="exact"/>
+    </dgm:varLst>
+    <dgm:choose name="Name1">
+      <dgm:if name="Name2" func="var" arg="dir" op="equ" val="norm">
+        <dgm:alg type="lin"/>
+      </dgm:if>
+      <dgm:else name="Name3">
+        <dgm:alg type="lin">
+          <dgm:param type="linDir" val="fromR"/>
+        </dgm:alg>
+      </dgm:else>
+    </dgm:choose>
+    <dgm:shape xmlns:r="http://schemas.openxmlformats.org/officeDocument/2006/relationships" r:blip="">
+      <dgm:adjLst/>
+    </dgm:shape>
+    <dgm:presOf/>
+    <dgm:constrLst>
+      <dgm:constr type="w" for="ch" ptType="node" refType="w"/>
+      <dgm:constr type="h" for="ch" ptType="node" op="equ"/>
+      <dgm:constr type="primFontSz" for="ch" ptType="node" op="equ" val="65"/>
+      <dgm:constr type="w" for="ch" ptType="sibTrans" refType="w" refFor="ch" refPtType="node" op="equ" fact="0.4"/>
+      <dgm:constr type="h" for="ch" ptType="sibTrans" op="equ"/>
+      <dgm:constr type="primFontSz" for="des" forName="connectorText" op="equ" val="55"/>
+      <dgm:constr type="primFontSz" for="des" forName="connectorText" refType="primFontSz" refFor="ch" refPtType="node" op="lte" fact="0.8"/>
+    </dgm:constrLst>
+    <dgm:ruleLst/>
+    <dgm:forEach name="nodesForEach" axis="ch" ptType="node">
+      <dgm:layoutNode name="node">
+        <dgm:varLst>
+          <dgm:bulletEnabled val="1"/>
+        </dgm:varLst>
+        <dgm:alg type="tx"/>
+        <dgm:shape xmlns:r="http://schemas.openxmlformats.org/officeDocument/2006/relationships" type="roundRect" r:blip="">
+          <dgm:adjLst>
+            <dgm:adj idx="1" val="0.1"/>
+          </dgm:adjLst>
+        </dgm:shape>
+        <dgm:presOf axis="desOrSelf" ptType="node"/>
+        <dgm:constrLst>
+          <dgm:constr type="h" refType="w" fact="0.6"/>
+          <dgm:constr type="tMarg" refType="primFontSz" fact="0.3"/>
+          <dgm:constr type="bMarg" refType="primFontSz" fact="0.3"/>
+          <dgm:constr type="lMarg" refType="primFontSz" fact="0.3"/>
+          <dgm:constr type="rMarg" refType="primFontSz" fact="0.3"/>
+        </dgm:constrLst>
+        <dgm:ruleLst>
+          <dgm:rule type="primFontSz" val="18" fact="NaN" max="NaN"/>
+          <dgm:rule type="h" val="NaN" fact="1.5" max="NaN"/>
+          <dgm:rule type="primFontSz" val="5" fact="NaN" max="NaN"/>
+          <dgm:rule type="h" val="INF" fact="NaN" max="NaN"/>
+        </dgm:ruleLst>
+      </dgm:layoutNode>
+      <dgm:forEach name="sibTransForEach" axis="followSib" ptType="sibTrans" cnt="1">
+        <dgm:layoutNode name="sibTrans">
+          <dgm:alg type="conn">
+            <dgm:param type="begPts" val="auto"/>
+            <dgm:param type="endPts" val="auto"/>
+          </dgm:alg>
+          <dgm:shape xmlns:r="http://schemas.openxmlformats.org/officeDocument/2006/relationships" type="conn" r:blip="">
+            <dgm:adjLst/>
+          </dgm:shape>
+          <dgm:presOf axis="self"/>
+          <dgm:constrLst>
+            <dgm:constr type="h" refType="w" fact="0.62"/>
+            <dgm:constr type="connDist"/>
+            <dgm:constr type="begPad" refType="connDist" fact="0.25"/>
+            <dgm:constr type="endPad" refType="connDist" fact="0.22"/>
+          </dgm:constrLst>
+          <dgm:ruleLst/>
+          <dgm:layoutNode name="connectorText">
+            <dgm:alg type="tx">
+              <dgm:param type="autoTxRot" val="grav"/>
+            </dgm:alg>
+            <dgm:shape xmlns:r="http://schemas.openxmlformats.org/officeDocument/2006/relationships" type="conn" r:blip="" hideGeom="1">
+              <dgm:adjLst/>
+            </dgm:shape>
+            <dgm:presOf axis="self"/>
+            <dgm:constrLst>
+              <dgm:constr type="lMarg"/>
+              <dgm:constr type="rMarg"/>
+              <dgm:constr type="tMarg"/>
+              <dgm:constr type="bMarg"/>
+            </dgm:constrLst>
+            <dgm:ruleLst>
+              <dgm:rule type="primFontSz" val="5" fact="NaN" max="NaN"/>
+            </dgm:ruleLst>
+          </dgm:layoutNode>
+        </dgm:layoutNode>
+      </dgm:forEach>
+    </dgm:forEach>
+  </dgm:layoutNode>
+</dgm:layoutDef>
+</file>
+
+<file path=ppt/diagrams/quickStyle1.xml><?xml version="1.0" encoding="utf-8"?>
+<dgm:styleDef xmlns:dgm="http://schemas.openxmlformats.org/drawingml/2006/diagram" xmlns:a="http://schemas.openxmlformats.org/drawingml/2006/main" uniqueId="urn:microsoft.com/office/officeart/2005/8/quickstyle/simple4">
+  <dgm:title val=""/>
+  <dgm:desc val=""/>
+  <dgm:catLst>
+    <dgm:cat type="simple" pri="10400"/>
+  </dgm:catLst>
+  <dgm:scene3d>
+    <a:camera prst="orthographicFront"/>
+    <a:lightRig rig="threePt" dir="t"/>
+  </dgm:scene3d>
+  <dgm:styleLbl name="node0">
+    <dgm:scene3d>
+      <a:camera prst="orthographicFront"/>
+      <a:lightRig rig="threePt" dir="t"/>
+    </dgm:scene3d>
+    <dgm:sp3d/>
+    <dgm:txPr/>
+    <dgm:style>
+      <a:lnRef idx="0">
+        <a:scrgbClr r="0" g="0" b="0"/>
+      </a:lnRef>
+      <a:fillRef idx="3">
+        <a:scrgbClr r="0" g="0" b="0"/>
+      </a:fillRef>
+      <a:effectRef idx="2">
+        <a:scrgbClr r="0" g="0" b="0"/>
+      </a:effectRef>
+      <a:fontRef idx="minor">
+        <a:schemeClr val="lt1"/>
+      </a:fontRef>
+    </dgm:style>
+  </dgm:styleLbl>
+  <dgm:styleLbl name="lnNode1">
+    <dgm:scene3d>
+      <a:camera prst="orthographicFront"/>
+      <a:lightRig rig="threePt" dir="t"/>
+    </dgm:scene3d>
+    <dgm:sp3d/>
+    <dgm:txPr/>
+    <dgm:style>
+      <a:lnRef idx="1">
+        <a:scrgbClr r="0" g="0" b="0"/>
+      </a:lnRef>
+      <a:fillRef idx="3">
+        <a:scrgbClr r="0" g="0" b="0"/>
+      </a:fillRef>
+      <a:effectRef idx="2">
+        <a:scrgbClr r="0" g="0" b="0"/>
+      </a:effectRef>
+      <a:fontRef idx="minor">
+        <a:schemeClr val="lt1"/>
+      </a:fontRef>
+    </dgm:style>
+  </dgm:styleLbl>
+  <dgm:styleLbl name="vennNode1">
+    <dgm:scene3d>
+      <a:camera prst="orthographicFront"/>
+      <a:lightRig rig="threePt" dir="t"/>
+    </dgm:scene3d>
+    <dgm:sp3d/>
+    <dgm:txPr/>
+    <dgm:style>
+      <a:lnRef idx="0">
+        <a:scrgbClr r="0" g="0" b="0"/>
+      </a:lnRef>
+      <a:fillRef idx="3">
+        <a:scrgbClr r="0" g="0" b="0"/>
+      </a:fillRef>
+      <a:effectRef idx="0">
+        <a:scrgbClr r="0" g="0" b="0"/>
+      </a:effectRef>
+      <a:fontRef idx="minor">
+        <a:schemeClr val="tx1"/>
+      </a:fontRef>
+    </dgm:style>
+  </dgm:styleLbl>
+  <dgm:styleLbl name="alignNode1">
+    <dgm:scene3d>
+      <a:camera prst="orthographicFront"/>
+      <a:lightRig rig="threePt" dir="t"/>
+    </dgm:scene3d>
+    <dgm:sp3d/>
+    <dgm:txPr/>
+    <dgm:style>
+      <a:lnRef idx="1">
+        <a:scrgbClr r="0" g="0" b="0"/>
+      </a:lnRef>
+      <a:fillRef idx="3">
+        <a:scrgbClr r="0" g="0" b="0"/>
+      </a:fillRef>
+      <a:effectRef idx="2">
+        <a:scrgbClr r="0" g="0" b="0"/>
+      </a:effectRef>
+      <a:fontRef idx="minor">
+        <a:schemeClr val="lt1"/>
+      </a:fontRef>
+    </dgm:style>
+  </dgm:styleLbl>
+  <dgm:styleLbl name="node1">
+    <dgm:scene3d>
+      <a:camera prst="orthographicFront"/>
+      <a:lightRig rig="threePt" dir="t"/>
+    </dgm:scene3d>
+    <dgm:sp3d/>
+    <dgm:txPr/>
+    <dgm:style>
+      <a:lnRef idx="0">
+        <a:scrgbClr r="0" g="0" b="0"/>
+      </a:lnRef>
+      <a:fillRef idx="3">
+        <a:scrgbClr r="0" g="0" b="0"/>
+      </a:fillRef>
+      <a:effectRef idx="2">
+        <a:scrgbClr r="0" g="0" b="0"/>
+      </a:effectRef>
+      <a:fontRef idx="minor">
+        <a:schemeClr val="lt1"/>
+      </a:fontRef>
+    </dgm:style>
+  </dgm:styleLbl>
+  <dgm:styleLbl name="node2">
+    <dgm:scene3d>
+      <a:camera prst="orthographicFront"/>
+      <a:lightRig rig="threePt" dir="t"/>
+    </dgm:scene3d>
+    <dgm:sp3d/>
+    <dgm:txPr/>
+    <dgm:style>
+      <a:lnRef idx="0">
+        <a:scrgbClr r="0" g="0" b="0"/>
+      </a:lnRef>
+      <a:fillRef idx="3">
+        <a:scrgbClr r="0" g="0" b="0"/>
+      </a:fillRef>
+      <a:effectRef idx="2">
+        <a:scrgbClr r="0" g="0" b="0"/>
+      </a:effectRef>
+      <a:fontRef idx="minor">
+        <a:schemeClr val="lt1"/>
+      </a:fontRef>
+    </dgm:style>
+  </dgm:styleLbl>
+  <dgm:styleLbl name="node3">
+    <dgm:scene3d>
+      <a:camera prst="orthographicFront"/>
+      <a:lightRig rig="threePt" dir="t"/>
+    </dgm:scene3d>
+    <dgm:sp3d/>
+    <dgm:txPr/>
+    <dgm:style>
+      <a:lnRef idx="0">
+        <a:scrgbClr r="0" g="0" b="0"/>
+      </a:lnRef>
+      <a:fillRef idx="3">
+        <a:scrgbClr r="0" g="0" b="0"/>
+      </a:fillRef>
+      <a:effectRef idx="2">
+        <a:scrgbClr r="0" g="0" b="0"/>
+      </a:effectRef>
+      <a:fontRef idx="minor">
+        <a:schemeClr val="lt1"/>
+      </a:fontRef>
+    </dgm:style>
+  </dgm:styleLbl>
+  <dgm:styleLbl name="node4">
+    <dgm:scene3d>
+      <a:camera prst="orthographicFront"/>
+      <a:lightRig rig="threePt" dir="t"/>
+    </dgm:scene3d>
+    <dgm:sp3d/>
+    <dgm:txPr/>
+    <dgm:style>
+      <a:lnRef idx="0">
+        <a:scrgbClr r="0" g="0" b="0"/>
+      </a:lnRef>
+      <a:fillRef idx="3">
+        <a:scrgbClr r="0" g="0" b="0"/>
+      </a:fillRef>
+      <a:effectRef idx="2">
+        <a:scrgbClr r="0" g="0" b="0"/>
+      </a:effectRef>
+      <a:fontRef idx="minor">
+        <a:schemeClr val="lt1"/>
+      </a:fontRef>
+    </dgm:style>
+  </dgm:styleLbl>
+  <dgm:styleLbl name="fgImgPlace1">
+    <dgm:scene3d>
+      <a:camera prst="orthographicFront"/>
+      <a:lightRig rig="threePt" dir="t"/>
+    </dgm:scene3d>
+    <dgm:sp3d/>
+    <dgm:txPr/>
+    <dgm:style>
+      <a:lnRef idx="0">
+        <a:scrgbClr r="0" g="0" b="0"/>
+      </a:lnRef>
+      <a:fillRef idx="1">
+        <a:scrgbClr r="0" g="0" b="0"/>
+      </a:fillRef>
+      <a:effectRef idx="2">
+        <a:scrgbClr r="0" g="0" b="0"/>
+      </a:effectRef>
+      <a:fontRef idx="minor"/>
+    </dgm:style>
+  </dgm:styleLbl>
+  <dgm:styleLbl name="alignImgPlace1">
+    <dgm:scene3d>
+      <a:camera prst="orthographicFront"/>
+      <a:lightRig rig="threePt" dir="t"/>
+    </dgm:scene3d>
+    <dgm:sp3d/>
+    <dgm:txPr/>
+    <dgm:style>
+      <a:lnRef idx="0">
+        <a:scrgbClr r="0" g="0" b="0"/>
+      </a:lnRef>
+      <a:fillRef idx="1">
+        <a:scrgbClr r="0" g="0" b="0"/>
+      </a:fillRef>
+      <a:effectRef idx="2">
+        <a:scrgbClr r="0" g="0" b="0"/>
+      </a:effectRef>
+      <a:fontRef idx="minor"/>
+    </dgm:style>
+  </dgm:styleLbl>
+  <dgm:styleLbl name="bgImgPlace1">
+    <dgm:scene3d>
+      <a:camera prst="orthographicFront"/>
+      <a:lightRig rig="threePt" dir="t"/>
+    </dgm:scene3d>
+    <dgm:sp3d/>
+    <dgm:txPr/>
+    <dgm:style>
+      <a:lnRef idx="0">
+        <a:scrgbClr r="0" g="0" b="0"/>
+      </a:lnRef>
+      <a:fillRef idx="1">
+        <a:scrgbClr r="0" g="0" b="0"/>
+      </a:fillRef>
+      <a:effectRef idx="2">
+        <a:scrgbClr r="0" g="0" b="0"/>
+      </a:effectRef>
+      <a:fontRef idx="minor"/>
+    </dgm:style>
+  </dgm:styleLbl>
+  <dgm:styleLbl name="sibTrans2D1">
+    <dgm:scene3d>
+      <a:camera prst="orthographicFront"/>
+      <a:lightRig rig="threePt" dir="t"/>
+    </dgm:scene3d>
+    <dgm:sp3d/>
+    <dgm:txPr/>
+    <dgm:style>
+      <a:lnRef idx="0">
+        <a:scrgbClr r="0" g="0" b="0"/>
+      </a:lnRef>
+      <a:fillRef idx="3">
+        <a:scrgbClr r="0" g="0" b="0"/>
+      </a:fillRef>
+      <a:effectRef idx="2">
+        <a:scrgbClr r="0" g="0" b="0"/>
+      </a:effectRef>
+      <a:fontRef idx="minor">
+        <a:schemeClr val="lt1"/>
+      </a:fontRef>
+    </dgm:style>
+  </dgm:styleLbl>
+  <dgm:styleLbl name="fgSibTrans2D1">
+    <dgm:scene3d>
+      <a:camera prst="orthographicFront"/>
+      <a:lightRig rig="threePt" dir="t"/>
+    </dgm:scene3d>
+    <dgm:sp3d/>
+    <dgm:txPr/>
+    <dgm:style>
+      <a:lnRef idx="0">
+        <a:scrgbClr r="0" g="0" b="0"/>
+      </a:lnRef>
+      <a:fillRef idx="3">
+        <a:scrgbClr r="0" g="0" b="0"/>
+      </a:fillRef>
+      <a:effectRef idx="2">
+        <a:scrgbClr r="0" g="0" b="0"/>
+      </a:effectRef>
+      <a:fontRef idx="minor">
+        <a:schemeClr val="lt1"/>
+      </a:fontRef>
+    </dgm:style>
+  </dgm:styleLbl>
+  <dgm:styleLbl name="bgSibTrans2D1">
+    <dgm:scene3d>
+      <a:camera prst="orthographicFront"/>
+      <a:lightRig rig="threePt" dir="t"/>
+    </dgm:scene3d>
+    <dgm:sp3d/>
+    <dgm:txPr/>
+    <dgm:style>
+      <a:lnRef idx="0">
+        <a:scrgbClr r="0" g="0" b="0"/>
+      </a:lnRef>
+      <a:fillRef idx="3">
+        <a:scrgbClr r="0" g="0" b="0"/>
+      </a:fillRef>
+      <a:effectRef idx="2">
+        <a:scrgbClr r="0" g="0" b="0"/>
+      </a:effectRef>
+      <a:fontRef idx="minor">
+        <a:schemeClr val="lt1"/>
+      </a:fontRef>
+    </dgm:style>
+  </dgm:styleLbl>
+  <dgm:styleLbl name="sibTrans1D1">
+    <dgm:scene3d>
+      <a:camera prst="orthographicFront"/>
+      <a:lightRig rig="threePt" dir="t"/>
+    </dgm:scene3d>
+    <dgm:sp3d/>
+    <dgm:txPr/>
+    <dgm:style>
+      <a:lnRef idx="1">
+        <a:scrgbClr r="0" g="0" b="0"/>
+      </a:lnRef>
+      <a:fillRef idx="0">
+        <a:scrgbClr r="0" g="0" b="0"/>
+      </a:fillRef>
+      <a:effectRef idx="0">
+        <a:scrgbClr r="0" g="0" b="0"/>
+      </a:effectRef>
+      <a:fontRef idx="minor"/>
+    </dgm:style>
+  </dgm:styleLbl>
+  <dgm:styleLbl name="callout">
+    <dgm:scene3d>
+      <a:camera prst="orthographicFront"/>
+      <a:lightRig rig="threePt" dir="t"/>
+    </dgm:scene3d>
+    <dgm:sp3d/>
+    <dgm:txPr/>
+    <dgm:style>
+      <a:lnRef idx="2">
+        <a:scrgbClr r="0" g="0" b="0"/>
+      </a:lnRef>
+      <a:fillRef idx="1">
+        <a:scrgbClr r="0" g="0" b="0"/>
+      </a:fillRef>
+      <a:effectRef idx="1">
+        <a:scrgbClr r="0" g="0" b="0"/>
+      </a:effectRef>
+      <a:fontRef idx="minor"/>
+    </dgm:style>
+  </dgm:styleLbl>
+  <dgm:styleLbl name="asst0">
+    <dgm:scene3d>
+      <a:camera prst="orthographicFront"/>
+      <a:lightRig rig="threePt" dir="t"/>
+    </dgm:scene3d>
+    <dgm:sp3d/>
+    <dgm:txPr/>
+    <dgm:style>
+      <a:lnRef idx="0">
+        <a:scrgbClr r="0" g="0" b="0"/>
+      </a:lnRef>
+      <a:fillRef idx="3">
+        <a:scrgbClr r="0" g="0" b="0"/>
+      </a:fillRef>
+      <a:effectRef idx="2">
+        <a:scrgbClr r="0" g="0" b="0"/>
+      </a:effectRef>
+      <a:fontRef idx="minor">
+        <a:schemeClr val="lt1"/>
+      </a:fontRef>
+    </dgm:style>
+  </dgm:styleLbl>
+  <dgm:styleLbl name="asst1">
+    <dgm:scene3d>
+      <a:camera prst="orthographicFront"/>
+      <a:lightRig rig="threePt" dir="t"/>
+    </dgm:scene3d>
+    <dgm:sp3d/>
+    <dgm:txPr/>
+    <dgm:style>
+      <a:lnRef idx="0">
+        <a:scrgbClr r="0" g="0" b="0"/>
+      </a:lnRef>
+      <a:fillRef idx="3">
+        <a:scrgbClr r="0" g="0" b="0"/>
+      </a:fillRef>
+      <a:effectRef idx="2">
+        <a:scrgbClr r="0" g="0" b="0"/>
+      </a:effectRef>
+      <a:fontRef idx="minor">
+        <a:schemeClr val="lt1"/>
+      </a:fontRef>
+    </dgm:style>
+  </dgm:styleLbl>
+  <dgm:styleLbl name="asst2">
+    <dgm:scene3d>
+      <a:camera prst="orthographicFront"/>
+      <a:lightRig rig="threePt" dir="t"/>
+    </dgm:scene3d>
+    <dgm:sp3d/>
+    <dgm:txPr/>
+    <dgm:style>
+      <a:lnRef idx="0">
+        <a:scrgbClr r="0" g="0" b="0"/>
+      </a:lnRef>
+      <a:fillRef idx="3">
+        <a:scrgbClr r="0" g="0" b="0"/>
+      </a:fillRef>
+      <a:effectRef idx="2">
+        <a:scrgbClr r="0" g="0" b="0"/>
+      </a:effectRef>
+      <a:fontRef idx="minor">
+        <a:schemeClr val="lt1"/>
+      </a:fontRef>
+    </dgm:style>
+  </dgm:styleLbl>
+  <dgm:styleLbl name="asst3">
+    <dgm:scene3d>
+      <a:camera prst="orthographicFront"/>
+      <a:lightRig rig="threePt" dir="t"/>
+    </dgm:scene3d>
+    <dgm:sp3d/>
+    <dgm:txPr/>
+    <dgm:style>
+      <a:lnRef idx="0">
+        <a:scrgbClr r="0" g="0" b="0"/>
+      </a:lnRef>
+      <a:fillRef idx="3">
+        <a:scrgbClr r="0" g="0" b="0"/>
+      </a:fillRef>
+      <a:effectRef idx="2">
+        <a:scrgbClr r="0" g="0" b="0"/>
+      </a:effectRef>
+      <a:fontRef idx="minor">
+        <a:schemeClr val="lt1"/>
+      </a:fontRef>
+    </dgm:style>
+  </dgm:styleLbl>
+  <dgm:styleLbl name="asst4">
+    <dgm:scene3d>
+      <a:camera prst="orthographicFront"/>
+      <a:lightRig rig="threePt" dir="t"/>
+    </dgm:scene3d>
+    <dgm:sp3d/>
+    <dgm:txPr/>
+    <dgm:style>
+      <a:lnRef idx="0">
+        <a:scrgbClr r="0" g="0" b="0"/>
+      </a:lnRef>
+      <a:fillRef idx="3">
+        <a:scrgbClr r="0" g="0" b="0"/>
+      </a:fillRef>
+      <a:effectRef idx="2">
+        <a:scrgbClr r="0" g="0" b="0"/>
+      </a:effectRef>
+      <a:fontRef idx="minor">
+        <a:schemeClr val="lt1"/>
+      </a:fontRef>
+    </dgm:style>
+  </dgm:styleLbl>
+  <dgm:styleLbl name="parChTrans2D1">
+    <dgm:scene3d>
+      <a:camera prst="orthographicFront"/>
+      <a:lightRig rig="threePt" dir="t"/>
+    </dgm:scene3d>
+    <dgm:sp3d/>
+    <dgm:txPr/>
+    <dgm:style>
+      <a:lnRef idx="0">
+        <a:scrgbClr r="0" g="0" b="0"/>
+      </a:lnRef>
+      <a:fillRef idx="3">
+        <a:scrgbClr r="0" g="0" b="0"/>
+      </a:fillRef>
+      <a:effectRef idx="2">
+        <a:scrgbClr r="0" g="0" b="0"/>
+      </a:effectRef>
+      <a:fontRef idx="minor">
+        <a:schemeClr val="lt1"/>
+      </a:fontRef>
+    </dgm:style>
+  </dgm:styleLbl>
+  <dgm:styleLbl name="parChTrans2D2">
+    <dgm:scene3d>
+      <a:camera prst="orthographicFront"/>
+      <a:lightRig rig="threePt" dir="t"/>
+    </dgm:scene3d>
+    <dgm:sp3d/>
+    <dgm:txPr/>
+    <dgm:style>
+      <a:lnRef idx="0">
+        <a:scrgbClr r="0" g="0" b="0"/>
+      </a:lnRef>
+      <a:fillRef idx="3">
+        <a:scrgbClr r="0" g="0" b="0"/>
+      </a:fillRef>
+      <a:effectRef idx="2">
+        <a:scrgbClr r="0" g="0" b="0"/>
+      </a:effectRef>
+      <a:fontRef idx="minor">
+        <a:schemeClr val="lt1"/>
+      </a:fontRef>
+    </dgm:style>
+  </dgm:styleLbl>
+  <dgm:styleLbl name="parChTrans2D3">
+    <dgm:scene3d>
+      <a:camera prst="orthographicFront"/>
+      <a:lightRig rig="threePt" dir="t"/>
+    </dgm:scene3d>
+    <dgm:sp3d/>
+    <dgm:txPr/>
+    <dgm:style>
+      <a:lnRef idx="1">
+        <a:scrgbClr r="0" g="0" b="0"/>
+      </a:lnRef>
+      <a:fillRef idx="3">
+        <a:scrgbClr r="0" g="0" b="0"/>
+      </a:fillRef>
+      <a:effectRef idx="2">
+        <a:scrgbClr r="0" g="0" b="0"/>
+      </a:effectRef>
+      <a:fontRef idx="minor">
+        <a:schemeClr val="lt1"/>
+      </a:fontRef>
+    </dgm:style>
+  </dgm:styleLbl>
+  <dgm:styleLbl name="parChTrans2D4">
+    <dgm:scene3d>
+      <a:camera prst="orthographicFront"/>
+      <a:lightRig rig="threePt" dir="t"/>
+    </dgm:scene3d>
+    <dgm:sp3d/>
+    <dgm:txPr/>
+    <dgm:style>
+      <a:lnRef idx="1">
+        <a:scrgbClr r="0" g="0" b="0"/>
+      </a:lnRef>
+      <a:fillRef idx="3">
+        <a:scrgbClr r="0" g="0" b="0"/>
+      </a:fillRef>
+      <a:effectRef idx="2">
+        <a:scrgbClr r="0" g="0" b="0"/>
+      </a:effectRef>
+      <a:fontRef idx="minor">
+        <a:schemeClr val="lt1"/>
+      </a:fontRef>
+    </dgm:style>
+  </dgm:styleLbl>
+  <dgm:styleLbl name="parChTrans1D1">
+    <dgm:scene3d>
+      <a:camera prst="orthographicFront"/>
+      <a:lightRig rig="threePt" dir="t"/>
+    </dgm:scene3d>
+    <dgm:sp3d/>
+    <dgm:txPr/>
+    <dgm:style>
+      <a:lnRef idx="1">
+        <a:scrgbClr r="0" g="0" b="0"/>
+      </a:lnRef>
+      <a:fillRef idx="0">
+        <a:scrgbClr r="0" g="0" b="0"/>
+      </a:fillRef>
+      <a:effectRef idx="0">
+        <a:scrgbClr r="0" g="0" b="0"/>
+      </a:effectRef>
+      <a:fontRef idx="minor"/>
+    </dgm:style>
+  </dgm:styleLbl>
+  <dgm:styleLbl name="parChTrans1D2">
+    <dgm:scene3d>
+      <a:camera prst="orthographicFront"/>
+      <a:lightRig rig="threePt" dir="t"/>
+    </dgm:scene3d>
+    <dgm:sp3d/>
+    <dgm:txPr/>
+    <dgm:style>
+      <a:lnRef idx="1">
+        <a:scrgbClr r="0" g="0" b="0"/>
+      </a:lnRef>
+      <a:fillRef idx="0">
+        <a:scrgbClr r="0" g="0" b="0"/>
+      </a:fillRef>
+      <a:effectRef idx="0">
+        <a:scrgbClr r="0" g="0" b="0"/>
+      </a:effectRef>
+      <a:fontRef idx="minor"/>
+    </dgm:style>
+  </dgm:styleLbl>
+  <dgm:styleLbl name="parChTrans1D3">
+    <dgm:scene3d>
+      <a:camera prst="orthographicFront"/>
+      <a:lightRig rig="threePt" dir="t"/>
+    </dgm:scene3d>
+    <dgm:sp3d/>
+    <dgm:txPr/>
+    <dgm:style>
+      <a:lnRef idx="1">
+        <a:scrgbClr r="0" g="0" b="0"/>
+      </a:lnRef>
+      <a:fillRef idx="0">
+        <a:scrgbClr r="0" g="0" b="0"/>
+      </a:fillRef>
+      <a:effectRef idx="0">
+        <a:scrgbClr r="0" g="0" b="0"/>
+      </a:effectRef>
+      <a:fontRef idx="minor"/>
+    </dgm:style>
+  </dgm:styleLbl>
+  <dgm:styleLbl name="parChTrans1D4">
+    <dgm:scene3d>
+      <a:camera prst="orthographicFront"/>
+      <a:lightRig rig="threePt" dir="t"/>
+    </dgm:scene3d>
+    <dgm:sp3d/>
+    <dgm:txPr/>
+    <dgm:style>
+      <a:lnRef idx="1">
+        <a:scrgbClr r="0" g="0" b="0"/>
+      </a:lnRef>
+      <a:fillRef idx="0">
+        <a:scrgbClr r="0" g="0" b="0"/>
+      </a:fillRef>
+      <a:effectRef idx="0">
+        <a:scrgbClr r="0" g="0" b="0"/>
+      </a:effectRef>
+      <a:fontRef idx="minor"/>
+    </dgm:style>
+  </dgm:styleLbl>
+  <dgm:styleLbl name="fgAcc1">
+    <dgm:scene3d>
+      <a:camera prst="orthographicFront"/>
+      <a:lightRig rig="threePt" dir="t"/>
+    </dgm:scene3d>
+    <dgm:sp3d/>
+    <dgm:txPr/>
+    <dgm:style>
+      <a:lnRef idx="1">
+        <a:scrgbClr r="0" g="0" b="0"/>
+      </a:lnRef>
+      <a:fillRef idx="1">
+        <a:scrgbClr r="0" g="0" b="0"/>
+      </a:fillRef>
+      <a:effectRef idx="0">
+        <a:scrgbClr r="0" g="0" b="0"/>
+      </a:effectRef>
+      <a:fontRef idx="minor"/>
+    </dgm:style>
+  </dgm:styleLbl>
+  <dgm:styleLbl name="conFgAcc1">
+    <dgm:scene3d>
+      <a:camera prst="orthographicFront"/>
+      <a:lightRig rig="threePt" dir="t"/>
+    </dgm:scene3d>
+    <dgm:sp3d/>
+    <dgm:txPr/>
+    <dgm:style>
+      <a:lnRef idx="1">
+        <a:scrgbClr r="0" g="0" b="0"/>
+      </a:lnRef>
+      <a:fillRef idx="1">
+        <a:scrgbClr r="0" g="0" b="0"/>
+      </a:fillRef>
+      <a:effectRef idx="0">
+        <a:scrgbClr r="0" g="0" b="0"/>
+      </a:effectRef>
+      <a:fontRef idx="minor"/>
+    </dgm:style>
+  </dgm:styleLbl>
+  <dgm:styleLbl name="alignAcc1">
+    <dgm:scene3d>
+      <a:camera prst="orthographicFront"/>
+      <a:lightRig rig="threePt" dir="t"/>
+    </dgm:scene3d>
+    <dgm:sp3d/>
+    <dgm:txPr/>
+    <dgm:style>
+      <a:lnRef idx="1">
+        <a:scrgbClr r="0" g="0" b="0"/>
+      </a:lnRef>
+      <a:fillRef idx="1">
+        <a:scrgbClr r="0" g="0" b="0"/>
+      </a:fillRef>
+      <a:effectRef idx="0">
+        <a:scrgbClr r="0" g="0" b="0"/>
+      </a:effectRef>
+      <a:fontRef idx="minor"/>
+    </dgm:style>
+  </dgm:styleLbl>
+  <dgm:styleLbl name="trAlignAcc1">
+    <dgm:scene3d>
+      <a:camera prst="orthographicFront"/>
+      <a:lightRig rig="threePt" dir="t"/>
+    </dgm:scene3d>
+    <dgm:sp3d/>
+    <dgm:txPr/>
+    <dgm:style>
+      <a:lnRef idx="1">
+        <a:scrgbClr r="0" g="0" b="0"/>
+      </a:lnRef>
+      <a:fillRef idx="1">
+        <a:scrgbClr r="0" g="0" b="0"/>
+      </a:fillRef>
+      <a:effectRef idx="0">
+        <a:scrgbClr r="0" g="0" b="0"/>
+      </a:effectRef>
+      <a:fontRef idx="minor"/>
+    </dgm:style>
+  </dgm:styleLbl>
+  <dgm:styleLbl name="bgAcc1">
+    <dgm:scene3d>
+      <a:camera prst="orthographicFront"/>
+      <a:lightRig rig="threePt" dir="t"/>
+    </dgm:scene3d>
+    <dgm:sp3d/>
+    <dgm:txPr/>
+    <dgm:style>
+      <a:lnRef idx="1">
+        <a:scrgbClr r="0" g="0" b="0"/>
+      </a:lnRef>
+      <a:fillRef idx="1">
+        <a:scrgbClr r="0" g="0" b="0"/>
+      </a:fillRef>
+      <a:effectRef idx="0">
+        <a:scrgbClr r="0" g="0" b="0"/>
+      </a:effectRef>
+      <a:fontRef idx="minor"/>
+    </dgm:style>
+  </dgm:styleLbl>
+  <dgm:styleLbl name="solidFgAcc1">
+    <dgm:scene3d>
+      <a:camera prst="orthographicFront"/>
+      <a:lightRig rig="threePt" dir="t"/>
+    </dgm:scene3d>
+    <dgm:sp3d/>
+    <dgm:txPr/>
+    <dgm:style>
+      <a:lnRef idx="1">
+        <a:scrgbClr r="0" g="0" b="0"/>
+      </a:lnRef>
+      <a:fillRef idx="1">
+        <a:scrgbClr r="0" g="0" b="0"/>
+      </a:fillRef>
+      <a:effectRef idx="0">
+        <a:scrgbClr r="0" g="0" b="0"/>
+      </a:effectRef>
+      <a:fontRef idx="minor"/>
+    </dgm:style>
+  </dgm:styleLbl>
+  <dgm:styleLbl name="solidAlignAcc1">
+    <dgm:scene3d>
+      <a:camera prst="orthographicFront"/>
+      <a:lightRig rig="threePt" dir="t"/>
+    </dgm:scene3d>
+    <dgm:sp3d/>
+    <dgm:txPr/>
+    <dgm:style>
+      <a:lnRef idx="1">
+        <a:scrgbClr r="0" g="0" b="0"/>
+      </a:lnRef>
+      <a:fillRef idx="1">
+        <a:scrgbClr r="0" g="0" b="0"/>
+      </a:fillRef>
+      <a:effectRef idx="0">
+        <a:scrgbClr r="0" g="0" b="0"/>
+      </a:effectRef>
+      <a:fontRef idx="minor"/>
+    </dgm:style>
+  </dgm:styleLbl>
+  <dgm:styleLbl name="solidBgAcc1">
+    <dgm:scene3d>
+      <a:camera prst="orthographicFront"/>
+      <a:lightRig rig="threePt" dir="t"/>
+    </dgm:scene3d>
+    <dgm:sp3d/>
+    <dgm:txPr/>
+    <dgm:style>
+      <a:lnRef idx="1">
+        <a:scrgbClr r="0" g="0" b="0"/>
+      </a:lnRef>
+      <a:fillRef idx="1">
+        <a:scrgbClr r="0" g="0" b="0"/>
+      </a:fillRef>
+      <a:effectRef idx="0">
+        <a:scrgbClr r="0" g="0" b="0"/>
+      </a:effectRef>
+      <a:fontRef idx="minor"/>
+    </dgm:style>
+  </dgm:styleLbl>
+  <dgm:styleLbl name="fgAccFollowNode1">
+    <dgm:scene3d>
+      <a:camera prst="orthographicFront"/>
+      <a:lightRig rig="threePt" dir="t"/>
+    </dgm:scene3d>
+    <dgm:sp3d/>
+    <dgm:txPr/>
+    <dgm:style>
+      <a:lnRef idx="1">
+        <a:scrgbClr r="0" g="0" b="0"/>
+      </a:lnRef>
+      <a:fillRef idx="1">
+        <a:scrgbClr r="0" g="0" b="0"/>
+      </a:fillRef>
+      <a:effectRef idx="0">
+        <a:scrgbClr r="0" g="0" b="0"/>
+      </a:effectRef>
+      <a:fontRef idx="minor"/>
+    </dgm:style>
+  </dgm:styleLbl>
+  <dgm:styleLbl name="alignAccFollowNode1">
+    <dgm:scene3d>
+      <a:camera prst="orthographicFront"/>
+      <a:lightRig rig="threePt" dir="t"/>
+    </dgm:scene3d>
+    <dgm:sp3d/>
+    <dgm:txPr/>
+    <dgm:style>
+      <a:lnRef idx="1">
+        <a:scrgbClr r="0" g="0" b="0"/>
+      </a:lnRef>
+      <a:fillRef idx="1">
+        <a:scrgbClr r="0" g="0" b="0"/>
+      </a:fillRef>
+      <a:effectRef idx="0">
+        <a:scrgbClr r="0" g="0" b="0"/>
+      </a:effectRef>
+      <a:fontRef idx="minor"/>
+    </dgm:style>
+  </dgm:styleLbl>
+  <dgm:styleLbl name="bgAccFollowNode1">
+    <dgm:scene3d>
+      <a:camera prst="orthographicFront"/>
+      <a:lightRig rig="threePt" dir="t"/>
+    </dgm:scene3d>
+    <dgm:sp3d/>
+    <dgm:txPr/>
+    <dgm:style>
+      <a:lnRef idx="1">
+        <a:scrgbClr r="0" g="0" b="0"/>
+      </a:lnRef>
+      <a:fillRef idx="1">
+        <a:scrgbClr r="0" g="0" b="0"/>
+      </a:fillRef>
+      <a:effectRef idx="0">
+        <a:scrgbClr r="0" g="0" b="0"/>
+      </a:effectRef>
+      <a:fontRef idx="minor"/>
+    </dgm:style>
+  </dgm:styleLbl>
+  <dgm:styleLbl name="fgAcc0">
+    <dgm:scene3d>
+      <a:camera prst="orthographicFront"/>
+      <a:lightRig rig="threePt" dir="t"/>
+    </dgm:scene3d>
+    <dgm:sp3d/>
+    <dgm:txPr/>
+    <dgm:style>
+      <a:lnRef idx="1">
+        <a:scrgbClr r="0" g="0" b="0"/>
+      </a:lnRef>
+      <a:fillRef idx="1">
+        <a:scrgbClr r="0" g="0" b="0"/>
+      </a:fillRef>
+      <a:effectRef idx="0">
+        <a:scrgbClr r="0" g="0" b="0"/>
+      </a:effectRef>
+      <a:fontRef idx="minor"/>
+    </dgm:style>
+  </dgm:styleLbl>
+  <dgm:styleLbl name="fgAcc2">
+    <dgm:scene3d>
+      <a:camera prst="orthographicFront"/>
+      <a:lightRig rig="threePt" dir="t"/>
+    </dgm:scene3d>
+    <dgm:sp3d/>
+    <dgm:txPr/>
+    <dgm:style>
+      <a:lnRef idx="1">
+        <a:scrgbClr r="0" g="0" b="0"/>
+      </a:lnRef>
+      <a:fillRef idx="1">
+        <a:scrgbClr r="0" g="0" b="0"/>
+      </a:fillRef>
+      <a:effectRef idx="0">
+        <a:scrgbClr r="0" g="0" b="0"/>
+      </a:effectRef>
+      <a:fontRef idx="minor"/>
+    </dgm:style>
+  </dgm:styleLbl>
+  <dgm:styleLbl name="fgAcc3">
+    <dgm:scene3d>
+      <a:camera prst="orthographicFront"/>
+      <a:lightRig rig="threePt" dir="t"/>
+    </dgm:scene3d>
+    <dgm:sp3d/>
+    <dgm:txPr/>
+    <dgm:style>
+      <a:lnRef idx="1">
+        <a:scrgbClr r="0" g="0" b="0"/>
+      </a:lnRef>
+      <a:fillRef idx="1">
+        <a:scrgbClr r="0" g="0" b="0"/>
+      </a:fillRef>
+      <a:effectRef idx="0">
+        <a:scrgbClr r="0" g="0" b="0"/>
+      </a:effectRef>
+      <a:fontRef idx="minor"/>
+    </dgm:style>
+  </dgm:styleLbl>
+  <dgm:styleLbl name="fgAcc4">
+    <dgm:scene3d>
+      <a:camera prst="orthographicFront"/>
+      <a:lightRig rig="threePt" dir="t"/>
+    </dgm:scene3d>
+    <dgm:sp3d/>
+    <dgm:txPr/>
+    <dgm:style>
+      <a:lnRef idx="1">
+        <a:scrgbClr r="0" g="0" b="0"/>
+      </a:lnRef>
+      <a:fillRef idx="1">
+        <a:scrgbClr r="0" g="0" b="0"/>
+      </a:fillRef>
+      <a:effectRef idx="0">
+        <a:scrgbClr r="0" g="0" b="0"/>
+      </a:effectRef>
+      <a:fontRef idx="minor"/>
+    </dgm:style>
+  </dgm:styleLbl>
+  <dgm:styleLbl name="bgShp">
+    <dgm:scene3d>
+      <a:camera prst="orthographicFront"/>
+      <a:lightRig rig="threePt" dir="t"/>
+    </dgm:scene3d>
+    <dgm:sp3d/>
+    <dgm:txPr/>
+    <dgm:style>
+      <a:lnRef idx="0">
+        <a:scrgbClr r="0" g="0" b="0"/>
+      </a:lnRef>
+      <a:fillRef idx="1">
+        <a:scrgbClr r="0" g="0" b="0"/>
+      </a:fillRef>
+      <a:effectRef idx="2">
+        <a:scrgbClr r="0" g="0" b="0"/>
+      </a:effectRef>
+      <a:fontRef idx="minor"/>
+    </dgm:style>
+  </dgm:styleLbl>
+  <dgm:styleLbl name="dkBgShp">
+    <dgm:scene3d>
+      <a:camera prst="orthographicFront"/>
+      <a:lightRig rig="threePt" dir="t"/>
+    </dgm:scene3d>
+    <dgm:sp3d/>
+    <dgm:txPr/>
+    <dgm:style>
+      <a:lnRef idx="0">
+        <a:scrgbClr r="0" g="0" b="0"/>
+      </a:lnRef>
+      <a:fillRef idx="1">
+        <a:scrgbClr r="0" g="0" b="0"/>
+      </a:fillRef>
+      <a:effectRef idx="2">
+        <a:scrgbClr r="0" g="0" b="0"/>
+      </a:effectRef>
+      <a:fontRef idx="minor"/>
+    </dgm:style>
+  </dgm:styleLbl>
+  <dgm:styleLbl name="trBgShp">
+    <dgm:scene3d>
+      <a:camera prst="orthographicFront"/>
+      <a:lightRig rig="threePt" dir="t"/>
+    </dgm:scene3d>
+    <dgm:sp3d/>
+    <dgm:txPr/>
+    <dgm:style>
+      <a:lnRef idx="0">
+        <a:scrgbClr r="0" g="0" b="0"/>
+      </a:lnRef>
+      <a:fillRef idx="1">
+        <a:scrgbClr r="0" g="0" b="0"/>
+      </a:fillRef>
+      <a:effectRef idx="0">
+        <a:scrgbClr r="0" g="0" b="0"/>
+      </a:effectRef>
+      <a:fontRef idx="minor"/>
+    </dgm:style>
+  </dgm:styleLbl>
+  <dgm:styleLbl name="fgShp">
+    <dgm:scene3d>
+      <a:camera prst="orthographicFront"/>
+      <a:lightRig rig="threePt" dir="t"/>
+    </dgm:scene3d>
+    <dgm:sp3d/>
+    <dgm:txPr/>
+    <dgm:style>
+      <a:lnRef idx="0">
+        <a:scrgbClr r="0" g="0" b="0"/>
+      </a:lnRef>
+      <a:fillRef idx="3">
+        <a:scrgbClr r="0" g="0" b="0"/>
+      </a:fillRef>
+      <a:effectRef idx="2">
+        <a:scrgbClr r="0" g="0" b="0"/>
+      </a:effectRef>
+      <a:fontRef idx="minor"/>
+    </dgm:style>
+  </dgm:styleLbl>
+  <dgm:styleLbl name="revTx">
+    <dgm:scene3d>
+      <a:camera prst="orthographicFront"/>
+      <a:lightRig rig="threePt" dir="t"/>
+    </dgm:scene3d>
+    <dgm:sp3d/>
+    <dgm:txPr/>
+    <dgm:style>
+      <a:lnRef idx="0">
+        <a:scrgbClr r="0" g="0" b="0"/>
+      </a:lnRef>
+      <a:fillRef idx="0">
+        <a:scrgbClr r="0" g="0" b="0"/>
+      </a:fillRef>
+      <a:effectRef idx="0">
+        <a:scrgbClr r="0" g="0" b="0"/>
+      </a:effectRef>
+      <a:fontRef idx="minor"/>
+    </dgm:style>
+  </dgm:styleLbl>
+</dgm:styleDef>
+</file>
+
 <file path=ppt/notesMasters/notesMaster1.xml><?xml version="1.0" encoding="utf-8"?>
 <p:notesMaster xmlns:a="http://schemas.openxmlformats.org/drawingml/2006/main" xmlns:r="http://schemas.openxmlformats.org/officeDocument/2006/relationships" xmlns:p="http://schemas.openxmlformats.org/presentationml/2006/main">
   <p:cSld>
@@ -205,7 +5375,7 @@
           <a:p>
             <a:fld id="{3D453D5A-86A8-1448-B322-FF03E9D4D6E9}" type="datetimeFigureOut">
               <a:rPr lang="en-US" smtClean="0"/>
-              <a:t>3/15/18</a:t>
+              <a:t>3/16/18</a:t>
             </a:fld>
             <a:endParaRPr lang="en-US"/>
           </a:p>
@@ -622,7 +5792,7 @@
           <a:p>
             <a:fld id="{526B16C0-4515-DA49-A37F-C89811B6C779}" type="slidenum">
               <a:rPr lang="en-US" smtClean="0"/>
-              <a:t>4</a:t>
+              <a:t>5</a:t>
             </a:fld>
             <a:endParaRPr lang="en-US"/>
           </a:p>
@@ -810,7 +5980,7 @@
           <a:p>
             <a:fld id="{93A7A417-82A9-4E40-B701-8823A0C552B0}" type="datetime1">
               <a:rPr lang="en-US" smtClean="0"/>
-              <a:t>3/15/18</a:t>
+              <a:t>3/16/18</a:t>
             </a:fld>
             <a:endParaRPr lang="en-US" dirty="0"/>
           </a:p>
@@ -1136,7 +6306,7 @@
           <a:p>
             <a:fld id="{10776AE0-DA64-E744-90ED-DA837CB2D170}" type="datetime1">
               <a:rPr lang="en-US" smtClean="0"/>
-              <a:t>3/15/18</a:t>
+              <a:t>3/16/18</a:t>
             </a:fld>
             <a:endParaRPr lang="en-US" dirty="0"/>
           </a:p>
@@ -1311,7 +6481,7 @@
           <a:p>
             <a:fld id="{24DA1968-E772-0143-BCDF-FC60CDF491D6}" type="datetime1">
               <a:rPr lang="en-US" smtClean="0"/>
-              <a:t>3/15/18</a:t>
+              <a:t>3/16/18</a:t>
             </a:fld>
             <a:endParaRPr lang="en-US" dirty="0"/>
           </a:p>
@@ -1476,7 +6646,7 @@
           <a:p>
             <a:fld id="{294B7E71-9DC8-124F-B3E2-6FF06DAAF20C}" type="datetime1">
               <a:rPr lang="en-US" smtClean="0"/>
-              <a:t>3/15/18</a:t>
+              <a:t>3/16/18</a:t>
             </a:fld>
             <a:endParaRPr lang="en-US" dirty="0"/>
           </a:p>
@@ -1755,7 +6925,7 @@
           <a:p>
             <a:fld id="{A181E460-9F85-9E44-A540-722BFDEA8607}" type="datetime1">
               <a:rPr lang="en-US" smtClean="0"/>
-              <a:t>3/15/18</a:t>
+              <a:t>3/16/18</a:t>
             </a:fld>
             <a:endParaRPr lang="en-US" dirty="0"/>
           </a:p>
@@ -2145,7 +7315,7 @@
           <a:p>
             <a:fld id="{61484A5C-19CC-B543-A9A5-7B948EBBEAC2}" type="datetime1">
               <a:rPr lang="en-US" smtClean="0"/>
-              <a:t>3/15/18</a:t>
+              <a:t>3/16/18</a:t>
             </a:fld>
             <a:endParaRPr lang="en-US" dirty="0"/>
           </a:p>
@@ -2617,7 +7787,7 @@
           <a:p>
             <a:fld id="{A6C88C03-D8FD-0243-9305-F0139E5E943B}" type="datetime1">
               <a:rPr lang="en-US" smtClean="0"/>
-              <a:t>3/15/18</a:t>
+              <a:t>3/16/18</a:t>
             </a:fld>
             <a:endParaRPr lang="en-US" dirty="0"/>
           </a:p>
@@ -2730,7 +7900,7 @@
           <a:p>
             <a:fld id="{5FE3701F-30EC-134D-9813-BF773E3823B1}" type="datetime1">
               <a:rPr lang="en-US" smtClean="0"/>
-              <a:t>3/15/18</a:t>
+              <a:t>3/16/18</a:t>
             </a:fld>
             <a:endParaRPr lang="en-US" dirty="0"/>
           </a:p>
@@ -2820,7 +7990,7 @@
           <a:p>
             <a:fld id="{B3A67082-BED2-B44D-9D18-879BC416A3B8}" type="datetime1">
               <a:rPr lang="en-US" smtClean="0"/>
-              <a:t>3/15/18</a:t>
+              <a:t>3/16/18</a:t>
             </a:fld>
             <a:endParaRPr lang="en-US" dirty="0"/>
           </a:p>
@@ -3161,7 +8331,7 @@
           <a:p>
             <a:fld id="{524E2EE6-E5AD-574C-A5EA-27172F6187EC}" type="datetime1">
               <a:rPr lang="en-US" smtClean="0"/>
-              <a:t>3/15/18</a:t>
+              <a:t>3/16/18</a:t>
             </a:fld>
             <a:endParaRPr lang="en-US" dirty="0"/>
           </a:p>
@@ -3545,7 +8715,7 @@
           <a:p>
             <a:fld id="{892D8BE5-0CD5-5049-A6AF-A77E54658E55}" type="datetime1">
               <a:rPr lang="en-US" smtClean="0"/>
-              <a:t>3/15/18</a:t>
+              <a:t>3/16/18</a:t>
             </a:fld>
             <a:endParaRPr lang="en-US" dirty="0"/>
           </a:p>
@@ -3819,7 +8989,7 @@
           <a:p>
             <a:fld id="{B7994DBE-436E-894D-8212-DE07C8C24947}" type="datetime1">
               <a:rPr lang="en-US" smtClean="0"/>
-              <a:t>3/15/18</a:t>
+              <a:t>3/16/18</a:t>
             </a:fld>
             <a:endParaRPr lang="en-US" dirty="0"/>
           </a:p>
@@ -4405,15 +9575,7 @@
                   <a:schemeClr val="tx1"/>
                 </a:solidFill>
               </a:rPr>
-              <a:t>, </a:t>
-            </a:r>
-            <a:r>
-              <a:rPr lang="fr-FR" altLang="en-US" sz="2000" dirty="0" smtClean="0">
-                <a:solidFill>
-                  <a:schemeClr val="tx1"/>
-                </a:solidFill>
-              </a:rPr>
-              <a:t>Xu</a:t>
+              <a:t>, Xu</a:t>
             </a:r>
           </a:p>
           <a:p>
@@ -4469,6 +9631,1156 @@
     <p:extLst>
       <p:ext uri="{BB962C8B-B14F-4D97-AF65-F5344CB8AC3E}">
         <p14:creationId xmlns:p14="http://schemas.microsoft.com/office/powerpoint/2010/main" val="1076549548"/>
+      </p:ext>
+    </p:extLst>
+  </p:cSld>
+  <p:clrMapOvr>
+    <a:masterClrMapping/>
+  </p:clrMapOvr>
+  <p:timing>
+    <p:tnLst>
+      <p:par>
+        <p:cTn id="1" dur="indefinite" restart="never" nodeType="tmRoot"/>
+      </p:par>
+    </p:tnLst>
+  </p:timing>
+</p:sld>
+</file>
+
+<file path=ppt/slides/slide10.xml><?xml version="1.0" encoding="utf-8"?>
+<p:sld xmlns:a="http://schemas.openxmlformats.org/drawingml/2006/main" xmlns:r="http://schemas.openxmlformats.org/officeDocument/2006/relationships" xmlns:p="http://schemas.openxmlformats.org/presentationml/2006/main">
+  <p:cSld>
+    <p:spTree>
+      <p:nvGrpSpPr>
+        <p:cNvPr id="1" name=""/>
+        <p:cNvGrpSpPr/>
+        <p:nvPr/>
+      </p:nvGrpSpPr>
+      <p:grpSpPr>
+        <a:xfrm>
+          <a:off x="0" y="0"/>
+          <a:ext cx="0" cy="0"/>
+          <a:chOff x="0" y="0"/>
+          <a:chExt cx="0" cy="0"/>
+        </a:xfrm>
+      </p:grpSpPr>
+      <p:sp>
+        <p:nvSpPr>
+          <p:cNvPr id="2" name="Title 1"/>
+          <p:cNvSpPr>
+            <a:spLocks noGrp="1"/>
+          </p:cNvSpPr>
+          <p:nvPr>
+            <p:ph type="title"/>
+          </p:nvPr>
+        </p:nvSpPr>
+        <p:spPr/>
+        <p:txBody>
+          <a:bodyPr/>
+          <a:lstStyle/>
+          <a:p>
+            <a:r>
+              <a:rPr lang="en-US" altLang="zh-CN" dirty="0" smtClean="0"/>
+              <a:t>Notation</a:t>
+            </a:r>
+            <a:r>
+              <a:rPr lang="zh-CN" altLang="en-US" dirty="0" smtClean="0"/>
+              <a:t> </a:t>
+            </a:r>
+            <a:r>
+              <a:rPr lang="en-US" altLang="zh-CN" dirty="0" smtClean="0"/>
+              <a:t>Distribution</a:t>
+            </a:r>
+            <a:endParaRPr lang="fr-FR" dirty="0"/>
+          </a:p>
+        </p:txBody>
+      </p:sp>
+      <p:sp>
+        <p:nvSpPr>
+          <p:cNvPr id="3" name="Slide Number Placeholder 2"/>
+          <p:cNvSpPr>
+            <a:spLocks noGrp="1"/>
+          </p:cNvSpPr>
+          <p:nvPr>
+            <p:ph type="sldNum" sz="quarter" idx="12"/>
+          </p:nvPr>
+        </p:nvSpPr>
+        <p:spPr/>
+        <p:txBody>
+          <a:bodyPr/>
+          <a:lstStyle/>
+          <a:p>
+            <a:fld id="{69E57DC2-970A-4B3E-BB1C-7A09969E49DF}" type="slidenum">
+              <a:rPr lang="en-US" smtClean="0"/>
+              <a:t>10</a:t>
+            </a:fld>
+            <a:endParaRPr lang="en-US" dirty="0"/>
+          </a:p>
+        </p:txBody>
+      </p:sp>
+      <p:pic>
+        <p:nvPicPr>
+          <p:cNvPr id="6" name="Content Placeholder 5"/>
+          <p:cNvPicPr>
+            <a:picLocks noGrp="1" noChangeAspect="1"/>
+          </p:cNvPicPr>
+          <p:nvPr>
+            <p:ph idx="1"/>
+          </p:nvPr>
+        </p:nvPicPr>
+        <p:blipFill rotWithShape="1">
+          <a:blip r:embed="rId2">
+            <a:extLst>
+              <a:ext uri="{28A0092B-C50C-407E-A947-70E740481C1C}">
+                <a14:useLocalDpi xmlns:a14="http://schemas.microsoft.com/office/drawing/2010/main" val="0"/>
+              </a:ext>
+            </a:extLst>
+          </a:blip>
+          <a:srcRect l="26228" r="28742"/>
+          <a:stretch/>
+        </p:blipFill>
+        <p:spPr>
+          <a:xfrm>
+            <a:off x="1878495" y="2541032"/>
+            <a:ext cx="3505200" cy="3520607"/>
+          </a:xfrm>
+        </p:spPr>
+      </p:pic>
+      <p:pic>
+        <p:nvPicPr>
+          <p:cNvPr id="5" name="Content Placeholder 5"/>
+          <p:cNvPicPr>
+            <a:picLocks noChangeAspect="1"/>
+          </p:cNvPicPr>
+          <p:nvPr/>
+        </p:nvPicPr>
+        <p:blipFill rotWithShape="1">
+          <a:blip r:embed="rId2">
+            <a:extLst>
+              <a:ext uri="{28A0092B-C50C-407E-A947-70E740481C1C}">
+                <a14:useLocalDpi xmlns:a14="http://schemas.microsoft.com/office/drawing/2010/main" val="0"/>
+              </a:ext>
+            </a:extLst>
+          </a:blip>
+          <a:srcRect l="27901" r="29595"/>
+          <a:stretch/>
+        </p:blipFill>
+        <p:spPr>
+          <a:xfrm flipH="1">
+            <a:off x="7361580" y="2563447"/>
+            <a:ext cx="3279913" cy="3520607"/>
+          </a:xfrm>
+          <a:prstGeom prst="rect">
+            <a:avLst/>
+          </a:prstGeom>
+        </p:spPr>
+      </p:pic>
+      <p:sp>
+        <p:nvSpPr>
+          <p:cNvPr id="4" name="TextBox 3"/>
+          <p:cNvSpPr txBox="1"/>
+          <p:nvPr/>
+        </p:nvSpPr>
+        <p:spPr>
+          <a:xfrm>
+            <a:off x="914401" y="1836379"/>
+            <a:ext cx="11436626" cy="369332"/>
+          </a:xfrm>
+          <a:prstGeom prst="rect">
+            <a:avLst/>
+          </a:prstGeom>
+          <a:noFill/>
+        </p:spPr>
+        <p:txBody>
+          <a:bodyPr wrap="square" rtlCol="0">
+            <a:spAutoFit/>
+          </a:bodyPr>
+          <a:lstStyle/>
+          <a:p>
+            <a:r>
+              <a:rPr lang="mr-IN" dirty="0"/>
+              <a:t>'left4':'C', 'left3':'D', 'left2':'E', 'left1':'F', 'left0':'F#', </a:t>
+            </a:r>
+            <a:r>
+              <a:rPr lang="mr-IN" dirty="0" smtClean="0"/>
+              <a:t> 'right0</a:t>
+            </a:r>
+            <a:r>
+              <a:rPr lang="mr-IN" dirty="0"/>
+              <a:t>':'G', 'right1':'G#', 'right2':'A', 'right3':'A#', 'right4':'B'</a:t>
+            </a:r>
+            <a:endParaRPr lang="en-GB" dirty="0"/>
+          </a:p>
+        </p:txBody>
+      </p:sp>
+      <p:cxnSp>
+        <p:nvCxnSpPr>
+          <p:cNvPr id="8" name="Straight Connector 7"/>
+          <p:cNvCxnSpPr/>
+          <p:nvPr/>
+        </p:nvCxnSpPr>
+        <p:spPr>
+          <a:xfrm flipH="1" flipV="1">
+            <a:off x="1762539" y="2194115"/>
+            <a:ext cx="304800" cy="1383972"/>
+          </a:xfrm>
+          <a:prstGeom prst="line">
+            <a:avLst/>
+          </a:prstGeom>
+        </p:spPr>
+        <p:style>
+          <a:lnRef idx="1">
+            <a:schemeClr val="accent1"/>
+          </a:lnRef>
+          <a:fillRef idx="0">
+            <a:schemeClr val="accent1"/>
+          </a:fillRef>
+          <a:effectRef idx="0">
+            <a:schemeClr val="accent1"/>
+          </a:effectRef>
+          <a:fontRef idx="minor">
+            <a:schemeClr val="tx1"/>
+          </a:fontRef>
+        </p:style>
+      </p:cxnSp>
+      <p:cxnSp>
+        <p:nvCxnSpPr>
+          <p:cNvPr id="13" name="Straight Connector 12"/>
+          <p:cNvCxnSpPr/>
+          <p:nvPr/>
+        </p:nvCxnSpPr>
+        <p:spPr>
+          <a:xfrm flipV="1">
+            <a:off x="2756452" y="2171700"/>
+            <a:ext cx="39757" cy="757030"/>
+          </a:xfrm>
+          <a:prstGeom prst="line">
+            <a:avLst/>
+          </a:prstGeom>
+        </p:spPr>
+        <p:style>
+          <a:lnRef idx="1">
+            <a:schemeClr val="accent1"/>
+          </a:lnRef>
+          <a:fillRef idx="0">
+            <a:schemeClr val="accent1"/>
+          </a:fillRef>
+          <a:effectRef idx="0">
+            <a:schemeClr val="accent1"/>
+          </a:effectRef>
+          <a:fontRef idx="minor">
+            <a:schemeClr val="tx1"/>
+          </a:fontRef>
+        </p:style>
+      </p:cxnSp>
+      <p:cxnSp>
+        <p:nvCxnSpPr>
+          <p:cNvPr id="15" name="Straight Connector 14"/>
+          <p:cNvCxnSpPr/>
+          <p:nvPr/>
+        </p:nvCxnSpPr>
+        <p:spPr>
+          <a:xfrm flipV="1">
+            <a:off x="3458817" y="2171700"/>
+            <a:ext cx="246821" cy="518491"/>
+          </a:xfrm>
+          <a:prstGeom prst="line">
+            <a:avLst/>
+          </a:prstGeom>
+        </p:spPr>
+        <p:style>
+          <a:lnRef idx="1">
+            <a:schemeClr val="accent1"/>
+          </a:lnRef>
+          <a:fillRef idx="0">
+            <a:schemeClr val="accent1"/>
+          </a:fillRef>
+          <a:effectRef idx="0">
+            <a:schemeClr val="accent1"/>
+          </a:effectRef>
+          <a:fontRef idx="minor">
+            <a:schemeClr val="tx1"/>
+          </a:fontRef>
+        </p:style>
+      </p:cxnSp>
+      <p:cxnSp>
+        <p:nvCxnSpPr>
+          <p:cNvPr id="17" name="Straight Connector 16"/>
+          <p:cNvCxnSpPr/>
+          <p:nvPr/>
+        </p:nvCxnSpPr>
+        <p:spPr>
+          <a:xfrm flipV="1">
+            <a:off x="4306957" y="2125334"/>
+            <a:ext cx="331303" cy="760767"/>
+          </a:xfrm>
+          <a:prstGeom prst="line">
+            <a:avLst/>
+          </a:prstGeom>
+        </p:spPr>
+        <p:style>
+          <a:lnRef idx="1">
+            <a:schemeClr val="accent1"/>
+          </a:lnRef>
+          <a:fillRef idx="0">
+            <a:schemeClr val="accent1"/>
+          </a:fillRef>
+          <a:effectRef idx="0">
+            <a:schemeClr val="accent1"/>
+          </a:effectRef>
+          <a:fontRef idx="minor">
+            <a:schemeClr val="tx1"/>
+          </a:fontRef>
+        </p:style>
+      </p:cxnSp>
+      <p:cxnSp>
+        <p:nvCxnSpPr>
+          <p:cNvPr id="19" name="Straight Connector 18"/>
+          <p:cNvCxnSpPr/>
+          <p:nvPr/>
+        </p:nvCxnSpPr>
+        <p:spPr>
+          <a:xfrm flipV="1">
+            <a:off x="5181600" y="2194115"/>
+            <a:ext cx="501923" cy="1721039"/>
+          </a:xfrm>
+          <a:prstGeom prst="line">
+            <a:avLst/>
+          </a:prstGeom>
+        </p:spPr>
+        <p:style>
+          <a:lnRef idx="1">
+            <a:schemeClr val="accent1"/>
+          </a:lnRef>
+          <a:fillRef idx="0">
+            <a:schemeClr val="accent1"/>
+          </a:fillRef>
+          <a:effectRef idx="0">
+            <a:schemeClr val="accent1"/>
+          </a:effectRef>
+          <a:fontRef idx="minor">
+            <a:schemeClr val="tx1"/>
+          </a:fontRef>
+        </p:style>
+      </p:cxnSp>
+      <p:cxnSp>
+        <p:nvCxnSpPr>
+          <p:cNvPr id="21" name="Straight Connector 20"/>
+          <p:cNvCxnSpPr/>
+          <p:nvPr/>
+        </p:nvCxnSpPr>
+        <p:spPr>
+          <a:xfrm flipH="1" flipV="1">
+            <a:off x="7010400" y="2171700"/>
+            <a:ext cx="544168" cy="1737691"/>
+          </a:xfrm>
+          <a:prstGeom prst="line">
+            <a:avLst/>
+          </a:prstGeom>
+        </p:spPr>
+        <p:style>
+          <a:lnRef idx="1">
+            <a:schemeClr val="accent1"/>
+          </a:lnRef>
+          <a:fillRef idx="0">
+            <a:schemeClr val="accent1"/>
+          </a:fillRef>
+          <a:effectRef idx="0">
+            <a:schemeClr val="accent1"/>
+          </a:effectRef>
+          <a:fontRef idx="minor">
+            <a:schemeClr val="tx1"/>
+          </a:fontRef>
+        </p:style>
+      </p:cxnSp>
+      <p:cxnSp>
+        <p:nvCxnSpPr>
+          <p:cNvPr id="23" name="Straight Connector 22"/>
+          <p:cNvCxnSpPr/>
+          <p:nvPr/>
+        </p:nvCxnSpPr>
+        <p:spPr>
+          <a:xfrm flipH="1" flipV="1">
+            <a:off x="8222559" y="2125334"/>
+            <a:ext cx="96493" cy="929300"/>
+          </a:xfrm>
+          <a:prstGeom prst="line">
+            <a:avLst/>
+          </a:prstGeom>
+        </p:spPr>
+        <p:style>
+          <a:lnRef idx="1">
+            <a:schemeClr val="accent1"/>
+          </a:lnRef>
+          <a:fillRef idx="0">
+            <a:schemeClr val="accent1"/>
+          </a:fillRef>
+          <a:effectRef idx="0">
+            <a:schemeClr val="accent1"/>
+          </a:effectRef>
+          <a:fontRef idx="minor">
+            <a:schemeClr val="tx1"/>
+          </a:fontRef>
+        </p:style>
+      </p:cxnSp>
+      <p:cxnSp>
+        <p:nvCxnSpPr>
+          <p:cNvPr id="25" name="Straight Connector 24"/>
+          <p:cNvCxnSpPr/>
+          <p:nvPr/>
+        </p:nvCxnSpPr>
+        <p:spPr>
+          <a:xfrm flipV="1">
+            <a:off x="9232625" y="2171700"/>
+            <a:ext cx="299828" cy="421201"/>
+          </a:xfrm>
+          <a:prstGeom prst="line">
+            <a:avLst/>
+          </a:prstGeom>
+        </p:spPr>
+        <p:style>
+          <a:lnRef idx="1">
+            <a:schemeClr val="accent1"/>
+          </a:lnRef>
+          <a:fillRef idx="0">
+            <a:schemeClr val="accent1"/>
+          </a:fillRef>
+          <a:effectRef idx="0">
+            <a:schemeClr val="accent1"/>
+          </a:effectRef>
+          <a:fontRef idx="minor">
+            <a:schemeClr val="tx1"/>
+          </a:fontRef>
+        </p:style>
+      </p:cxnSp>
+      <p:cxnSp>
+        <p:nvCxnSpPr>
+          <p:cNvPr id="27" name="Straight Connector 26"/>
+          <p:cNvCxnSpPr/>
+          <p:nvPr/>
+        </p:nvCxnSpPr>
+        <p:spPr>
+          <a:xfrm flipV="1">
+            <a:off x="9997109" y="2194115"/>
+            <a:ext cx="644384" cy="734615"/>
+          </a:xfrm>
+          <a:prstGeom prst="line">
+            <a:avLst/>
+          </a:prstGeom>
+        </p:spPr>
+        <p:style>
+          <a:lnRef idx="1">
+            <a:schemeClr val="accent1"/>
+          </a:lnRef>
+          <a:fillRef idx="0">
+            <a:schemeClr val="accent1"/>
+          </a:fillRef>
+          <a:effectRef idx="0">
+            <a:schemeClr val="accent1"/>
+          </a:effectRef>
+          <a:fontRef idx="minor">
+            <a:schemeClr val="tx1"/>
+          </a:fontRef>
+        </p:style>
+      </p:cxnSp>
+      <p:cxnSp>
+        <p:nvCxnSpPr>
+          <p:cNvPr id="29" name="Straight Connector 28"/>
+          <p:cNvCxnSpPr/>
+          <p:nvPr/>
+        </p:nvCxnSpPr>
+        <p:spPr>
+          <a:xfrm flipV="1">
+            <a:off x="10619548" y="2125334"/>
+            <a:ext cx="1283803" cy="1452753"/>
+          </a:xfrm>
+          <a:prstGeom prst="line">
+            <a:avLst/>
+          </a:prstGeom>
+        </p:spPr>
+        <p:style>
+          <a:lnRef idx="1">
+            <a:schemeClr val="accent1"/>
+          </a:lnRef>
+          <a:fillRef idx="0">
+            <a:schemeClr val="accent1"/>
+          </a:fillRef>
+          <a:effectRef idx="0">
+            <a:schemeClr val="accent1"/>
+          </a:effectRef>
+          <a:fontRef idx="minor">
+            <a:schemeClr val="tx1"/>
+          </a:fontRef>
+        </p:style>
+      </p:cxnSp>
+    </p:spTree>
+    <p:extLst>
+      <p:ext uri="{BB962C8B-B14F-4D97-AF65-F5344CB8AC3E}">
+        <p14:creationId xmlns:p14="http://schemas.microsoft.com/office/powerpoint/2010/main" val="1716134713"/>
+      </p:ext>
+    </p:extLst>
+  </p:cSld>
+  <p:clrMapOvr>
+    <a:masterClrMapping/>
+  </p:clrMapOvr>
+  <p:timing>
+    <p:tnLst>
+      <p:par>
+        <p:cTn id="1" dur="indefinite" restart="never" nodeType="tmRoot"/>
+      </p:par>
+    </p:tnLst>
+  </p:timing>
+</p:sld>
+</file>
+
+<file path=ppt/slides/slide11.xml><?xml version="1.0" encoding="utf-8"?>
+<p:sld xmlns:a="http://schemas.openxmlformats.org/drawingml/2006/main" xmlns:r="http://schemas.openxmlformats.org/officeDocument/2006/relationships" xmlns:p="http://schemas.openxmlformats.org/presentationml/2006/main">
+  <p:cSld>
+    <p:spTree>
+      <p:nvGrpSpPr>
+        <p:cNvPr id="1" name=""/>
+        <p:cNvGrpSpPr/>
+        <p:nvPr/>
+      </p:nvGrpSpPr>
+      <p:grpSpPr>
+        <a:xfrm>
+          <a:off x="0" y="0"/>
+          <a:ext cx="0" cy="0"/>
+          <a:chOff x="0" y="0"/>
+          <a:chExt cx="0" cy="0"/>
+        </a:xfrm>
+      </p:grpSpPr>
+      <p:sp>
+        <p:nvSpPr>
+          <p:cNvPr id="2" name="Title 1"/>
+          <p:cNvSpPr>
+            <a:spLocks noGrp="1"/>
+          </p:cNvSpPr>
+          <p:nvPr>
+            <p:ph type="title"/>
+          </p:nvPr>
+        </p:nvSpPr>
+        <p:spPr/>
+        <p:txBody>
+          <a:bodyPr/>
+          <a:lstStyle/>
+          <a:p>
+            <a:r>
+              <a:rPr lang="en-US" altLang="zh-CN" dirty="0" smtClean="0"/>
+              <a:t>Octave</a:t>
+            </a:r>
+            <a:r>
+              <a:rPr lang="zh-CN" altLang="en-US" dirty="0" smtClean="0"/>
+              <a:t> </a:t>
+            </a:r>
+            <a:r>
+              <a:rPr lang="en-US" altLang="zh-CN" dirty="0" smtClean="0"/>
+              <a:t>Distribution</a:t>
+            </a:r>
+            <a:endParaRPr lang="en-GB" dirty="0"/>
+          </a:p>
+        </p:txBody>
+      </p:sp>
+      <p:sp>
+        <p:nvSpPr>
+          <p:cNvPr id="4" name="Slide Number Placeholder 3"/>
+          <p:cNvSpPr>
+            <a:spLocks noGrp="1"/>
+          </p:cNvSpPr>
+          <p:nvPr>
+            <p:ph type="sldNum" sz="quarter" idx="12"/>
+          </p:nvPr>
+        </p:nvSpPr>
+        <p:spPr/>
+        <p:txBody>
+          <a:bodyPr/>
+          <a:lstStyle/>
+          <a:p>
+            <a:fld id="{69E57DC2-970A-4B3E-BB1C-7A09969E49DF}" type="slidenum">
+              <a:rPr lang="en-US" smtClean="0"/>
+              <a:t>11</a:t>
+            </a:fld>
+            <a:endParaRPr lang="en-US" dirty="0"/>
+          </a:p>
+        </p:txBody>
+      </p:sp>
+      <p:pic>
+        <p:nvPicPr>
+          <p:cNvPr id="5" name="Picture 4"/>
+          <p:cNvPicPr>
+            <a:picLocks noChangeAspect="1"/>
+          </p:cNvPicPr>
+          <p:nvPr/>
+        </p:nvPicPr>
+        <p:blipFill>
+          <a:blip r:embed="rId2">
+            <a:extLst>
+              <a:ext uri="{28A0092B-C50C-407E-A947-70E740481C1C}">
+                <a14:useLocalDpi xmlns:a14="http://schemas.microsoft.com/office/drawing/2010/main" val="0"/>
+              </a:ext>
+            </a:extLst>
+          </a:blip>
+          <a:stretch>
+            <a:fillRect/>
+          </a:stretch>
+        </p:blipFill>
+        <p:spPr>
+          <a:xfrm>
+            <a:off x="8805747" y="51896"/>
+            <a:ext cx="1689856" cy="6806104"/>
+          </a:xfrm>
+          <a:prstGeom prst="rect">
+            <a:avLst/>
+          </a:prstGeom>
+        </p:spPr>
+      </p:pic>
+      <p:sp>
+        <p:nvSpPr>
+          <p:cNvPr id="6" name="Rounded Rectangle 5"/>
+          <p:cNvSpPr/>
+          <p:nvPr/>
+        </p:nvSpPr>
+        <p:spPr>
+          <a:xfrm>
+            <a:off x="4002157" y="3246783"/>
+            <a:ext cx="4055165" cy="1060174"/>
+          </a:xfrm>
+          <a:prstGeom prst="roundRect">
+            <a:avLst/>
+          </a:prstGeom>
+        </p:spPr>
+        <p:style>
+          <a:lnRef idx="2">
+            <a:schemeClr val="accent1">
+              <a:shade val="50000"/>
+            </a:schemeClr>
+          </a:lnRef>
+          <a:fillRef idx="1">
+            <a:schemeClr val="accent1"/>
+          </a:fillRef>
+          <a:effectRef idx="0">
+            <a:schemeClr val="accent1"/>
+          </a:effectRef>
+          <a:fontRef idx="minor">
+            <a:schemeClr val="lt1"/>
+          </a:fontRef>
+        </p:style>
+        <p:txBody>
+          <a:bodyPr rtlCol="0" anchor="ctr"/>
+          <a:lstStyle/>
+          <a:p>
+            <a:pPr algn="ctr"/>
+            <a:endParaRPr lang="en-GB"/>
+          </a:p>
+        </p:txBody>
+      </p:sp>
+      <p:sp>
+        <p:nvSpPr>
+          <p:cNvPr id="7" name="TextBox 6"/>
+          <p:cNvSpPr txBox="1"/>
+          <p:nvPr/>
+        </p:nvSpPr>
+        <p:spPr>
+          <a:xfrm>
+            <a:off x="4755933" y="3484482"/>
+            <a:ext cx="2832534" cy="584775"/>
+          </a:xfrm>
+          <a:prstGeom prst="rect">
+            <a:avLst/>
+          </a:prstGeom>
+          <a:noFill/>
+        </p:spPr>
+        <p:txBody>
+          <a:bodyPr wrap="square" rtlCol="0">
+            <a:spAutoFit/>
+          </a:bodyPr>
+          <a:lstStyle/>
+          <a:p>
+            <a:r>
+              <a:rPr lang="en-US" altLang="zh-CN" sz="3200" dirty="0" smtClean="0"/>
+              <a:t>Leap</a:t>
+            </a:r>
+            <a:r>
+              <a:rPr lang="zh-CN" altLang="en-US" sz="3200" dirty="0" smtClean="0"/>
+              <a:t> </a:t>
+            </a:r>
+            <a:r>
+              <a:rPr lang="en-US" altLang="zh-CN" sz="3200" dirty="0" smtClean="0"/>
+              <a:t>Motion</a:t>
+            </a:r>
+            <a:endParaRPr lang="en-GB" sz="3200" dirty="0"/>
+          </a:p>
+        </p:txBody>
+      </p:sp>
+    </p:spTree>
+    <p:extLst>
+      <p:ext uri="{BB962C8B-B14F-4D97-AF65-F5344CB8AC3E}">
+        <p14:creationId xmlns:p14="http://schemas.microsoft.com/office/powerpoint/2010/main" val="2032336375"/>
+      </p:ext>
+    </p:extLst>
+  </p:cSld>
+  <p:clrMapOvr>
+    <a:masterClrMapping/>
+  </p:clrMapOvr>
+</p:sld>
+</file>
+
+<file path=ppt/slides/slide12.xml><?xml version="1.0" encoding="utf-8"?>
+<p:sld xmlns:a="http://schemas.openxmlformats.org/drawingml/2006/main" xmlns:r="http://schemas.openxmlformats.org/officeDocument/2006/relationships" xmlns:p="http://schemas.openxmlformats.org/presentationml/2006/main">
+  <p:cSld>
+    <p:spTree>
+      <p:nvGrpSpPr>
+        <p:cNvPr id="1" name=""/>
+        <p:cNvGrpSpPr/>
+        <p:nvPr/>
+      </p:nvGrpSpPr>
+      <p:grpSpPr>
+        <a:xfrm>
+          <a:off x="0" y="0"/>
+          <a:ext cx="0" cy="0"/>
+          <a:chOff x="0" y="0"/>
+          <a:chExt cx="0" cy="0"/>
+        </a:xfrm>
+      </p:grpSpPr>
+      <p:sp>
+        <p:nvSpPr>
+          <p:cNvPr id="2" name="Title 1"/>
+          <p:cNvSpPr>
+            <a:spLocks noGrp="1"/>
+          </p:cNvSpPr>
+          <p:nvPr>
+            <p:ph type="title"/>
+          </p:nvPr>
+        </p:nvSpPr>
+        <p:spPr/>
+        <p:txBody>
+          <a:bodyPr/>
+          <a:lstStyle/>
+          <a:p>
+            <a:r>
+              <a:rPr lang="en-US" altLang="zh-CN" dirty="0" smtClean="0"/>
+              <a:t>Conclusion</a:t>
+            </a:r>
+            <a:endParaRPr lang="en-US" dirty="0"/>
+          </a:p>
+        </p:txBody>
+      </p:sp>
+      <p:sp>
+        <p:nvSpPr>
+          <p:cNvPr id="3" name="Content Placeholder 2"/>
+          <p:cNvSpPr>
+            <a:spLocks noGrp="1"/>
+          </p:cNvSpPr>
+          <p:nvPr>
+            <p:ph idx="1"/>
+          </p:nvPr>
+        </p:nvSpPr>
+        <p:spPr/>
+        <p:txBody>
+          <a:bodyPr>
+            <a:normAutofit fontScale="92500" lnSpcReduction="10000"/>
+          </a:bodyPr>
+          <a:lstStyle/>
+          <a:p>
+            <a:r>
+              <a:rPr lang="en-US" altLang="zh-CN" dirty="0" smtClean="0"/>
+              <a:t>Live</a:t>
+            </a:r>
+            <a:r>
+              <a:rPr lang="zh-CN" altLang="en-US" dirty="0" smtClean="0"/>
+              <a:t> </a:t>
+            </a:r>
+            <a:r>
+              <a:rPr lang="en-US" altLang="zh-CN" dirty="0" err="1" smtClean="0"/>
+              <a:t>Demostration</a:t>
+            </a:r>
+            <a:endParaRPr lang="en-US" altLang="zh-CN" dirty="0" smtClean="0"/>
+          </a:p>
+          <a:p>
+            <a:endParaRPr lang="en-US" altLang="zh-CN" dirty="0"/>
+          </a:p>
+          <a:p>
+            <a:r>
+              <a:rPr lang="en-US" altLang="zh-CN" dirty="0" smtClean="0"/>
+              <a:t>To</a:t>
+            </a:r>
+            <a:r>
+              <a:rPr lang="zh-CN" altLang="en-US" dirty="0" smtClean="0"/>
+              <a:t> </a:t>
+            </a:r>
+            <a:r>
+              <a:rPr lang="en-US" altLang="zh-CN" dirty="0" smtClean="0"/>
+              <a:t>be</a:t>
+            </a:r>
+            <a:r>
+              <a:rPr lang="zh-CN" altLang="en-US" dirty="0" smtClean="0"/>
+              <a:t> </a:t>
+            </a:r>
+            <a:r>
+              <a:rPr lang="en-US" altLang="zh-CN" dirty="0" smtClean="0"/>
+              <a:t>improved:</a:t>
+            </a:r>
+          </a:p>
+          <a:p>
+            <a:pPr lvl="1"/>
+            <a:r>
+              <a:rPr lang="en-US" dirty="0"/>
+              <a:t>Distinguish the initiative movement and passive movement of </a:t>
+            </a:r>
+            <a:r>
+              <a:rPr lang="en-US" dirty="0" smtClean="0"/>
+              <a:t>fingers</a:t>
+            </a:r>
+            <a:endParaRPr lang="en-US" altLang="zh-CN" dirty="0" smtClean="0"/>
+          </a:p>
+          <a:p>
+            <a:pPr lvl="2"/>
+            <a:r>
+              <a:rPr lang="en-US" altLang="zh-CN" dirty="0" smtClean="0"/>
+              <a:t>T</a:t>
+            </a:r>
+            <a:r>
+              <a:rPr lang="en-US" altLang="zh-CN" dirty="0" smtClean="0"/>
+              <a:t>humb</a:t>
+            </a:r>
+            <a:r>
+              <a:rPr lang="zh-CN" altLang="en-US" dirty="0" smtClean="0"/>
+              <a:t> </a:t>
+            </a:r>
+            <a:r>
+              <a:rPr lang="en-US" altLang="zh-CN" dirty="0" smtClean="0"/>
+              <a:t>moving</a:t>
+            </a:r>
+            <a:r>
+              <a:rPr lang="zh-CN" altLang="en-US" dirty="0" smtClean="0"/>
+              <a:t> </a:t>
+            </a:r>
+            <a:r>
+              <a:rPr lang="en-US" altLang="zh-CN" dirty="0" smtClean="0"/>
+              <a:t>conditions</a:t>
+            </a:r>
+            <a:r>
+              <a:rPr lang="zh-CN" altLang="en-US" dirty="0" smtClean="0"/>
+              <a:t> </a:t>
+            </a:r>
+            <a:r>
+              <a:rPr lang="en-US" altLang="zh-CN" dirty="0" smtClean="0"/>
+              <a:t>different</a:t>
+            </a:r>
+            <a:r>
+              <a:rPr lang="zh-CN" altLang="en-US" dirty="0" smtClean="0"/>
+              <a:t> </a:t>
+            </a:r>
+            <a:r>
+              <a:rPr lang="en-US" altLang="zh-CN" dirty="0" smtClean="0"/>
+              <a:t>from</a:t>
+            </a:r>
+            <a:r>
+              <a:rPr lang="zh-CN" altLang="en-US" dirty="0" smtClean="0"/>
+              <a:t> </a:t>
+            </a:r>
+            <a:r>
+              <a:rPr lang="en-US" altLang="zh-CN" dirty="0" smtClean="0"/>
+              <a:t>others</a:t>
+            </a:r>
+          </a:p>
+          <a:p>
+            <a:pPr lvl="2"/>
+            <a:r>
+              <a:rPr lang="en-US" altLang="zh-CN" dirty="0" smtClean="0"/>
+              <a:t>Ring</a:t>
+            </a:r>
+            <a:r>
+              <a:rPr lang="zh-CN" altLang="en-US" dirty="0" smtClean="0"/>
+              <a:t> </a:t>
+            </a:r>
+            <a:r>
+              <a:rPr lang="en-US" altLang="zh-CN" dirty="0" smtClean="0"/>
+              <a:t>Finger</a:t>
+            </a:r>
+            <a:r>
+              <a:rPr lang="zh-CN" altLang="en-US" dirty="0" smtClean="0"/>
+              <a:t> </a:t>
+            </a:r>
+            <a:r>
+              <a:rPr lang="en-US" altLang="zh-CN" dirty="0" smtClean="0"/>
+              <a:t>and</a:t>
+            </a:r>
+            <a:r>
+              <a:rPr lang="zh-CN" altLang="en-US" dirty="0" smtClean="0"/>
+              <a:t> </a:t>
+            </a:r>
+            <a:r>
+              <a:rPr lang="en-US" altLang="zh-CN" dirty="0" smtClean="0"/>
+              <a:t>Pinky</a:t>
+            </a:r>
+            <a:r>
+              <a:rPr lang="zh-CN" altLang="en-US" dirty="0" smtClean="0"/>
+              <a:t> </a:t>
+            </a:r>
+            <a:r>
+              <a:rPr lang="en-US" altLang="zh-CN" dirty="0" smtClean="0"/>
+              <a:t>Finger</a:t>
+            </a:r>
+            <a:r>
+              <a:rPr lang="zh-CN" altLang="en-US" dirty="0" smtClean="0"/>
+              <a:t> </a:t>
+            </a:r>
+            <a:r>
+              <a:rPr lang="en-US" altLang="zh-CN" dirty="0" smtClean="0"/>
+              <a:t>Move</a:t>
+            </a:r>
+            <a:r>
+              <a:rPr lang="zh-CN" altLang="en-US" dirty="0" smtClean="0"/>
+              <a:t> </a:t>
+            </a:r>
+            <a:r>
+              <a:rPr lang="en-US" altLang="zh-CN" dirty="0" smtClean="0"/>
+              <a:t>together</a:t>
+            </a:r>
+          </a:p>
+          <a:p>
+            <a:pPr lvl="1"/>
+            <a:r>
+              <a:rPr lang="en-US" altLang="zh-CN" dirty="0" smtClean="0"/>
+              <a:t>Sensitivity</a:t>
+            </a:r>
+            <a:r>
+              <a:rPr lang="zh-CN" altLang="en-US" dirty="0" smtClean="0"/>
+              <a:t> </a:t>
+            </a:r>
+            <a:r>
+              <a:rPr lang="en-US" altLang="zh-CN" dirty="0" smtClean="0"/>
+              <a:t>difference</a:t>
+            </a:r>
+            <a:r>
+              <a:rPr lang="zh-CN" altLang="en-US" dirty="0" smtClean="0"/>
+              <a:t> </a:t>
+            </a:r>
+            <a:r>
+              <a:rPr lang="en-US" altLang="zh-CN" dirty="0" smtClean="0"/>
+              <a:t>between</a:t>
+            </a:r>
+            <a:r>
+              <a:rPr lang="zh-CN" altLang="en-US" dirty="0" smtClean="0"/>
+              <a:t> </a:t>
+            </a:r>
+            <a:r>
+              <a:rPr lang="en-US" altLang="zh-CN" dirty="0" smtClean="0"/>
+              <a:t>left</a:t>
+            </a:r>
+            <a:r>
+              <a:rPr lang="zh-CN" altLang="en-US" dirty="0" smtClean="0"/>
+              <a:t> </a:t>
+            </a:r>
+            <a:r>
+              <a:rPr lang="en-US" altLang="zh-CN" dirty="0" smtClean="0"/>
+              <a:t>and</a:t>
+            </a:r>
+            <a:r>
+              <a:rPr lang="zh-CN" altLang="en-US" dirty="0" smtClean="0"/>
+              <a:t> </a:t>
+            </a:r>
+            <a:r>
+              <a:rPr lang="en-US" altLang="zh-CN" dirty="0" smtClean="0"/>
+              <a:t>right</a:t>
+            </a:r>
+            <a:r>
+              <a:rPr lang="zh-CN" altLang="en-US" dirty="0" smtClean="0"/>
+              <a:t> </a:t>
+            </a:r>
+            <a:r>
+              <a:rPr lang="en-US" altLang="zh-CN" dirty="0" smtClean="0"/>
+              <a:t>hand,</a:t>
+            </a:r>
+            <a:r>
+              <a:rPr lang="zh-CN" altLang="en-US" dirty="0" smtClean="0"/>
+              <a:t> </a:t>
+            </a:r>
+            <a:r>
+              <a:rPr lang="en-US" altLang="zh-CN" dirty="0" smtClean="0"/>
+              <a:t>and</a:t>
+            </a:r>
+            <a:r>
+              <a:rPr lang="zh-CN" altLang="en-US" dirty="0" smtClean="0"/>
+              <a:t> </a:t>
+            </a:r>
+            <a:r>
+              <a:rPr lang="en-US" altLang="zh-CN" dirty="0" smtClean="0"/>
+              <a:t>among</a:t>
+            </a:r>
+            <a:r>
+              <a:rPr lang="zh-CN" altLang="en-US" dirty="0" smtClean="0"/>
+              <a:t> </a:t>
+            </a:r>
+            <a:r>
+              <a:rPr lang="en-US" altLang="zh-CN" dirty="0" smtClean="0"/>
+              <a:t>different</a:t>
+            </a:r>
+            <a:r>
+              <a:rPr lang="zh-CN" altLang="en-US" dirty="0" smtClean="0"/>
+              <a:t> </a:t>
+            </a:r>
+            <a:r>
+              <a:rPr lang="en-US" altLang="zh-CN" dirty="0" smtClean="0"/>
+              <a:t>users</a:t>
+            </a:r>
+            <a:endParaRPr lang="en-US" altLang="zh-CN" dirty="0" smtClean="0"/>
+          </a:p>
+          <a:p>
+            <a:pPr lvl="1"/>
+            <a:r>
+              <a:rPr lang="en-US" dirty="0" smtClean="0"/>
+              <a:t>Find </a:t>
+            </a:r>
+            <a:r>
+              <a:rPr lang="en-US" dirty="0"/>
+              <a:t>the best threshold parameters (distance, velocity)</a:t>
+            </a:r>
+          </a:p>
+          <a:p>
+            <a:pPr lvl="1"/>
+            <a:r>
+              <a:rPr lang="en-US" dirty="0"/>
+              <a:t>Use different criteria as the Leap Motion is sometimes insensitive</a:t>
+            </a:r>
+          </a:p>
+          <a:p>
+            <a:endParaRPr lang="fr-FR" altLang="zh-CN" dirty="0" smtClean="0"/>
+          </a:p>
+        </p:txBody>
+      </p:sp>
+      <p:sp>
+        <p:nvSpPr>
+          <p:cNvPr id="4" name="Slide Number Placeholder 3"/>
+          <p:cNvSpPr>
+            <a:spLocks noGrp="1"/>
+          </p:cNvSpPr>
+          <p:nvPr>
+            <p:ph type="sldNum" sz="quarter" idx="12"/>
+          </p:nvPr>
+        </p:nvSpPr>
+        <p:spPr/>
+        <p:txBody>
+          <a:bodyPr/>
+          <a:lstStyle/>
+          <a:p>
+            <a:fld id="{69E57DC2-970A-4B3E-BB1C-7A09969E49DF}" type="slidenum">
+              <a:rPr lang="en-US" smtClean="0"/>
+              <a:t>12</a:t>
+            </a:fld>
+            <a:endParaRPr lang="en-US" dirty="0"/>
+          </a:p>
+        </p:txBody>
+      </p:sp>
+    </p:spTree>
+    <p:extLst>
+      <p:ext uri="{BB962C8B-B14F-4D97-AF65-F5344CB8AC3E}">
+        <p14:creationId xmlns:p14="http://schemas.microsoft.com/office/powerpoint/2010/main" val="528325087"/>
+      </p:ext>
+    </p:extLst>
+  </p:cSld>
+  <p:clrMapOvr>
+    <a:masterClrMapping/>
+  </p:clrMapOvr>
+  <p:timing>
+    <p:tnLst>
+      <p:par>
+        <p:cTn id="1" dur="indefinite" restart="never" nodeType="tmRoot"/>
+      </p:par>
+    </p:tnLst>
+  </p:timing>
+</p:sld>
+</file>
+
+<file path=ppt/slides/slide13.xml><?xml version="1.0" encoding="utf-8"?>
+<p:sld xmlns:a="http://schemas.openxmlformats.org/drawingml/2006/main" xmlns:r="http://schemas.openxmlformats.org/officeDocument/2006/relationships" xmlns:p="http://schemas.openxmlformats.org/presentationml/2006/main">
+  <p:cSld>
+    <p:spTree>
+      <p:nvGrpSpPr>
+        <p:cNvPr id="1" name=""/>
+        <p:cNvGrpSpPr/>
+        <p:nvPr/>
+      </p:nvGrpSpPr>
+      <p:grpSpPr>
+        <a:xfrm>
+          <a:off x="0" y="0"/>
+          <a:ext cx="0" cy="0"/>
+          <a:chOff x="0" y="0"/>
+          <a:chExt cx="0" cy="0"/>
+        </a:xfrm>
+      </p:grpSpPr>
+      <p:sp>
+        <p:nvSpPr>
+          <p:cNvPr id="4" name="Title 3"/>
+          <p:cNvSpPr>
+            <a:spLocks noGrp="1"/>
+          </p:cNvSpPr>
+          <p:nvPr>
+            <p:ph type="title"/>
+          </p:nvPr>
+        </p:nvSpPr>
+        <p:spPr/>
+        <p:txBody>
+          <a:bodyPr/>
+          <a:lstStyle/>
+          <a:p>
+            <a:pPr algn="ctr"/>
+            <a:r>
+              <a:rPr lang="en-US" altLang="zh-CN" dirty="0" smtClean="0"/>
+              <a:t>Thanks</a:t>
+            </a:r>
+            <a:r>
+              <a:rPr lang="zh-CN" altLang="en-US" dirty="0" smtClean="0"/>
+              <a:t> </a:t>
+            </a:r>
+            <a:r>
+              <a:rPr lang="fr-FR" altLang="zh-CN" dirty="0" smtClean="0"/>
+              <a:t/>
+            </a:r>
+            <a:br>
+              <a:rPr lang="fr-FR" altLang="zh-CN" dirty="0" smtClean="0"/>
+            </a:br>
+            <a:r>
+              <a:rPr lang="fr-FR" altLang="zh-CN" dirty="0" err="1" smtClean="0"/>
+              <a:t>QUESTIONs</a:t>
+            </a:r>
+            <a:r>
+              <a:rPr lang="fr-FR" altLang="zh-CN" dirty="0" smtClean="0"/>
+              <a:t>?</a:t>
+            </a:r>
+            <a:endParaRPr lang="en-US" dirty="0"/>
+          </a:p>
+        </p:txBody>
+      </p:sp>
+      <p:sp>
+        <p:nvSpPr>
+          <p:cNvPr id="2" name="Slide Number Placeholder 1"/>
+          <p:cNvSpPr>
+            <a:spLocks noGrp="1"/>
+          </p:cNvSpPr>
+          <p:nvPr>
+            <p:ph type="sldNum" sz="quarter" idx="12"/>
+          </p:nvPr>
+        </p:nvSpPr>
+        <p:spPr/>
+        <p:txBody>
+          <a:bodyPr/>
+          <a:lstStyle/>
+          <a:p>
+            <a:fld id="{69E57DC2-970A-4B3E-BB1C-7A09969E49DF}" type="slidenum">
+              <a:rPr lang="en-US" smtClean="0"/>
+              <a:pPr/>
+              <a:t>13</a:t>
+            </a:fld>
+            <a:endParaRPr lang="en-US" dirty="0"/>
+          </a:p>
+        </p:txBody>
+      </p:sp>
+    </p:spTree>
+    <p:extLst>
+      <p:ext uri="{BB962C8B-B14F-4D97-AF65-F5344CB8AC3E}">
+        <p14:creationId xmlns:p14="http://schemas.microsoft.com/office/powerpoint/2010/main" val="339778616"/>
       </p:ext>
     </p:extLst>
   </p:cSld>
@@ -4562,8 +10874,19 @@
           <a:lstStyle/>
           <a:p>
             <a:r>
-              <a:rPr lang="en-US" altLang="zh-CN" dirty="0" err="1" smtClean="0"/>
-              <a:t>Outil</a:t>
+              <a:rPr lang="en-US" altLang="zh-CN" dirty="0" smtClean="0"/>
+              <a:t>Introduction</a:t>
+            </a:r>
+            <a:r>
+              <a:rPr lang="zh-CN" altLang="en-US" dirty="0" smtClean="0"/>
+              <a:t> </a:t>
+            </a:r>
+            <a:endParaRPr lang="en-US" altLang="zh-CN" dirty="0" smtClean="0"/>
+          </a:p>
+          <a:p>
+            <a:r>
+              <a:rPr lang="en-US" altLang="zh-CN" dirty="0" smtClean="0"/>
+              <a:t>Tools</a:t>
             </a:r>
             <a:endParaRPr lang="en-US" altLang="zh-CN" dirty="0" smtClean="0"/>
           </a:p>
@@ -4619,7 +10942,7 @@
           <a:p>
             <a:r>
               <a:rPr lang="en-US" altLang="zh-CN" dirty="0" smtClean="0"/>
-              <a:t>Gesture</a:t>
+              <a:t>Music</a:t>
             </a:r>
             <a:r>
               <a:rPr lang="zh-CN" altLang="en-US" dirty="0" smtClean="0"/>
@@ -4627,14 +10950,36 @@
             </a:r>
             <a:r>
               <a:rPr lang="en-US" altLang="zh-CN" dirty="0" smtClean="0"/>
+              <a:t>Stream</a:t>
+            </a:r>
+            <a:endParaRPr lang="en-US" altLang="zh-CN" dirty="0" smtClean="0"/>
+          </a:p>
+          <a:p>
+            <a:r>
+              <a:rPr lang="en-US" altLang="zh-CN" dirty="0"/>
+              <a:t>Gesture</a:t>
+            </a:r>
+            <a:r>
+              <a:rPr lang="zh-CN" altLang="en-US" dirty="0"/>
+              <a:t> </a:t>
+            </a:r>
+            <a:r>
+              <a:rPr lang="en-US" altLang="zh-CN" dirty="0"/>
               <a:t>recognition</a:t>
             </a:r>
           </a:p>
           <a:p>
             <a:r>
-              <a:rPr lang="en-US" altLang="zh-CN" dirty="0"/>
+              <a:rPr lang="en-US" altLang="zh-CN" dirty="0" smtClean="0"/>
               <a:t>Algorithm</a:t>
             </a:r>
+          </a:p>
+          <a:p>
+            <a:r>
+              <a:rPr lang="en-US" altLang="zh-CN" dirty="0" smtClean="0"/>
+              <a:t>Conclusion</a:t>
+            </a:r>
+            <a:endParaRPr lang="en-US" altLang="zh-CN" dirty="0"/>
           </a:p>
           <a:p>
             <a:endParaRPr lang="en-US" altLang="zh-CN" dirty="0" smtClean="0"/>
@@ -4704,6 +11049,126 @@
       </p:grpSpPr>
       <p:sp>
         <p:nvSpPr>
+          <p:cNvPr id="6" name="Title 5"/>
+          <p:cNvSpPr>
+            <a:spLocks noGrp="1"/>
+          </p:cNvSpPr>
+          <p:nvPr>
+            <p:ph type="title"/>
+          </p:nvPr>
+        </p:nvSpPr>
+        <p:spPr/>
+        <p:txBody>
+          <a:bodyPr/>
+          <a:lstStyle/>
+          <a:p>
+            <a:r>
+              <a:rPr lang="en-US" altLang="zh-CN" dirty="0" smtClean="0"/>
+              <a:t>Introduction</a:t>
+            </a:r>
+            <a:endParaRPr lang="en-GB" dirty="0"/>
+          </a:p>
+        </p:txBody>
+      </p:sp>
+      <p:sp>
+        <p:nvSpPr>
+          <p:cNvPr id="7" name="Content Placeholder 6"/>
+          <p:cNvSpPr>
+            <a:spLocks noGrp="1"/>
+          </p:cNvSpPr>
+          <p:nvPr>
+            <p:ph idx="1"/>
+          </p:nvPr>
+        </p:nvSpPr>
+        <p:spPr/>
+        <p:txBody>
+          <a:bodyPr/>
+          <a:lstStyle/>
+          <a:p>
+            <a:r>
+              <a:rPr lang="en-US" altLang="zh-CN" dirty="0" smtClean="0"/>
+              <a:t>Create music from gesture.</a:t>
+            </a:r>
+          </a:p>
+          <a:p>
+            <a:endParaRPr lang="en-US" altLang="zh-CN" dirty="0" smtClean="0"/>
+          </a:p>
+          <a:p>
+            <a:r>
+              <a:rPr lang="en-US" dirty="0" smtClean="0"/>
+              <a:t>Control the sounds notation and octave. </a:t>
+            </a:r>
+          </a:p>
+          <a:p>
+            <a:endParaRPr lang="en-US" dirty="0"/>
+          </a:p>
+          <a:p>
+            <a:endParaRPr lang="en-US" dirty="0" smtClean="0"/>
+          </a:p>
+          <a:p>
+            <a:endParaRPr lang="en-US" dirty="0" smtClean="0"/>
+          </a:p>
+          <a:p>
+            <a:endParaRPr lang="en-GB" dirty="0"/>
+          </a:p>
+        </p:txBody>
+      </p:sp>
+      <p:sp>
+        <p:nvSpPr>
+          <p:cNvPr id="5" name="Slide Number Placeholder 4"/>
+          <p:cNvSpPr>
+            <a:spLocks noGrp="1"/>
+          </p:cNvSpPr>
+          <p:nvPr>
+            <p:ph type="sldNum" sz="quarter" idx="12"/>
+          </p:nvPr>
+        </p:nvSpPr>
+        <p:spPr/>
+        <p:txBody>
+          <a:bodyPr/>
+          <a:lstStyle/>
+          <a:p>
+            <a:fld id="{69E57DC2-970A-4B3E-BB1C-7A09969E49DF}" type="slidenum">
+              <a:rPr lang="en-US" smtClean="0"/>
+              <a:pPr/>
+              <a:t>3</a:t>
+            </a:fld>
+            <a:endParaRPr lang="en-US" dirty="0"/>
+          </a:p>
+        </p:txBody>
+      </p:sp>
+    </p:spTree>
+    <p:extLst>
+      <p:ext uri="{BB962C8B-B14F-4D97-AF65-F5344CB8AC3E}">
+        <p14:creationId xmlns:p14="http://schemas.microsoft.com/office/powerpoint/2010/main" val="1299673627"/>
+      </p:ext>
+    </p:extLst>
+  </p:cSld>
+  <p:clrMapOvr>
+    <a:masterClrMapping/>
+  </p:clrMapOvr>
+</p:sld>
+</file>
+
+<file path=ppt/slides/slide4.xml><?xml version="1.0" encoding="utf-8"?>
+<p:sld xmlns:a="http://schemas.openxmlformats.org/drawingml/2006/main" xmlns:r="http://schemas.openxmlformats.org/officeDocument/2006/relationships" xmlns:p="http://schemas.openxmlformats.org/presentationml/2006/main">
+  <p:cSld>
+    <p:spTree>
+      <p:nvGrpSpPr>
+        <p:cNvPr id="1" name=""/>
+        <p:cNvGrpSpPr/>
+        <p:nvPr/>
+      </p:nvGrpSpPr>
+      <p:grpSpPr>
+        <a:xfrm>
+          <a:off x="0" y="0"/>
+          <a:ext cx="0" cy="0"/>
+          <a:chOff x="0" y="0"/>
+          <a:chExt cx="0" cy="0"/>
+        </a:xfrm>
+      </p:grpSpPr>
+      <p:sp>
+        <p:nvSpPr>
           <p:cNvPr id="2" name="Title 1"/>
           <p:cNvSpPr>
             <a:spLocks noGrp="1"/>
@@ -4750,7 +11215,7 @@
           <a:p>
             <a:fld id="{69E57DC2-970A-4B3E-BB1C-7A09969E49DF}" type="slidenum">
               <a:rPr lang="en-US" smtClean="0"/>
-              <a:t>3</a:t>
+              <a:t>4</a:t>
             </a:fld>
             <a:endParaRPr lang="en-US" dirty="0"/>
           </a:p>
@@ -4847,7 +11312,7 @@
 </p:sld>
 </file>
 
-<file path=ppt/slides/slide4.xml><?xml version="1.0" encoding="utf-8"?>
+<file path=ppt/slides/slide5.xml><?xml version="1.0" encoding="utf-8"?>
 <p:sld xmlns:a="http://schemas.openxmlformats.org/drawingml/2006/main" xmlns:r="http://schemas.openxmlformats.org/officeDocument/2006/relationships" xmlns:p="http://schemas.openxmlformats.org/presentationml/2006/main">
   <p:cSld>
     <p:spTree>
@@ -4881,7 +11346,7 @@
           <a:p>
             <a:r>
               <a:rPr lang="en-US" altLang="zh-CN" dirty="0" err="1" smtClean="0"/>
-              <a:t>Albeton</a:t>
+              <a:t>Ableton</a:t>
             </a:r>
             <a:r>
               <a:rPr lang="zh-CN" altLang="en-US" dirty="0" smtClean="0"/>
@@ -4912,7 +11377,7 @@
           <a:p>
             <a:fld id="{69E57DC2-970A-4B3E-BB1C-7A09969E49DF}" type="slidenum">
               <a:rPr lang="en-US" smtClean="0"/>
-              <a:t>4</a:t>
+              <a:t>5</a:t>
             </a:fld>
             <a:endParaRPr lang="en-US" dirty="0"/>
           </a:p>
@@ -4993,7 +11458,7 @@
 </p:sld>
 </file>
 
-<file path=ppt/slides/slide5.xml><?xml version="1.0" encoding="utf-8"?>
+<file path=ppt/slides/slide6.xml><?xml version="1.0" encoding="utf-8"?>
 <p:sld xmlns:a="http://schemas.openxmlformats.org/drawingml/2006/main" xmlns:r="http://schemas.openxmlformats.org/officeDocument/2006/relationships" xmlns:p="http://schemas.openxmlformats.org/presentationml/2006/main">
   <p:cSld>
     <p:spTree>
@@ -5268,7 +11733,7 @@
           <a:p>
             <a:fld id="{69E57DC2-970A-4B3E-BB1C-7A09969E49DF}" type="slidenum">
               <a:rPr lang="en-US" smtClean="0"/>
-              <a:t>5</a:t>
+              <a:t>6</a:t>
             </a:fld>
             <a:endParaRPr lang="en-US" dirty="0"/>
           </a:p>
@@ -5324,126 +11789,6 @@
 </p:sld>
 </file>
 
-<file path=ppt/slides/slide6.xml><?xml version="1.0" encoding="utf-8"?>
-<p:sld xmlns:a="http://schemas.openxmlformats.org/drawingml/2006/main" xmlns:r="http://schemas.openxmlformats.org/officeDocument/2006/relationships" xmlns:p="http://schemas.openxmlformats.org/presentationml/2006/main">
-  <p:cSld>
-    <p:spTree>
-      <p:nvGrpSpPr>
-        <p:cNvPr id="1" name=""/>
-        <p:cNvGrpSpPr/>
-        <p:nvPr/>
-      </p:nvGrpSpPr>
-      <p:grpSpPr>
-        <a:xfrm>
-          <a:off x="0" y="0"/>
-          <a:ext cx="0" cy="0"/>
-          <a:chOff x="0" y="0"/>
-          <a:chExt cx="0" cy="0"/>
-        </a:xfrm>
-      </p:grpSpPr>
-      <p:sp>
-        <p:nvSpPr>
-          <p:cNvPr id="2" name="Title 1"/>
-          <p:cNvSpPr>
-            <a:spLocks noGrp="1"/>
-          </p:cNvSpPr>
-          <p:nvPr>
-            <p:ph type="title"/>
-          </p:nvPr>
-        </p:nvSpPr>
-        <p:spPr/>
-        <p:txBody>
-          <a:bodyPr/>
-          <a:lstStyle/>
-          <a:p>
-            <a:r>
-              <a:rPr lang="en-US" altLang="zh-CN" dirty="0" smtClean="0"/>
-              <a:t>Gesture</a:t>
-            </a:r>
-            <a:r>
-              <a:rPr lang="zh-CN" altLang="en-US" dirty="0" smtClean="0"/>
-              <a:t> </a:t>
-            </a:r>
-            <a:r>
-              <a:rPr lang="en-US" altLang="zh-CN" dirty="0" smtClean="0"/>
-              <a:t>recognition</a:t>
-            </a:r>
-            <a:endParaRPr lang="fr-FR" dirty="0"/>
-          </a:p>
-        </p:txBody>
-      </p:sp>
-      <p:sp>
-        <p:nvSpPr>
-          <p:cNvPr id="3" name="Slide Number Placeholder 2"/>
-          <p:cNvSpPr>
-            <a:spLocks noGrp="1"/>
-          </p:cNvSpPr>
-          <p:nvPr>
-            <p:ph type="sldNum" sz="quarter" idx="12"/>
-          </p:nvPr>
-        </p:nvSpPr>
-        <p:spPr/>
-        <p:txBody>
-          <a:bodyPr/>
-          <a:lstStyle/>
-          <a:p>
-            <a:fld id="{69E57DC2-970A-4B3E-BB1C-7A09969E49DF}" type="slidenum">
-              <a:rPr lang="en-US" smtClean="0"/>
-              <a:t>6</a:t>
-            </a:fld>
-            <a:endParaRPr lang="en-US" dirty="0"/>
-          </a:p>
-        </p:txBody>
-      </p:sp>
-      <p:pic>
-        <p:nvPicPr>
-          <p:cNvPr id="6" name="Content Placeholder 5"/>
-          <p:cNvPicPr>
-            <a:picLocks noGrp="1" noChangeAspect="1"/>
-          </p:cNvPicPr>
-          <p:nvPr>
-            <p:ph idx="1"/>
-          </p:nvPr>
-        </p:nvPicPr>
-        <p:blipFill>
-          <a:blip r:embed="rId2">
-            <a:extLst>
-              <a:ext uri="{28A0092B-C50C-407E-A947-70E740481C1C}">
-                <a14:useLocalDpi xmlns:a14="http://schemas.microsoft.com/office/drawing/2010/main" val="0"/>
-              </a:ext>
-            </a:extLst>
-          </a:blip>
-          <a:stretch>
-            <a:fillRect/>
-          </a:stretch>
-        </p:blipFill>
-        <p:spPr>
-          <a:xfrm>
-            <a:off x="1371600" y="2171699"/>
-            <a:ext cx="5532783" cy="3889943"/>
-          </a:xfrm>
-        </p:spPr>
-      </p:pic>
-    </p:spTree>
-    <p:extLst>
-      <p:ext uri="{BB962C8B-B14F-4D97-AF65-F5344CB8AC3E}">
-        <p14:creationId xmlns:p14="http://schemas.microsoft.com/office/powerpoint/2010/main" val="1578251910"/>
-      </p:ext>
-    </p:extLst>
-  </p:cSld>
-  <p:clrMapOvr>
-    <a:masterClrMapping/>
-  </p:clrMapOvr>
-  <p:timing>
-    <p:tnLst>
-      <p:par>
-        <p:cTn id="1" dur="indefinite" restart="never" nodeType="tmRoot"/>
-      </p:par>
-    </p:tnLst>
-  </p:timing>
-</p:sld>
-</file>
-
 <file path=ppt/slides/slide7.xml><?xml version="1.0" encoding="utf-8"?>
 <p:sld xmlns:a="http://schemas.openxmlformats.org/drawingml/2006/main" xmlns:r="http://schemas.openxmlformats.org/officeDocument/2006/relationships" xmlns:p="http://schemas.openxmlformats.org/presentationml/2006/main">
   <p:cSld>
@@ -5478,38 +11823,7 @@
           <a:p>
             <a:r>
               <a:rPr lang="en-US" altLang="zh-CN" dirty="0" smtClean="0"/>
-              <a:t>Finger</a:t>
-            </a:r>
-            <a:r>
-              <a:rPr lang="zh-CN" altLang="en-US" dirty="0"/>
-              <a:t> </a:t>
-            </a:r>
-            <a:r>
-              <a:rPr lang="en-US" altLang="zh-CN" dirty="0" smtClean="0"/>
-              <a:t>Moving</a:t>
-            </a:r>
-            <a:endParaRPr lang="en-GB" dirty="0"/>
-          </a:p>
-        </p:txBody>
-      </p:sp>
-      <p:sp>
-        <p:nvSpPr>
-          <p:cNvPr id="3" name="Content Placeholder 2"/>
-          <p:cNvSpPr>
-            <a:spLocks noGrp="1"/>
-          </p:cNvSpPr>
-          <p:nvPr>
-            <p:ph idx="1"/>
-          </p:nvPr>
-        </p:nvSpPr>
-        <p:spPr/>
-        <p:txBody>
-          <a:bodyPr/>
-          <a:lstStyle/>
-          <a:p>
-            <a:r>
-              <a:rPr lang="en-US" altLang="zh-CN" dirty="0" smtClean="0"/>
-              <a:t>Simulation</a:t>
+              <a:t>Music</a:t>
             </a:r>
             <a:r>
               <a:rPr lang="zh-CN" altLang="en-US" dirty="0" smtClean="0"/>
@@ -5517,266 +11831,9 @@
             </a:r>
             <a:r>
               <a:rPr lang="en-US" altLang="zh-CN" dirty="0" smtClean="0"/>
-              <a:t>:</a:t>
-            </a:r>
-            <a:r>
-              <a:rPr lang="zh-CN" altLang="en-US" dirty="0" smtClean="0"/>
-              <a:t> </a:t>
-            </a:r>
-            <a:r>
-              <a:rPr lang="en-US" altLang="zh-CN" dirty="0" smtClean="0"/>
-              <a:t>play</a:t>
-            </a:r>
-            <a:r>
-              <a:rPr lang="zh-CN" altLang="en-US" dirty="0" smtClean="0"/>
-              <a:t> </a:t>
-            </a:r>
-            <a:r>
-              <a:rPr lang="en-US" altLang="zh-CN" dirty="0" smtClean="0"/>
-              <a:t>the</a:t>
-            </a:r>
-            <a:r>
-              <a:rPr lang="zh-CN" altLang="en-US" dirty="0" smtClean="0"/>
-              <a:t> </a:t>
-            </a:r>
-            <a:r>
-              <a:rPr lang="en-US" altLang="zh-CN" dirty="0" smtClean="0"/>
-              <a:t>piano</a:t>
-            </a:r>
-          </a:p>
-          <a:p>
-            <a:r>
-              <a:rPr lang="en-US" altLang="zh-CN" dirty="0" smtClean="0"/>
-              <a:t>Condition:</a:t>
-            </a:r>
-          </a:p>
-          <a:p>
-            <a:pPr lvl="1"/>
-            <a:r>
-              <a:rPr lang="en-US" altLang="zh-CN" dirty="0" smtClean="0"/>
-              <a:t>The</a:t>
-            </a:r>
-            <a:r>
-              <a:rPr lang="zh-CN" altLang="en-US" dirty="0" smtClean="0"/>
-              <a:t> </a:t>
-            </a:r>
-            <a:r>
-              <a:rPr lang="en-US" altLang="zh-CN" dirty="0" smtClean="0"/>
-              <a:t>velocity</a:t>
-            </a:r>
-            <a:r>
-              <a:rPr lang="zh-CN" altLang="en-US" dirty="0" smtClean="0"/>
-              <a:t> </a:t>
-            </a:r>
-            <a:r>
-              <a:rPr lang="en-US" altLang="zh-CN" dirty="0" smtClean="0"/>
-              <a:t>of</a:t>
-            </a:r>
-            <a:r>
-              <a:rPr lang="zh-CN" altLang="en-US" dirty="0" smtClean="0"/>
-              <a:t> </a:t>
-            </a:r>
-            <a:r>
-              <a:rPr lang="en-US" altLang="zh-CN" dirty="0" smtClean="0"/>
-              <a:t>fingertip</a:t>
-            </a:r>
-            <a:r>
-              <a:rPr lang="zh-CN" altLang="en-US" dirty="0" smtClean="0"/>
-              <a:t> </a:t>
-            </a:r>
-            <a:r>
-              <a:rPr lang="en-US" altLang="zh-CN" dirty="0" smtClean="0"/>
-              <a:t>changes</a:t>
-            </a:r>
-            <a:r>
-              <a:rPr lang="zh-CN" altLang="en-US" dirty="0" smtClean="0"/>
-              <a:t> </a:t>
-            </a:r>
-            <a:r>
-              <a:rPr lang="en-US" altLang="zh-CN" dirty="0" smtClean="0"/>
-              <a:t>direction</a:t>
-            </a:r>
-          </a:p>
-          <a:p>
-            <a:pPr lvl="1"/>
-            <a:r>
-              <a:rPr lang="en-US" altLang="zh-CN" dirty="0" smtClean="0"/>
-              <a:t>Distance</a:t>
-            </a:r>
-            <a:r>
-              <a:rPr lang="zh-CN" altLang="en-US" dirty="0" smtClean="0"/>
-              <a:t> </a:t>
-            </a:r>
-            <a:r>
-              <a:rPr lang="en-US" altLang="zh-CN" dirty="0" smtClean="0"/>
-              <a:t>from</a:t>
-            </a:r>
-            <a:r>
-              <a:rPr lang="zh-CN" altLang="en-US" dirty="0" smtClean="0"/>
-              <a:t> </a:t>
-            </a:r>
-            <a:r>
-              <a:rPr lang="en-US" altLang="zh-CN" dirty="0" smtClean="0"/>
-              <a:t>leap</a:t>
-            </a:r>
-            <a:r>
-              <a:rPr lang="zh-CN" altLang="en-US" dirty="0" smtClean="0"/>
-              <a:t> </a:t>
-            </a:r>
-            <a:r>
-              <a:rPr lang="en-US" altLang="zh-CN" dirty="0" smtClean="0"/>
-              <a:t>motion</a:t>
-            </a:r>
-            <a:r>
-              <a:rPr lang="zh-CN" altLang="en-US" dirty="0" smtClean="0"/>
-              <a:t> </a:t>
-            </a:r>
-            <a:r>
-              <a:rPr lang="en-US" altLang="zh-CN" dirty="0" smtClean="0"/>
-              <a:t>&lt;</a:t>
-            </a:r>
-            <a:r>
-              <a:rPr lang="zh-CN" altLang="en-US" dirty="0" smtClean="0"/>
-              <a:t> </a:t>
-            </a:r>
-            <a:r>
-              <a:rPr lang="en-US" altLang="zh-CN" dirty="0" smtClean="0"/>
-              <a:t>h</a:t>
-            </a:r>
-            <a:r>
-              <a:rPr lang="zh-CN" altLang="en-US" dirty="0" smtClean="0"/>
-              <a:t> </a:t>
-            </a:r>
-            <a:r>
-              <a:rPr lang="en-US" altLang="zh-CN" dirty="0" smtClean="0"/>
-              <a:t>=</a:t>
-            </a:r>
-            <a:r>
-              <a:rPr lang="zh-CN" altLang="en-US" dirty="0" smtClean="0"/>
-              <a:t> </a:t>
-            </a:r>
-            <a:r>
-              <a:rPr lang="en-US" altLang="zh-CN" dirty="0" smtClean="0"/>
-              <a:t>6cm</a:t>
-            </a:r>
-          </a:p>
-          <a:p>
-            <a:pPr lvl="1"/>
-            <a:r>
-              <a:rPr lang="en-US" altLang="zh-CN" dirty="0" smtClean="0"/>
-              <a:t>Distance</a:t>
-            </a:r>
-            <a:r>
-              <a:rPr lang="zh-CN" altLang="en-US" dirty="0" smtClean="0"/>
-              <a:t> </a:t>
-            </a:r>
-            <a:r>
-              <a:rPr lang="en-US" altLang="zh-CN" dirty="0" smtClean="0"/>
-              <a:t>of</a:t>
-            </a:r>
-            <a:r>
-              <a:rPr lang="zh-CN" altLang="en-US" dirty="0" smtClean="0"/>
-              <a:t> </a:t>
-            </a:r>
-            <a:r>
-              <a:rPr lang="en-US" altLang="zh-CN" dirty="0"/>
-              <a:t>f</a:t>
-            </a:r>
-            <a:r>
-              <a:rPr lang="en-US" altLang="zh-CN" dirty="0" smtClean="0"/>
-              <a:t>ingertip</a:t>
-            </a:r>
-            <a:r>
-              <a:rPr lang="zh-CN" altLang="en-US" dirty="0" smtClean="0"/>
-              <a:t> </a:t>
-            </a:r>
-            <a:r>
-              <a:rPr lang="en-US" altLang="zh-CN" dirty="0" smtClean="0"/>
-              <a:t>to</a:t>
-            </a:r>
-            <a:r>
-              <a:rPr lang="zh-CN" altLang="en-US" dirty="0" smtClean="0"/>
-              <a:t> </a:t>
-            </a:r>
-            <a:r>
-              <a:rPr lang="en-US" altLang="zh-CN" dirty="0" smtClean="0"/>
-              <a:t>palm</a:t>
-            </a:r>
-            <a:r>
-              <a:rPr lang="zh-CN" altLang="en-US" dirty="0" smtClean="0"/>
-              <a:t> </a:t>
-            </a:r>
-            <a:r>
-              <a:rPr lang="en-US" altLang="zh-CN" dirty="0" smtClean="0"/>
-              <a:t>center</a:t>
-            </a:r>
-            <a:r>
-              <a:rPr lang="zh-CN" altLang="en-US" dirty="0" smtClean="0"/>
-              <a:t> </a:t>
-            </a:r>
-            <a:r>
-              <a:rPr lang="en-US" altLang="zh-CN" dirty="0" smtClean="0"/>
-              <a:t>reduces</a:t>
-            </a:r>
-          </a:p>
-          <a:p>
-            <a:pPr lvl="1"/>
-            <a:r>
-              <a:rPr lang="en-US" altLang="zh-CN" dirty="0" smtClean="0"/>
-              <a:t>Position</a:t>
-            </a:r>
-            <a:r>
-              <a:rPr lang="zh-CN" altLang="en-US" dirty="0" smtClean="0"/>
-              <a:t> </a:t>
-            </a:r>
-            <a:r>
-              <a:rPr lang="en-US" altLang="zh-CN" dirty="0" smtClean="0"/>
-              <a:t>change</a:t>
-            </a:r>
-            <a:r>
-              <a:rPr lang="zh-CN" altLang="en-US" dirty="0" smtClean="0"/>
-              <a:t> </a:t>
-            </a:r>
-            <a:r>
-              <a:rPr lang="en-US" altLang="zh-CN" dirty="0" smtClean="0"/>
-              <a:t>of</a:t>
-            </a:r>
-            <a:r>
-              <a:rPr lang="zh-CN" altLang="en-US" dirty="0" smtClean="0"/>
-              <a:t> </a:t>
-            </a:r>
-            <a:r>
-              <a:rPr lang="en-US" altLang="zh-CN" dirty="0" smtClean="0"/>
-              <a:t>fingertip</a:t>
-            </a:r>
-            <a:r>
-              <a:rPr lang="zh-CN" altLang="en-US" dirty="0" smtClean="0"/>
-              <a:t> </a:t>
-            </a:r>
-            <a:r>
-              <a:rPr lang="en-US" altLang="zh-CN" dirty="0" smtClean="0"/>
-              <a:t>is</a:t>
-            </a:r>
-            <a:r>
-              <a:rPr lang="zh-CN" altLang="en-US" dirty="0" smtClean="0"/>
-              <a:t> </a:t>
-            </a:r>
-            <a:r>
-              <a:rPr lang="en-US" altLang="zh-CN" dirty="0" smtClean="0"/>
-              <a:t>large</a:t>
-            </a:r>
-            <a:r>
-              <a:rPr lang="zh-CN" altLang="en-US" dirty="0" smtClean="0"/>
-              <a:t> </a:t>
-            </a:r>
-            <a:r>
-              <a:rPr lang="en-US" altLang="zh-CN" dirty="0" smtClean="0"/>
-              <a:t>enough</a:t>
-            </a:r>
-          </a:p>
-          <a:p>
-            <a:pPr lvl="1"/>
-            <a:endParaRPr lang="en-US" altLang="zh-CN" dirty="0" smtClean="0"/>
+              <a:t>Stream</a:t>
+            </a:r>
+            <a:endParaRPr lang="en-GB" dirty="0"/>
           </a:p>
         </p:txBody>
       </p:sp>
@@ -5803,10 +11860,32 @@
           </a:p>
         </p:txBody>
       </p:sp>
+      <p:graphicFrame>
+        <p:nvGraphicFramePr>
+          <p:cNvPr id="5" name="Diagram 4"/>
+          <p:cNvGraphicFramePr/>
+          <p:nvPr>
+            <p:extLst>
+              <p:ext uri="{D42A27DB-BD31-4B8C-83A1-F6EECF244321}">
+                <p14:modId xmlns:p14="http://schemas.microsoft.com/office/powerpoint/2010/main" val="1040730789"/>
+              </p:ext>
+            </p:extLst>
+          </p:nvPr>
+        </p:nvGraphicFramePr>
+        <p:xfrm>
+          <a:off x="2058505" y="706413"/>
+          <a:ext cx="8128000" cy="5418667"/>
+        </p:xfrm>
+        <a:graphic>
+          <a:graphicData uri="http://schemas.openxmlformats.org/drawingml/2006/diagram">
+            <dgm:relIds xmlns:dgm="http://schemas.openxmlformats.org/drawingml/2006/diagram" xmlns:r="http://schemas.openxmlformats.org/officeDocument/2006/relationships" r:dm="rId2" r:lo="rId3" r:qs="rId4" r:cs="rId5"/>
+          </a:graphicData>
+        </a:graphic>
+      </p:graphicFrame>
     </p:spTree>
     <p:extLst>
       <p:ext uri="{BB962C8B-B14F-4D97-AF65-F5344CB8AC3E}">
-        <p14:creationId xmlns:p14="http://schemas.microsoft.com/office/powerpoint/2010/main" val="1813941107"/>
+        <p14:creationId xmlns:p14="http://schemas.microsoft.com/office/powerpoint/2010/main" val="1190899755"/>
       </p:ext>
     </p:extLst>
   </p:cSld>
@@ -5850,104 +11929,23 @@
           <a:p>
             <a:r>
               <a:rPr lang="en-US" altLang="zh-CN" dirty="0" smtClean="0"/>
-              <a:t>Conclusion</a:t>
-            </a:r>
-            <a:endParaRPr lang="en-US" dirty="0"/>
+              <a:t>Gesture</a:t>
+            </a:r>
+            <a:r>
+              <a:rPr lang="zh-CN" altLang="en-US" dirty="0" smtClean="0"/>
+              <a:t> </a:t>
+            </a:r>
+            <a:r>
+              <a:rPr lang="en-US" altLang="zh-CN" dirty="0" smtClean="0"/>
+              <a:t>recognition</a:t>
+            </a:r>
+            <a:endParaRPr lang="fr-FR" dirty="0"/>
           </a:p>
         </p:txBody>
       </p:sp>
       <p:sp>
         <p:nvSpPr>
-          <p:cNvPr id="3" name="Content Placeholder 2"/>
-          <p:cNvSpPr>
-            <a:spLocks noGrp="1"/>
-          </p:cNvSpPr>
-          <p:nvPr>
-            <p:ph idx="1"/>
-          </p:nvPr>
-        </p:nvSpPr>
-        <p:spPr/>
-        <p:txBody>
-          <a:bodyPr/>
-          <a:lstStyle/>
-          <a:p>
-            <a:r>
-              <a:rPr lang="en-US" altLang="zh-CN" dirty="0" smtClean="0"/>
-              <a:t>Live</a:t>
-            </a:r>
-            <a:r>
-              <a:rPr lang="zh-CN" altLang="en-US" dirty="0" smtClean="0"/>
-              <a:t> </a:t>
-            </a:r>
-            <a:r>
-              <a:rPr lang="en-US" altLang="zh-CN" dirty="0" err="1" smtClean="0"/>
-              <a:t>Demostration</a:t>
-            </a:r>
-            <a:endParaRPr lang="en-US" altLang="zh-CN" dirty="0" smtClean="0"/>
-          </a:p>
-          <a:p>
-            <a:endParaRPr lang="en-US" altLang="zh-CN" dirty="0"/>
-          </a:p>
-          <a:p>
-            <a:r>
-              <a:rPr lang="en-US" altLang="zh-CN" dirty="0" smtClean="0"/>
-              <a:t>Difficulties:</a:t>
-            </a:r>
-            <a:r>
-              <a:rPr lang="zh-CN" altLang="en-US" dirty="0" smtClean="0"/>
-              <a:t> </a:t>
-            </a:r>
-            <a:r>
-              <a:rPr lang="en-US" altLang="zh-CN" dirty="0" smtClean="0"/>
-              <a:t>thumb</a:t>
-            </a:r>
-            <a:r>
-              <a:rPr lang="zh-CN" altLang="en-US" dirty="0" smtClean="0"/>
-              <a:t> </a:t>
-            </a:r>
-            <a:r>
-              <a:rPr lang="en-US" altLang="zh-CN" dirty="0" smtClean="0"/>
-              <a:t>moving</a:t>
-            </a:r>
-            <a:r>
-              <a:rPr lang="zh-CN" altLang="en-US" dirty="0" smtClean="0"/>
-              <a:t> </a:t>
-            </a:r>
-            <a:r>
-              <a:rPr lang="en-US" altLang="zh-CN" dirty="0" smtClean="0"/>
-              <a:t>conditions</a:t>
-            </a:r>
-            <a:r>
-              <a:rPr lang="zh-CN" altLang="en-US" dirty="0" smtClean="0"/>
-              <a:t> </a:t>
-            </a:r>
-            <a:r>
-              <a:rPr lang="en-US" altLang="zh-CN" dirty="0" smtClean="0"/>
-              <a:t>different</a:t>
-            </a:r>
-            <a:r>
-              <a:rPr lang="zh-CN" altLang="en-US" dirty="0" smtClean="0"/>
-              <a:t> </a:t>
-            </a:r>
-            <a:r>
-              <a:rPr lang="en-US" altLang="zh-CN" dirty="0" smtClean="0"/>
-              <a:t>from</a:t>
-            </a:r>
-            <a:r>
-              <a:rPr lang="zh-CN" altLang="en-US" dirty="0" smtClean="0"/>
-              <a:t> </a:t>
-            </a:r>
-            <a:r>
-              <a:rPr lang="en-US" altLang="zh-CN" dirty="0" smtClean="0"/>
-              <a:t>others</a:t>
-            </a:r>
-            <a:endParaRPr lang="fr-FR" altLang="zh-CN" dirty="0" smtClean="0"/>
-          </a:p>
-        </p:txBody>
-      </p:sp>
-      <p:sp>
-        <p:nvSpPr>
-          <p:cNvPr id="4" name="Slide Number Placeholder 3"/>
+          <p:cNvPr id="3" name="Slide Number Placeholder 2"/>
           <p:cNvSpPr>
             <a:spLocks noGrp="1"/>
           </p:cNvSpPr>
@@ -5968,10 +11966,63 @@
           </a:p>
         </p:txBody>
       </p:sp>
+      <p:pic>
+        <p:nvPicPr>
+          <p:cNvPr id="6" name="Content Placeholder 5"/>
+          <p:cNvPicPr>
+            <a:picLocks noGrp="1" noChangeAspect="1"/>
+          </p:cNvPicPr>
+          <p:nvPr>
+            <p:ph idx="1"/>
+          </p:nvPr>
+        </p:nvPicPr>
+        <p:blipFill>
+          <a:blip r:embed="rId2">
+            <a:extLst>
+              <a:ext uri="{28A0092B-C50C-407E-A947-70E740481C1C}">
+                <a14:useLocalDpi xmlns:a14="http://schemas.microsoft.com/office/drawing/2010/main" val="0"/>
+              </a:ext>
+            </a:extLst>
+          </a:blip>
+          <a:stretch>
+            <a:fillRect/>
+          </a:stretch>
+        </p:blipFill>
+        <p:spPr>
+          <a:xfrm>
+            <a:off x="934278" y="2171696"/>
+            <a:ext cx="5532783" cy="3889943"/>
+          </a:xfrm>
+        </p:spPr>
+      </p:pic>
+      <p:graphicFrame>
+        <p:nvGraphicFramePr>
+          <p:cNvPr id="8" name="Chart 7"/>
+          <p:cNvGraphicFramePr>
+            <a:graphicFrameLocks/>
+          </p:cNvGraphicFramePr>
+          <p:nvPr>
+            <p:extLst>
+              <p:ext uri="{D42A27DB-BD31-4B8C-83A1-F6EECF244321}">
+                <p14:modId xmlns:p14="http://schemas.microsoft.com/office/powerpoint/2010/main" val="379957023"/>
+              </p:ext>
+            </p:extLst>
+          </p:nvPr>
+        </p:nvGraphicFramePr>
+        <p:xfrm>
+          <a:off x="6409726" y="2166754"/>
+          <a:ext cx="5782274" cy="3894885"/>
+        </p:xfrm>
+        <a:graphic>
+          <a:graphicData uri="http://schemas.openxmlformats.org/drawingml/2006/chart">
+            <c:chart xmlns:c="http://schemas.openxmlformats.org/drawingml/2006/chart" xmlns:r="http://schemas.openxmlformats.org/officeDocument/2006/relationships" r:id="rId3"/>
+          </a:graphicData>
+        </a:graphic>
+      </p:graphicFrame>
     </p:spTree>
     <p:extLst>
       <p:ext uri="{BB962C8B-B14F-4D97-AF65-F5344CB8AC3E}">
-        <p14:creationId xmlns:p14="http://schemas.microsoft.com/office/powerpoint/2010/main" val="528325087"/>
+        <p14:creationId xmlns:p14="http://schemas.microsoft.com/office/powerpoint/2010/main" val="1578251910"/>
       </p:ext>
     </p:extLst>
   </p:cSld>
@@ -6007,7 +12058,7 @@
       </p:grpSpPr>
       <p:sp>
         <p:nvSpPr>
-          <p:cNvPr id="4" name="Title 3"/>
+          <p:cNvPr id="2" name="Title 1"/>
           <p:cNvSpPr>
             <a:spLocks noGrp="1"/>
           </p:cNvSpPr>
@@ -6020,37 +12071,479 @@
           <a:bodyPr/>
           <a:lstStyle/>
           <a:p>
-            <a:pPr algn="ctr"/>
             <a:r>
               <a:rPr lang="en-US" altLang="zh-CN" dirty="0" smtClean="0"/>
-              <a:t>Thanks</a:t>
-            </a:r>
-            <a:r>
-              <a:rPr lang="zh-CN" altLang="en-US" dirty="0" smtClean="0"/>
+              <a:t>Finger</a:t>
+            </a:r>
+            <a:r>
+              <a:rPr lang="zh-CN" altLang="en-US" dirty="0"/>
               <a:t> </a:t>
             </a:r>
             <a:r>
-              <a:rPr lang="fr-FR" altLang="zh-CN" dirty="0" smtClean="0"/>
-              <a:t/>
-            </a:r>
-            <a:br>
-              <a:rPr lang="fr-FR" altLang="zh-CN" dirty="0" smtClean="0"/>
-            </a:br>
-            <a:r>
-              <a:rPr lang="fr-FR" altLang="zh-CN" dirty="0" err="1" smtClean="0"/>
-              <a:t>QUESTIONs</a:t>
-            </a:r>
-            <a:r>
-              <a:rPr lang="fr-FR" altLang="zh-CN" dirty="0" smtClean="0"/>
-              <a:t>?</a:t>
-            </a:r>
-            <a:endParaRPr lang="en-US" dirty="0"/>
+              <a:rPr lang="en-US" altLang="zh-CN" dirty="0" smtClean="0"/>
+              <a:t>Moving</a:t>
+            </a:r>
+            <a:endParaRPr lang="en-GB" dirty="0"/>
           </a:p>
         </p:txBody>
       </p:sp>
       <p:sp>
         <p:nvSpPr>
-          <p:cNvPr id="2" name="Slide Number Placeholder 1"/>
+          <p:cNvPr id="3" name="Content Placeholder 2"/>
+          <p:cNvSpPr>
+            <a:spLocks noGrp="1"/>
+          </p:cNvSpPr>
+          <p:nvPr>
+            <p:ph idx="1"/>
+          </p:nvPr>
+        </p:nvSpPr>
+        <p:spPr/>
+        <p:txBody>
+          <a:bodyPr/>
+          <a:lstStyle/>
+          <a:p>
+            <a:r>
+              <a:rPr lang="en-US" altLang="zh-CN" dirty="0" smtClean="0"/>
+              <a:t>Simulation</a:t>
+            </a:r>
+            <a:r>
+              <a:rPr lang="zh-CN" altLang="en-US" dirty="0" smtClean="0"/>
+              <a:t> </a:t>
+            </a:r>
+            <a:r>
+              <a:rPr lang="en-US" altLang="zh-CN" dirty="0" smtClean="0"/>
+              <a:t>:</a:t>
+            </a:r>
+            <a:r>
+              <a:rPr lang="zh-CN" altLang="en-US" dirty="0" smtClean="0"/>
+              <a:t> </a:t>
+            </a:r>
+            <a:r>
+              <a:rPr lang="en-US" altLang="zh-CN" dirty="0" smtClean="0"/>
+              <a:t>play</a:t>
+            </a:r>
+            <a:r>
+              <a:rPr lang="zh-CN" altLang="en-US" dirty="0" smtClean="0"/>
+              <a:t> </a:t>
+            </a:r>
+            <a:r>
+              <a:rPr lang="en-US" altLang="zh-CN" dirty="0" smtClean="0"/>
+              <a:t>the</a:t>
+            </a:r>
+            <a:r>
+              <a:rPr lang="zh-CN" altLang="en-US" dirty="0" smtClean="0"/>
+              <a:t> </a:t>
+            </a:r>
+            <a:r>
+              <a:rPr lang="en-US" altLang="zh-CN" dirty="0" smtClean="0"/>
+              <a:t>piano</a:t>
+            </a:r>
+            <a:r>
+              <a:rPr lang="zh-CN" altLang="en-US" dirty="0" smtClean="0"/>
+              <a:t> </a:t>
+            </a:r>
+            <a:r>
+              <a:rPr lang="en-US" altLang="zh-CN" dirty="0" smtClean="0"/>
+              <a:t>in</a:t>
+            </a:r>
+            <a:r>
+              <a:rPr lang="zh-CN" altLang="en-US" dirty="0" smtClean="0"/>
+              <a:t> </a:t>
+            </a:r>
+            <a:r>
+              <a:rPr lang="en-US" altLang="zh-CN" dirty="0" smtClean="0"/>
+              <a:t>the</a:t>
+            </a:r>
+            <a:r>
+              <a:rPr lang="zh-CN" altLang="en-US" dirty="0" smtClean="0"/>
+              <a:t> </a:t>
+            </a:r>
+            <a:r>
+              <a:rPr lang="en-US" altLang="zh-CN" dirty="0" smtClean="0"/>
+              <a:t>air</a:t>
+            </a:r>
+            <a:endParaRPr lang="en-US" altLang="zh-CN" dirty="0" smtClean="0"/>
+          </a:p>
+          <a:p>
+            <a:r>
+              <a:rPr lang="en-US" altLang="zh-CN" dirty="0" smtClean="0"/>
+              <a:t>Condition:</a:t>
+            </a:r>
+          </a:p>
+          <a:p>
+            <a:pPr lvl="1"/>
+            <a:r>
+              <a:rPr lang="en-US" altLang="zh-CN" dirty="0" smtClean="0"/>
+              <a:t>The</a:t>
+            </a:r>
+            <a:r>
+              <a:rPr lang="zh-CN" altLang="en-US" dirty="0" smtClean="0"/>
+              <a:t> </a:t>
+            </a:r>
+            <a:r>
+              <a:rPr lang="en-US" altLang="zh-CN" dirty="0" smtClean="0"/>
+              <a:t>velocity</a:t>
+            </a:r>
+            <a:r>
+              <a:rPr lang="zh-CN" altLang="en-US" dirty="0" smtClean="0"/>
+              <a:t> </a:t>
+            </a:r>
+            <a:r>
+              <a:rPr lang="en-US" altLang="zh-CN" dirty="0" smtClean="0"/>
+              <a:t>of</a:t>
+            </a:r>
+            <a:r>
+              <a:rPr lang="zh-CN" altLang="en-US" dirty="0" smtClean="0"/>
+              <a:t> </a:t>
+            </a:r>
+            <a:r>
+              <a:rPr lang="en-US" altLang="zh-CN" dirty="0" smtClean="0"/>
+              <a:t>fingertip</a:t>
+            </a:r>
+            <a:r>
+              <a:rPr lang="zh-CN" altLang="en-US" dirty="0" smtClean="0"/>
+              <a:t> </a:t>
+            </a:r>
+            <a:r>
+              <a:rPr lang="en-US" altLang="zh-CN" dirty="0" smtClean="0"/>
+              <a:t>changes</a:t>
+            </a:r>
+            <a:r>
+              <a:rPr lang="zh-CN" altLang="en-US" dirty="0" smtClean="0"/>
+              <a:t> </a:t>
+            </a:r>
+            <a:r>
+              <a:rPr lang="en-US" altLang="zh-CN" dirty="0" smtClean="0"/>
+              <a:t>direction</a:t>
+            </a:r>
+          </a:p>
+          <a:p>
+            <a:pPr lvl="1"/>
+            <a:r>
+              <a:rPr lang="en-US" altLang="zh-CN" dirty="0" smtClean="0"/>
+              <a:t>Distance</a:t>
+            </a:r>
+            <a:r>
+              <a:rPr lang="zh-CN" altLang="en-US" dirty="0" smtClean="0"/>
+              <a:t> </a:t>
+            </a:r>
+            <a:r>
+              <a:rPr lang="en-US" altLang="zh-CN" dirty="0" smtClean="0"/>
+              <a:t>from</a:t>
+            </a:r>
+            <a:r>
+              <a:rPr lang="zh-CN" altLang="en-US" dirty="0" smtClean="0"/>
+              <a:t> </a:t>
+            </a:r>
+            <a:r>
+              <a:rPr lang="en-US" altLang="zh-CN" dirty="0" smtClean="0"/>
+              <a:t>leap</a:t>
+            </a:r>
+            <a:r>
+              <a:rPr lang="zh-CN" altLang="en-US" dirty="0" smtClean="0"/>
+              <a:t> </a:t>
+            </a:r>
+            <a:r>
+              <a:rPr lang="en-US" altLang="zh-CN" dirty="0" smtClean="0"/>
+              <a:t>motion</a:t>
+            </a:r>
+            <a:r>
+              <a:rPr lang="zh-CN" altLang="en-US" dirty="0" smtClean="0"/>
+              <a:t> </a:t>
+            </a:r>
+            <a:r>
+              <a:rPr lang="en-US" altLang="zh-CN" dirty="0" smtClean="0"/>
+              <a:t>&lt;</a:t>
+            </a:r>
+            <a:r>
+              <a:rPr lang="zh-CN" altLang="en-US" dirty="0" smtClean="0"/>
+              <a:t> </a:t>
+            </a:r>
+            <a:r>
+              <a:rPr lang="en-US" altLang="zh-CN" dirty="0" smtClean="0"/>
+              <a:t>h</a:t>
+            </a:r>
+            <a:r>
+              <a:rPr lang="zh-CN" altLang="en-US" dirty="0" smtClean="0"/>
+              <a:t> </a:t>
+            </a:r>
+            <a:r>
+              <a:rPr lang="en-US" altLang="zh-CN" dirty="0" smtClean="0"/>
+              <a:t>=</a:t>
+            </a:r>
+            <a:r>
+              <a:rPr lang="zh-CN" altLang="en-US" dirty="0" smtClean="0"/>
+              <a:t> </a:t>
+            </a:r>
+            <a:r>
+              <a:rPr lang="en-US" altLang="zh-CN" dirty="0" smtClean="0"/>
+              <a:t>6cm</a:t>
+            </a:r>
+          </a:p>
+          <a:p>
+            <a:pPr lvl="1"/>
+            <a:r>
+              <a:rPr lang="en-US" altLang="zh-CN" dirty="0" smtClean="0"/>
+              <a:t>Distance</a:t>
+            </a:r>
+            <a:r>
+              <a:rPr lang="zh-CN" altLang="en-US" dirty="0" smtClean="0"/>
+              <a:t> </a:t>
+            </a:r>
+            <a:r>
+              <a:rPr lang="en-US" altLang="zh-CN" dirty="0" smtClean="0"/>
+              <a:t>of</a:t>
+            </a:r>
+            <a:r>
+              <a:rPr lang="zh-CN" altLang="en-US" dirty="0" smtClean="0"/>
+              <a:t> </a:t>
+            </a:r>
+            <a:r>
+              <a:rPr lang="en-US" altLang="zh-CN" dirty="0"/>
+              <a:t>f</a:t>
+            </a:r>
+            <a:r>
+              <a:rPr lang="en-US" altLang="zh-CN" dirty="0" smtClean="0"/>
+              <a:t>ingertip</a:t>
+            </a:r>
+            <a:r>
+              <a:rPr lang="zh-CN" altLang="en-US" dirty="0" smtClean="0"/>
+              <a:t> </a:t>
+            </a:r>
+            <a:r>
+              <a:rPr lang="en-US" altLang="zh-CN" dirty="0" smtClean="0"/>
+              <a:t>to</a:t>
+            </a:r>
+            <a:r>
+              <a:rPr lang="zh-CN" altLang="en-US" dirty="0" smtClean="0"/>
+              <a:t> </a:t>
+            </a:r>
+            <a:r>
+              <a:rPr lang="en-US" altLang="zh-CN" dirty="0" smtClean="0"/>
+              <a:t>palm</a:t>
+            </a:r>
+            <a:r>
+              <a:rPr lang="zh-CN" altLang="en-US" dirty="0" smtClean="0"/>
+              <a:t> </a:t>
+            </a:r>
+            <a:r>
+              <a:rPr lang="en-US" altLang="zh-CN" dirty="0" smtClean="0"/>
+              <a:t>center</a:t>
+            </a:r>
+            <a:r>
+              <a:rPr lang="zh-CN" altLang="en-US" dirty="0" smtClean="0"/>
+              <a:t> </a:t>
+            </a:r>
+            <a:r>
+              <a:rPr lang="en-US" altLang="zh-CN" dirty="0" smtClean="0"/>
+              <a:t>reduces</a:t>
+            </a:r>
+          </a:p>
+          <a:p>
+            <a:pPr lvl="1"/>
+            <a:r>
+              <a:rPr lang="en-US" altLang="zh-CN" dirty="0" smtClean="0"/>
+              <a:t>Position</a:t>
+            </a:r>
+            <a:r>
+              <a:rPr lang="zh-CN" altLang="en-US" dirty="0" smtClean="0"/>
+              <a:t> </a:t>
+            </a:r>
+            <a:r>
+              <a:rPr lang="en-US" altLang="zh-CN" dirty="0" smtClean="0"/>
+              <a:t>change</a:t>
+            </a:r>
+            <a:r>
+              <a:rPr lang="zh-CN" altLang="en-US" dirty="0" smtClean="0"/>
+              <a:t> </a:t>
+            </a:r>
+            <a:r>
+              <a:rPr lang="en-US" altLang="zh-CN" dirty="0" smtClean="0"/>
+              <a:t>of</a:t>
+            </a:r>
+            <a:r>
+              <a:rPr lang="zh-CN" altLang="en-US" dirty="0" smtClean="0"/>
+              <a:t> </a:t>
+            </a:r>
+            <a:r>
+              <a:rPr lang="en-US" altLang="zh-CN" dirty="0" smtClean="0"/>
+              <a:t>fingertip</a:t>
+            </a:r>
+            <a:r>
+              <a:rPr lang="zh-CN" altLang="en-US" dirty="0" smtClean="0"/>
+              <a:t> </a:t>
+            </a:r>
+            <a:r>
+              <a:rPr lang="en-US" altLang="zh-CN" dirty="0" smtClean="0"/>
+              <a:t>is</a:t>
+            </a:r>
+            <a:r>
+              <a:rPr lang="zh-CN" altLang="en-US" dirty="0" smtClean="0"/>
+              <a:t> </a:t>
+            </a:r>
+            <a:r>
+              <a:rPr lang="en-US" altLang="zh-CN" dirty="0" smtClean="0"/>
+              <a:t>large</a:t>
+            </a:r>
+            <a:r>
+              <a:rPr lang="zh-CN" altLang="en-US" dirty="0" smtClean="0"/>
+              <a:t> </a:t>
+            </a:r>
+            <a:r>
+              <a:rPr lang="en-US" altLang="zh-CN" dirty="0" smtClean="0"/>
+              <a:t>enough</a:t>
+            </a:r>
+          </a:p>
+          <a:p>
+            <a:r>
+              <a:rPr lang="en-US" altLang="zh-CN" dirty="0" smtClean="0"/>
+              <a:t>Parameters</a:t>
+            </a:r>
+            <a:r>
+              <a:rPr lang="zh-CN" altLang="en-US" dirty="0" smtClean="0"/>
+              <a:t> </a:t>
+            </a:r>
+            <a:r>
+              <a:rPr lang="en-US" altLang="zh-CN" dirty="0" smtClean="0"/>
+              <a:t>sent</a:t>
+            </a:r>
+            <a:r>
+              <a:rPr lang="zh-CN" altLang="en-US" dirty="0" smtClean="0"/>
+              <a:t> </a:t>
+            </a:r>
+            <a:r>
+              <a:rPr lang="en-US" altLang="zh-CN" dirty="0" smtClean="0"/>
+              <a:t>to</a:t>
+            </a:r>
+            <a:r>
+              <a:rPr lang="zh-CN" altLang="en-US" dirty="0" smtClean="0"/>
+              <a:t> </a:t>
+            </a:r>
+            <a:r>
+              <a:rPr lang="en-US" altLang="zh-CN" dirty="0" smtClean="0"/>
+              <a:t>midi</a:t>
+            </a:r>
+            <a:r>
+              <a:rPr lang="zh-CN" altLang="en-US" dirty="0" smtClean="0"/>
+              <a:t> </a:t>
+            </a:r>
+            <a:r>
+              <a:rPr lang="en-US" altLang="zh-CN" dirty="0" smtClean="0"/>
+              <a:t>stream</a:t>
+            </a:r>
+          </a:p>
+          <a:p>
+            <a:pPr lvl="1"/>
+            <a:r>
+              <a:rPr lang="en-US" altLang="zh-CN" dirty="0" smtClean="0"/>
+              <a:t>Velocity:</a:t>
+            </a:r>
+            <a:r>
+              <a:rPr lang="zh-CN" altLang="en-US" dirty="0" smtClean="0"/>
+              <a:t> </a:t>
+            </a:r>
+            <a:r>
+              <a:rPr lang="en-US" altLang="zh-CN" dirty="0" smtClean="0"/>
+              <a:t>velocity</a:t>
+            </a:r>
+            <a:r>
+              <a:rPr lang="zh-CN" altLang="en-US" dirty="0" smtClean="0"/>
+              <a:t> </a:t>
+            </a:r>
+            <a:r>
+              <a:rPr lang="en-US" altLang="zh-CN" dirty="0" smtClean="0"/>
+              <a:t>of</a:t>
+            </a:r>
+            <a:r>
+              <a:rPr lang="zh-CN" altLang="en-US" dirty="0" smtClean="0"/>
+              <a:t> </a:t>
+            </a:r>
+            <a:r>
+              <a:rPr lang="en-US" altLang="zh-CN" dirty="0" smtClean="0"/>
+              <a:t>fingertip</a:t>
+            </a:r>
+          </a:p>
+          <a:p>
+            <a:pPr lvl="1"/>
+            <a:r>
+              <a:rPr lang="en-US" altLang="zh-CN" dirty="0" smtClean="0"/>
+              <a:t>Time</a:t>
+            </a:r>
+            <a:r>
+              <a:rPr lang="zh-CN" altLang="en-US" dirty="0" smtClean="0"/>
+              <a:t> </a:t>
+            </a:r>
+            <a:r>
+              <a:rPr lang="en-US" altLang="zh-CN" dirty="0" smtClean="0"/>
+              <a:t>of</a:t>
+            </a:r>
+            <a:r>
+              <a:rPr lang="zh-CN" altLang="en-US" dirty="0" smtClean="0"/>
+              <a:t> </a:t>
+            </a:r>
+            <a:r>
+              <a:rPr lang="en-US" altLang="zh-CN" dirty="0" smtClean="0"/>
+              <a:t>a</a:t>
+            </a:r>
+            <a:r>
+              <a:rPr lang="zh-CN" altLang="en-US" dirty="0" smtClean="0"/>
+              <a:t> </a:t>
+            </a:r>
+            <a:r>
+              <a:rPr lang="en-US" altLang="zh-CN" dirty="0" smtClean="0"/>
+              <a:t>note:</a:t>
+            </a:r>
+            <a:r>
+              <a:rPr lang="zh-CN" altLang="en-US" dirty="0" smtClean="0"/>
+              <a:t> </a:t>
+            </a:r>
+            <a:r>
+              <a:rPr lang="en-US" altLang="zh-CN" dirty="0" smtClean="0"/>
+              <a:t>one</a:t>
+            </a:r>
+            <a:r>
+              <a:rPr lang="zh-CN" altLang="en-US" dirty="0" smtClean="0"/>
+              <a:t> </a:t>
+            </a:r>
+            <a:r>
+              <a:rPr lang="en-US" altLang="zh-CN" dirty="0" smtClean="0"/>
+              <a:t>frame(</a:t>
+            </a:r>
+            <a:r>
+              <a:rPr lang="zh-CN" altLang="en-US" dirty="0" smtClean="0"/>
+              <a:t> </a:t>
+            </a:r>
+            <a:r>
+              <a:rPr lang="en-US" altLang="zh-CN" dirty="0" smtClean="0"/>
+              <a:t>about</a:t>
+            </a:r>
+            <a:r>
+              <a:rPr lang="zh-CN" altLang="en-US" dirty="0" smtClean="0"/>
+              <a:t> </a:t>
+            </a:r>
+            <a:r>
+              <a:rPr lang="en-US" altLang="zh-CN" dirty="0" smtClean="0"/>
+              <a:t>0.05</a:t>
+            </a:r>
+            <a:r>
+              <a:rPr lang="zh-CN" altLang="en-US" dirty="0" smtClean="0"/>
+              <a:t> </a:t>
+            </a:r>
+            <a:r>
+              <a:rPr lang="en-US" altLang="zh-CN" dirty="0" smtClean="0"/>
+              <a:t>s)</a:t>
+            </a:r>
+            <a:endParaRPr lang="en-US" altLang="zh-CN" dirty="0" smtClean="0"/>
+          </a:p>
+          <a:p>
+            <a:pPr lvl="1"/>
+            <a:endParaRPr lang="en-US" altLang="zh-CN" dirty="0" smtClean="0"/>
+          </a:p>
+        </p:txBody>
+      </p:sp>
+      <p:sp>
+        <p:nvSpPr>
+          <p:cNvPr id="4" name="Slide Number Placeholder 3"/>
           <p:cNvSpPr>
             <a:spLocks noGrp="1"/>
           </p:cNvSpPr>
@@ -6065,7 +12558,6 @@
           <a:p>
             <a:fld id="{69E57DC2-970A-4B3E-BB1C-7A09969E49DF}" type="slidenum">
               <a:rPr lang="en-US" smtClean="0"/>
-              <a:pPr/>
               <a:t>9</a:t>
             </a:fld>
             <a:endParaRPr lang="en-US" dirty="0"/>
@@ -6075,20 +12567,13 @@
     </p:spTree>
     <p:extLst>
       <p:ext uri="{BB962C8B-B14F-4D97-AF65-F5344CB8AC3E}">
-        <p14:creationId xmlns:p14="http://schemas.microsoft.com/office/powerpoint/2010/main" val="339778616"/>
+        <p14:creationId xmlns:p14="http://schemas.microsoft.com/office/powerpoint/2010/main" val="1813941107"/>
       </p:ext>
     </p:extLst>
   </p:cSld>
   <p:clrMapOvr>
     <a:masterClrMapping/>
   </p:clrMapOvr>
-  <p:timing>
-    <p:tnLst>
-      <p:par>
-        <p:cTn id="1" dur="indefinite" restart="never" nodeType="tmRoot"/>
-      </p:par>
-    </p:tnLst>
-  </p:timing>
 </p:sld>
 </file>
 
